--- a/01 Classes/Aula 09 - Programação Microcontroladores - Projetos com Microcontroladores Limitações.pptx
+++ b/01 Classes/Aula 09 - Programação Microcontroladores - Projetos com Microcontroladores Limitações.pptx
@@ -5,18 +5,26 @@
     <p:sldMasterId id="2147483648" r:id="rId1"/>
   </p:sldMasterIdLst>
   <p:notesMasterIdLst>
-    <p:notesMasterId r:id="rId11"/>
+    <p:notesMasterId r:id="rId19"/>
   </p:notesMasterIdLst>
   <p:sldIdLst>
     <p:sldId id="256" r:id="rId2"/>
     <p:sldId id="291" r:id="rId3"/>
     <p:sldId id="340" r:id="rId4"/>
-    <p:sldId id="341" r:id="rId5"/>
-    <p:sldId id="333" r:id="rId6"/>
-    <p:sldId id="323" r:id="rId7"/>
-    <p:sldId id="334" r:id="rId8"/>
-    <p:sldId id="337" r:id="rId9"/>
-    <p:sldId id="309" r:id="rId10"/>
+    <p:sldId id="349" r:id="rId5"/>
+    <p:sldId id="342" r:id="rId6"/>
+    <p:sldId id="344" r:id="rId7"/>
+    <p:sldId id="343" r:id="rId8"/>
+    <p:sldId id="345" r:id="rId9"/>
+    <p:sldId id="346" r:id="rId10"/>
+    <p:sldId id="347" r:id="rId11"/>
+    <p:sldId id="348" r:id="rId12"/>
+    <p:sldId id="341" r:id="rId13"/>
+    <p:sldId id="333" r:id="rId14"/>
+    <p:sldId id="323" r:id="rId15"/>
+    <p:sldId id="334" r:id="rId16"/>
+    <p:sldId id="337" r:id="rId17"/>
+    <p:sldId id="309" r:id="rId18"/>
   </p:sldIdLst>
   <p:sldSz cx="9144000" cy="5143500" type="screen16x9"/>
   <p:notesSz cx="6858000" cy="9144000"/>
@@ -563,6 +571,402 @@
 </p:notes>
 </file>
 
+<file path=ppt/notesSlides/notesSlide10.xml><?xml version="1.0" encoding="utf-8"?>
+<p:notes xmlns:a="http://schemas.openxmlformats.org/drawingml/2006/main" xmlns:r="http://schemas.openxmlformats.org/officeDocument/2006/relationships" xmlns:p="http://schemas.openxmlformats.org/presentationml/2006/main">
+  <p:cSld>
+    <p:spTree>
+      <p:nvGrpSpPr>
+        <p:cNvPr id="1" name=""/>
+        <p:cNvGrpSpPr/>
+        <p:nvPr/>
+      </p:nvGrpSpPr>
+      <p:grpSpPr>
+        <a:xfrm>
+          <a:off x="0" y="0"/>
+          <a:ext cx="0" cy="0"/>
+          <a:chOff x="0" y="0"/>
+          <a:chExt cx="0" cy="0"/>
+        </a:xfrm>
+      </p:grpSpPr>
+      <p:sp>
+        <p:nvSpPr>
+          <p:cNvPr id="2" name="Espaço Reservado para Imagem de Slide 1"/>
+          <p:cNvSpPr>
+            <a:spLocks noGrp="1" noRot="1" noChangeAspect="1"/>
+          </p:cNvSpPr>
+          <p:nvPr>
+            <p:ph type="sldImg"/>
+          </p:nvPr>
+        </p:nvSpPr>
+        <p:spPr>
+          <a:xfrm>
+            <a:off x="381000" y="685800"/>
+            <a:ext cx="6096000" cy="3429000"/>
+          </a:xfrm>
+        </p:spPr>
+      </p:sp>
+      <p:sp>
+        <p:nvSpPr>
+          <p:cNvPr id="3" name="Espaço Reservado para Anotações 2"/>
+          <p:cNvSpPr>
+            <a:spLocks noGrp="1"/>
+          </p:cNvSpPr>
+          <p:nvPr>
+            <p:ph type="body" idx="1"/>
+          </p:nvPr>
+        </p:nvSpPr>
+        <p:spPr/>
+        <p:txBody>
+          <a:bodyPr/>
+          <a:lstStyle/>
+          <a:p>
+            <a:endParaRPr lang="pt-BR" dirty="0"/>
+          </a:p>
+        </p:txBody>
+      </p:sp>
+    </p:spTree>
+    <p:extLst>
+      <p:ext uri="{BB962C8B-B14F-4D97-AF65-F5344CB8AC3E}">
+        <p14:creationId xmlns:p14="http://schemas.microsoft.com/office/powerpoint/2010/main" val="3680622044"/>
+      </p:ext>
+    </p:extLst>
+  </p:cSld>
+  <p:clrMapOvr>
+    <a:masterClrMapping/>
+  </p:clrMapOvr>
+</p:notes>
+</file>
+
+<file path=ppt/notesSlides/notesSlide11.xml><?xml version="1.0" encoding="utf-8"?>
+<p:notes xmlns:a="http://schemas.openxmlformats.org/drawingml/2006/main" xmlns:r="http://schemas.openxmlformats.org/officeDocument/2006/relationships" xmlns:p="http://schemas.openxmlformats.org/presentationml/2006/main">
+  <p:cSld>
+    <p:spTree>
+      <p:nvGrpSpPr>
+        <p:cNvPr id="1" name=""/>
+        <p:cNvGrpSpPr/>
+        <p:nvPr/>
+      </p:nvGrpSpPr>
+      <p:grpSpPr>
+        <a:xfrm>
+          <a:off x="0" y="0"/>
+          <a:ext cx="0" cy="0"/>
+          <a:chOff x="0" y="0"/>
+          <a:chExt cx="0" cy="0"/>
+        </a:xfrm>
+      </p:grpSpPr>
+      <p:sp>
+        <p:nvSpPr>
+          <p:cNvPr id="2" name="Espaço Reservado para Imagem de Slide 1"/>
+          <p:cNvSpPr>
+            <a:spLocks noGrp="1" noRot="1" noChangeAspect="1"/>
+          </p:cNvSpPr>
+          <p:nvPr>
+            <p:ph type="sldImg"/>
+          </p:nvPr>
+        </p:nvSpPr>
+        <p:spPr>
+          <a:xfrm>
+            <a:off x="381000" y="685800"/>
+            <a:ext cx="6096000" cy="3429000"/>
+          </a:xfrm>
+        </p:spPr>
+      </p:sp>
+      <p:sp>
+        <p:nvSpPr>
+          <p:cNvPr id="3" name="Espaço Reservado para Anotações 2"/>
+          <p:cNvSpPr>
+            <a:spLocks noGrp="1"/>
+          </p:cNvSpPr>
+          <p:nvPr>
+            <p:ph type="body" idx="1"/>
+          </p:nvPr>
+        </p:nvSpPr>
+        <p:spPr/>
+        <p:txBody>
+          <a:bodyPr/>
+          <a:lstStyle/>
+          <a:p>
+            <a:endParaRPr lang="pt-BR" dirty="0"/>
+          </a:p>
+        </p:txBody>
+      </p:sp>
+    </p:spTree>
+    <p:extLst>
+      <p:ext uri="{BB962C8B-B14F-4D97-AF65-F5344CB8AC3E}">
+        <p14:creationId xmlns:p14="http://schemas.microsoft.com/office/powerpoint/2010/main" val="3457816758"/>
+      </p:ext>
+    </p:extLst>
+  </p:cSld>
+  <p:clrMapOvr>
+    <a:masterClrMapping/>
+  </p:clrMapOvr>
+</p:notes>
+</file>
+
+<file path=ppt/notesSlides/notesSlide12.xml><?xml version="1.0" encoding="utf-8"?>
+<p:notes xmlns:a="http://schemas.openxmlformats.org/drawingml/2006/main" xmlns:r="http://schemas.openxmlformats.org/officeDocument/2006/relationships" xmlns:p="http://schemas.openxmlformats.org/presentationml/2006/main">
+  <p:cSld>
+    <p:spTree>
+      <p:nvGrpSpPr>
+        <p:cNvPr id="1" name=""/>
+        <p:cNvGrpSpPr/>
+        <p:nvPr/>
+      </p:nvGrpSpPr>
+      <p:grpSpPr>
+        <a:xfrm>
+          <a:off x="0" y="0"/>
+          <a:ext cx="0" cy="0"/>
+          <a:chOff x="0" y="0"/>
+          <a:chExt cx="0" cy="0"/>
+        </a:xfrm>
+      </p:grpSpPr>
+      <p:sp>
+        <p:nvSpPr>
+          <p:cNvPr id="2" name="Espaço Reservado para Imagem de Slide 1"/>
+          <p:cNvSpPr>
+            <a:spLocks noGrp="1" noRot="1" noChangeAspect="1"/>
+          </p:cNvSpPr>
+          <p:nvPr>
+            <p:ph type="sldImg"/>
+          </p:nvPr>
+        </p:nvSpPr>
+        <p:spPr>
+          <a:xfrm>
+            <a:off x="381000" y="685800"/>
+            <a:ext cx="6096000" cy="3429000"/>
+          </a:xfrm>
+        </p:spPr>
+      </p:sp>
+      <p:sp>
+        <p:nvSpPr>
+          <p:cNvPr id="3" name="Espaço Reservado para Anotações 2"/>
+          <p:cNvSpPr>
+            <a:spLocks noGrp="1"/>
+          </p:cNvSpPr>
+          <p:nvPr>
+            <p:ph type="body" idx="1"/>
+          </p:nvPr>
+        </p:nvSpPr>
+        <p:spPr/>
+        <p:txBody>
+          <a:bodyPr/>
+          <a:lstStyle/>
+          <a:p>
+            <a:endParaRPr lang="pt-BR" dirty="0"/>
+          </a:p>
+        </p:txBody>
+      </p:sp>
+    </p:spTree>
+    <p:extLst>
+      <p:ext uri="{BB962C8B-B14F-4D97-AF65-F5344CB8AC3E}">
+        <p14:creationId xmlns:p14="http://schemas.microsoft.com/office/powerpoint/2010/main" val="585304384"/>
+      </p:ext>
+    </p:extLst>
+  </p:cSld>
+  <p:clrMapOvr>
+    <a:masterClrMapping/>
+  </p:clrMapOvr>
+</p:notes>
+</file>
+
+<file path=ppt/notesSlides/notesSlide13.xml><?xml version="1.0" encoding="utf-8"?>
+<p:notes xmlns:a="http://schemas.openxmlformats.org/drawingml/2006/main" xmlns:r="http://schemas.openxmlformats.org/officeDocument/2006/relationships" xmlns:p="http://schemas.openxmlformats.org/presentationml/2006/main">
+  <p:cSld>
+    <p:spTree>
+      <p:nvGrpSpPr>
+        <p:cNvPr id="1" name=""/>
+        <p:cNvGrpSpPr/>
+        <p:nvPr/>
+      </p:nvGrpSpPr>
+      <p:grpSpPr>
+        <a:xfrm>
+          <a:off x="0" y="0"/>
+          <a:ext cx="0" cy="0"/>
+          <a:chOff x="0" y="0"/>
+          <a:chExt cx="0" cy="0"/>
+        </a:xfrm>
+      </p:grpSpPr>
+      <p:sp>
+        <p:nvSpPr>
+          <p:cNvPr id="2" name="Espaço Reservado para Imagem de Slide 1"/>
+          <p:cNvSpPr>
+            <a:spLocks noGrp="1" noRot="1" noChangeAspect="1"/>
+          </p:cNvSpPr>
+          <p:nvPr>
+            <p:ph type="sldImg"/>
+          </p:nvPr>
+        </p:nvSpPr>
+        <p:spPr>
+          <a:xfrm>
+            <a:off x="381000" y="685800"/>
+            <a:ext cx="6096000" cy="3429000"/>
+          </a:xfrm>
+        </p:spPr>
+      </p:sp>
+      <p:sp>
+        <p:nvSpPr>
+          <p:cNvPr id="3" name="Espaço Reservado para Anotações 2"/>
+          <p:cNvSpPr>
+            <a:spLocks noGrp="1"/>
+          </p:cNvSpPr>
+          <p:nvPr>
+            <p:ph type="body" idx="1"/>
+          </p:nvPr>
+        </p:nvSpPr>
+        <p:spPr/>
+        <p:txBody>
+          <a:bodyPr/>
+          <a:lstStyle/>
+          <a:p>
+            <a:endParaRPr lang="pt-BR" dirty="0"/>
+          </a:p>
+        </p:txBody>
+      </p:sp>
+    </p:spTree>
+    <p:extLst>
+      <p:ext uri="{BB962C8B-B14F-4D97-AF65-F5344CB8AC3E}">
+        <p14:creationId xmlns:p14="http://schemas.microsoft.com/office/powerpoint/2010/main" val="2709569597"/>
+      </p:ext>
+    </p:extLst>
+  </p:cSld>
+  <p:clrMapOvr>
+    <a:masterClrMapping/>
+  </p:clrMapOvr>
+</p:notes>
+</file>
+
+<file path=ppt/notesSlides/notesSlide14.xml><?xml version="1.0" encoding="utf-8"?>
+<p:notes xmlns:a="http://schemas.openxmlformats.org/drawingml/2006/main" xmlns:r="http://schemas.openxmlformats.org/officeDocument/2006/relationships" xmlns:p="http://schemas.openxmlformats.org/presentationml/2006/main">
+  <p:cSld>
+    <p:spTree>
+      <p:nvGrpSpPr>
+        <p:cNvPr id="1" name=""/>
+        <p:cNvGrpSpPr/>
+        <p:nvPr/>
+      </p:nvGrpSpPr>
+      <p:grpSpPr>
+        <a:xfrm>
+          <a:off x="0" y="0"/>
+          <a:ext cx="0" cy="0"/>
+          <a:chOff x="0" y="0"/>
+          <a:chExt cx="0" cy="0"/>
+        </a:xfrm>
+      </p:grpSpPr>
+      <p:sp>
+        <p:nvSpPr>
+          <p:cNvPr id="2" name="Espaço Reservado para Imagem de Slide 1"/>
+          <p:cNvSpPr>
+            <a:spLocks noGrp="1" noRot="1" noChangeAspect="1"/>
+          </p:cNvSpPr>
+          <p:nvPr>
+            <p:ph type="sldImg"/>
+          </p:nvPr>
+        </p:nvSpPr>
+        <p:spPr>
+          <a:xfrm>
+            <a:off x="381000" y="685800"/>
+            <a:ext cx="6096000" cy="3429000"/>
+          </a:xfrm>
+        </p:spPr>
+      </p:sp>
+      <p:sp>
+        <p:nvSpPr>
+          <p:cNvPr id="3" name="Espaço Reservado para Anotações 2"/>
+          <p:cNvSpPr>
+            <a:spLocks noGrp="1"/>
+          </p:cNvSpPr>
+          <p:nvPr>
+            <p:ph type="body" idx="1"/>
+          </p:nvPr>
+        </p:nvSpPr>
+        <p:spPr/>
+        <p:txBody>
+          <a:bodyPr/>
+          <a:lstStyle/>
+          <a:p>
+            <a:endParaRPr lang="pt-BR" dirty="0"/>
+          </a:p>
+        </p:txBody>
+      </p:sp>
+    </p:spTree>
+    <p:extLst>
+      <p:ext uri="{BB962C8B-B14F-4D97-AF65-F5344CB8AC3E}">
+        <p14:creationId xmlns:p14="http://schemas.microsoft.com/office/powerpoint/2010/main" val="2296249050"/>
+      </p:ext>
+    </p:extLst>
+  </p:cSld>
+  <p:clrMapOvr>
+    <a:masterClrMapping/>
+  </p:clrMapOvr>
+</p:notes>
+</file>
+
+<file path=ppt/notesSlides/notesSlide15.xml><?xml version="1.0" encoding="utf-8"?>
+<p:notes xmlns:a="http://schemas.openxmlformats.org/drawingml/2006/main" xmlns:r="http://schemas.openxmlformats.org/officeDocument/2006/relationships" xmlns:p="http://schemas.openxmlformats.org/presentationml/2006/main">
+  <p:cSld>
+    <p:spTree>
+      <p:nvGrpSpPr>
+        <p:cNvPr id="1" name=""/>
+        <p:cNvGrpSpPr/>
+        <p:nvPr/>
+      </p:nvGrpSpPr>
+      <p:grpSpPr>
+        <a:xfrm>
+          <a:off x="0" y="0"/>
+          <a:ext cx="0" cy="0"/>
+          <a:chOff x="0" y="0"/>
+          <a:chExt cx="0" cy="0"/>
+        </a:xfrm>
+      </p:grpSpPr>
+      <p:sp>
+        <p:nvSpPr>
+          <p:cNvPr id="2" name="Espaço Reservado para Imagem de Slide 1"/>
+          <p:cNvSpPr>
+            <a:spLocks noGrp="1" noRot="1" noChangeAspect="1"/>
+          </p:cNvSpPr>
+          <p:nvPr>
+            <p:ph type="sldImg"/>
+          </p:nvPr>
+        </p:nvSpPr>
+        <p:spPr>
+          <a:xfrm>
+            <a:off x="381000" y="685800"/>
+            <a:ext cx="6096000" cy="3429000"/>
+          </a:xfrm>
+        </p:spPr>
+      </p:sp>
+      <p:sp>
+        <p:nvSpPr>
+          <p:cNvPr id="3" name="Espaço Reservado para Anotações 2"/>
+          <p:cNvSpPr>
+            <a:spLocks noGrp="1"/>
+          </p:cNvSpPr>
+          <p:nvPr>
+            <p:ph type="body" idx="1"/>
+          </p:nvPr>
+        </p:nvSpPr>
+        <p:spPr/>
+        <p:txBody>
+          <a:bodyPr/>
+          <a:lstStyle/>
+          <a:p>
+            <a:endParaRPr lang="pt-BR" dirty="0"/>
+          </a:p>
+        </p:txBody>
+      </p:sp>
+    </p:spTree>
+    <p:extLst>
+      <p:ext uri="{BB962C8B-B14F-4D97-AF65-F5344CB8AC3E}">
+        <p14:creationId xmlns:p14="http://schemas.microsoft.com/office/powerpoint/2010/main" val="4290351292"/>
+      </p:ext>
+    </p:extLst>
+  </p:cSld>
+  <p:clrMapOvr>
+    <a:masterClrMapping/>
+  </p:clrMapOvr>
+</p:notes>
+</file>
+
 <file path=ppt/notesSlides/notesSlide2.xml><?xml version="1.0" encoding="utf-8"?>
 <p:notes xmlns:a="http://schemas.openxmlformats.org/drawingml/2006/main" xmlns:r="http://schemas.openxmlformats.org/officeDocument/2006/relationships" xmlns:p="http://schemas.openxmlformats.org/presentationml/2006/main">
   <p:cSld>
@@ -685,7 +1089,7 @@
     </p:spTree>
     <p:extLst>
       <p:ext uri="{BB962C8B-B14F-4D97-AF65-F5344CB8AC3E}">
-        <p14:creationId xmlns:p14="http://schemas.microsoft.com/office/powerpoint/2010/main" val="3457816758"/>
+        <p14:creationId xmlns:p14="http://schemas.microsoft.com/office/powerpoint/2010/main" val="1540857679"/>
       </p:ext>
     </p:extLst>
   </p:cSld>
@@ -751,7 +1155,7 @@
     </p:spTree>
     <p:extLst>
       <p:ext uri="{BB962C8B-B14F-4D97-AF65-F5344CB8AC3E}">
-        <p14:creationId xmlns:p14="http://schemas.microsoft.com/office/powerpoint/2010/main" val="585304384"/>
+        <p14:creationId xmlns:p14="http://schemas.microsoft.com/office/powerpoint/2010/main" val="3883684918"/>
       </p:ext>
     </p:extLst>
   </p:cSld>
@@ -817,7 +1221,7 @@
     </p:spTree>
     <p:extLst>
       <p:ext uri="{BB962C8B-B14F-4D97-AF65-F5344CB8AC3E}">
-        <p14:creationId xmlns:p14="http://schemas.microsoft.com/office/powerpoint/2010/main" val="2709569597"/>
+        <p14:creationId xmlns:p14="http://schemas.microsoft.com/office/powerpoint/2010/main" val="1692956008"/>
       </p:ext>
     </p:extLst>
   </p:cSld>
@@ -883,7 +1287,7 @@
     </p:spTree>
     <p:extLst>
       <p:ext uri="{BB962C8B-B14F-4D97-AF65-F5344CB8AC3E}">
-        <p14:creationId xmlns:p14="http://schemas.microsoft.com/office/powerpoint/2010/main" val="2296249050"/>
+        <p14:creationId xmlns:p14="http://schemas.microsoft.com/office/powerpoint/2010/main" val="4022277839"/>
       </p:ext>
     </p:extLst>
   </p:cSld>
@@ -949,7 +1353,139 @@
     </p:spTree>
     <p:extLst>
       <p:ext uri="{BB962C8B-B14F-4D97-AF65-F5344CB8AC3E}">
-        <p14:creationId xmlns:p14="http://schemas.microsoft.com/office/powerpoint/2010/main" val="4290351292"/>
+        <p14:creationId xmlns:p14="http://schemas.microsoft.com/office/powerpoint/2010/main" val="3844293960"/>
+      </p:ext>
+    </p:extLst>
+  </p:cSld>
+  <p:clrMapOvr>
+    <a:masterClrMapping/>
+  </p:clrMapOvr>
+</p:notes>
+</file>
+
+<file path=ppt/notesSlides/notesSlide8.xml><?xml version="1.0" encoding="utf-8"?>
+<p:notes xmlns:a="http://schemas.openxmlformats.org/drawingml/2006/main" xmlns:r="http://schemas.openxmlformats.org/officeDocument/2006/relationships" xmlns:p="http://schemas.openxmlformats.org/presentationml/2006/main">
+  <p:cSld>
+    <p:spTree>
+      <p:nvGrpSpPr>
+        <p:cNvPr id="1" name=""/>
+        <p:cNvGrpSpPr/>
+        <p:nvPr/>
+      </p:nvGrpSpPr>
+      <p:grpSpPr>
+        <a:xfrm>
+          <a:off x="0" y="0"/>
+          <a:ext cx="0" cy="0"/>
+          <a:chOff x="0" y="0"/>
+          <a:chExt cx="0" cy="0"/>
+        </a:xfrm>
+      </p:grpSpPr>
+      <p:sp>
+        <p:nvSpPr>
+          <p:cNvPr id="2" name="Espaço Reservado para Imagem de Slide 1"/>
+          <p:cNvSpPr>
+            <a:spLocks noGrp="1" noRot="1" noChangeAspect="1"/>
+          </p:cNvSpPr>
+          <p:nvPr>
+            <p:ph type="sldImg"/>
+          </p:nvPr>
+        </p:nvSpPr>
+        <p:spPr>
+          <a:xfrm>
+            <a:off x="381000" y="685800"/>
+            <a:ext cx="6096000" cy="3429000"/>
+          </a:xfrm>
+        </p:spPr>
+      </p:sp>
+      <p:sp>
+        <p:nvSpPr>
+          <p:cNvPr id="3" name="Espaço Reservado para Anotações 2"/>
+          <p:cNvSpPr>
+            <a:spLocks noGrp="1"/>
+          </p:cNvSpPr>
+          <p:nvPr>
+            <p:ph type="body" idx="1"/>
+          </p:nvPr>
+        </p:nvSpPr>
+        <p:spPr/>
+        <p:txBody>
+          <a:bodyPr/>
+          <a:lstStyle/>
+          <a:p>
+            <a:endParaRPr lang="pt-BR" dirty="0"/>
+          </a:p>
+        </p:txBody>
+      </p:sp>
+    </p:spTree>
+    <p:extLst>
+      <p:ext uri="{BB962C8B-B14F-4D97-AF65-F5344CB8AC3E}">
+        <p14:creationId xmlns:p14="http://schemas.microsoft.com/office/powerpoint/2010/main" val="2412420207"/>
+      </p:ext>
+    </p:extLst>
+  </p:cSld>
+  <p:clrMapOvr>
+    <a:masterClrMapping/>
+  </p:clrMapOvr>
+</p:notes>
+</file>
+
+<file path=ppt/notesSlides/notesSlide9.xml><?xml version="1.0" encoding="utf-8"?>
+<p:notes xmlns:a="http://schemas.openxmlformats.org/drawingml/2006/main" xmlns:r="http://schemas.openxmlformats.org/officeDocument/2006/relationships" xmlns:p="http://schemas.openxmlformats.org/presentationml/2006/main">
+  <p:cSld>
+    <p:spTree>
+      <p:nvGrpSpPr>
+        <p:cNvPr id="1" name=""/>
+        <p:cNvGrpSpPr/>
+        <p:nvPr/>
+      </p:nvGrpSpPr>
+      <p:grpSpPr>
+        <a:xfrm>
+          <a:off x="0" y="0"/>
+          <a:ext cx="0" cy="0"/>
+          <a:chOff x="0" y="0"/>
+          <a:chExt cx="0" cy="0"/>
+        </a:xfrm>
+      </p:grpSpPr>
+      <p:sp>
+        <p:nvSpPr>
+          <p:cNvPr id="2" name="Espaço Reservado para Imagem de Slide 1"/>
+          <p:cNvSpPr>
+            <a:spLocks noGrp="1" noRot="1" noChangeAspect="1"/>
+          </p:cNvSpPr>
+          <p:nvPr>
+            <p:ph type="sldImg"/>
+          </p:nvPr>
+        </p:nvSpPr>
+        <p:spPr>
+          <a:xfrm>
+            <a:off x="381000" y="685800"/>
+            <a:ext cx="6096000" cy="3429000"/>
+          </a:xfrm>
+        </p:spPr>
+      </p:sp>
+      <p:sp>
+        <p:nvSpPr>
+          <p:cNvPr id="3" name="Espaço Reservado para Anotações 2"/>
+          <p:cNvSpPr>
+            <a:spLocks noGrp="1"/>
+          </p:cNvSpPr>
+          <p:nvPr>
+            <p:ph type="body" idx="1"/>
+          </p:nvPr>
+        </p:nvSpPr>
+        <p:spPr/>
+        <p:txBody>
+          <a:bodyPr/>
+          <a:lstStyle/>
+          <a:p>
+            <a:endParaRPr lang="pt-BR" dirty="0"/>
+          </a:p>
+        </p:txBody>
+      </p:sp>
+    </p:spTree>
+    <p:extLst>
+      <p:ext uri="{BB962C8B-B14F-4D97-AF65-F5344CB8AC3E}">
+        <p14:creationId xmlns:p14="http://schemas.microsoft.com/office/powerpoint/2010/main" val="2764987532"/>
       </p:ext>
     </p:extLst>
   </p:cSld>
@@ -3896,6 +4432,2562 @@
 </p:sld>
 </file>
 
+<file path=ppt/slides/slide10.xml><?xml version="1.0" encoding="utf-8"?>
+<p:sld xmlns:a="http://schemas.openxmlformats.org/drawingml/2006/main" xmlns:r="http://schemas.openxmlformats.org/officeDocument/2006/relationships" xmlns:p="http://schemas.openxmlformats.org/presentationml/2006/main">
+  <p:cSld>
+    <p:spTree>
+      <p:nvGrpSpPr>
+        <p:cNvPr id="1" name=""/>
+        <p:cNvGrpSpPr/>
+        <p:nvPr/>
+      </p:nvGrpSpPr>
+      <p:grpSpPr>
+        <a:xfrm>
+          <a:off x="0" y="0"/>
+          <a:ext cx="0" cy="0"/>
+          <a:chOff x="0" y="0"/>
+          <a:chExt cx="0" cy="0"/>
+        </a:xfrm>
+      </p:grpSpPr>
+      <p:sp>
+        <p:nvSpPr>
+          <p:cNvPr id="6" name="Title 1"/>
+          <p:cNvSpPr>
+            <a:spLocks noGrp="1"/>
+          </p:cNvSpPr>
+          <p:nvPr>
+            <p:ph type="title"/>
+          </p:nvPr>
+        </p:nvSpPr>
+        <p:spPr>
+          <a:xfrm>
+            <a:off x="457200" y="205980"/>
+            <a:ext cx="8229600" cy="857251"/>
+          </a:xfrm>
+        </p:spPr>
+        <p:txBody>
+          <a:bodyPr>
+            <a:normAutofit/>
+          </a:bodyPr>
+          <a:lstStyle/>
+          <a:p>
+            <a:r>
+              <a:rPr lang="en-US" b="1" dirty="0">
+                <a:solidFill>
+                  <a:srgbClr val="0070C0"/>
+                </a:solidFill>
+              </a:rPr>
+              <a:t>SO </a:t>
+            </a:r>
+            <a:r>
+              <a:rPr lang="en-US" b="1" dirty="0" err="1">
+                <a:solidFill>
+                  <a:srgbClr val="0070C0"/>
+                </a:solidFill>
+              </a:rPr>
+              <a:t>Embacados</a:t>
+            </a:r>
+            <a:endParaRPr lang="en-US" b="1" dirty="0">
+              <a:solidFill>
+                <a:srgbClr val="0070C0"/>
+              </a:solidFill>
+            </a:endParaRPr>
+          </a:p>
+        </p:txBody>
+      </p:sp>
+      <p:sp>
+        <p:nvSpPr>
+          <p:cNvPr id="8" name="Text Placeholder 2"/>
+          <p:cNvSpPr>
+            <a:spLocks noGrp="1"/>
+          </p:cNvSpPr>
+          <p:nvPr>
+            <p:ph type="body" sz="half" idx="1"/>
+          </p:nvPr>
+        </p:nvSpPr>
+        <p:spPr>
+          <a:xfrm>
+            <a:off x="142865" y="1187958"/>
+            <a:ext cx="8865056" cy="3542298"/>
+          </a:xfrm>
+        </p:spPr>
+        <p:txBody>
+          <a:bodyPr>
+            <a:noAutofit/>
+          </a:bodyPr>
+          <a:lstStyle/>
+          <a:p>
+            <a:pPr marL="0" indent="0" algn="just">
+              <a:buNone/>
+            </a:pPr>
+            <a:r>
+              <a:rPr lang="pt-BR" sz="2000" b="1" dirty="0" err="1">
+                <a:solidFill>
+                  <a:schemeClr val="tx1"/>
+                </a:solidFill>
+                <a:latin typeface="Times New Roman" panose="02020603050405020304" pitchFamily="18" charset="0"/>
+                <a:cs typeface="Times New Roman" panose="02020603050405020304" pitchFamily="18" charset="0"/>
+              </a:rPr>
+              <a:t>Raspberry</a:t>
+            </a:r>
+            <a:r>
+              <a:rPr lang="pt-BR" sz="2000" b="1" dirty="0">
+                <a:solidFill>
+                  <a:schemeClr val="tx1"/>
+                </a:solidFill>
+                <a:latin typeface="Times New Roman" panose="02020603050405020304" pitchFamily="18" charset="0"/>
+                <a:cs typeface="Times New Roman" panose="02020603050405020304" pitchFamily="18" charset="0"/>
+              </a:rPr>
+              <a:t> PI OS (</a:t>
+            </a:r>
+            <a:r>
+              <a:rPr lang="pt-BR" sz="2000" b="1" dirty="0" err="1">
+                <a:solidFill>
+                  <a:schemeClr val="tx1"/>
+                </a:solidFill>
+                <a:latin typeface="Times New Roman" panose="02020603050405020304" pitchFamily="18" charset="0"/>
+                <a:cs typeface="Times New Roman" panose="02020603050405020304" pitchFamily="18" charset="0"/>
+              </a:rPr>
+              <a:t>Raspbian</a:t>
+            </a:r>
+            <a:r>
+              <a:rPr lang="pt-BR" sz="2000" b="1" dirty="0">
+                <a:solidFill>
+                  <a:schemeClr val="tx1"/>
+                </a:solidFill>
+                <a:latin typeface="Times New Roman" panose="02020603050405020304" pitchFamily="18" charset="0"/>
+                <a:cs typeface="Times New Roman" panose="02020603050405020304" pitchFamily="18" charset="0"/>
+              </a:rPr>
+              <a:t>)</a:t>
+            </a:r>
+            <a:r>
+              <a:rPr lang="pt-BR" sz="2000" dirty="0">
+                <a:solidFill>
+                  <a:schemeClr val="tx1"/>
+                </a:solidFill>
+                <a:latin typeface="Times New Roman" panose="02020603050405020304" pitchFamily="18" charset="0"/>
+                <a:cs typeface="Times New Roman" panose="02020603050405020304" pitchFamily="18" charset="0"/>
+              </a:rPr>
+              <a:t> - É a principal distribuição Linux para as plataformas da linha </a:t>
+            </a:r>
+            <a:r>
+              <a:rPr lang="pt-BR" sz="2000" dirty="0" err="1">
+                <a:solidFill>
+                  <a:schemeClr val="tx1"/>
+                </a:solidFill>
+                <a:latin typeface="Times New Roman" panose="02020603050405020304" pitchFamily="18" charset="0"/>
+                <a:cs typeface="Times New Roman" panose="02020603050405020304" pitchFamily="18" charset="0"/>
+              </a:rPr>
+              <a:t>Raspberry</a:t>
+            </a:r>
+            <a:r>
+              <a:rPr lang="pt-BR" sz="2000" dirty="0">
+                <a:solidFill>
+                  <a:schemeClr val="tx1"/>
+                </a:solidFill>
+                <a:latin typeface="Times New Roman" panose="02020603050405020304" pitchFamily="18" charset="0"/>
+                <a:cs typeface="Times New Roman" panose="02020603050405020304" pitchFamily="18" charset="0"/>
+              </a:rPr>
+              <a:t> Pi, sendo referência para prototipação de soluções com Linux embarcado.</a:t>
+            </a:r>
+          </a:p>
+          <a:p>
+            <a:pPr marL="0" indent="0" algn="just">
+              <a:buNone/>
+            </a:pPr>
+            <a:endParaRPr lang="pt-BR" sz="2000" dirty="0">
+              <a:solidFill>
+                <a:schemeClr val="tx1"/>
+              </a:solidFill>
+              <a:latin typeface="Times New Roman" panose="02020603050405020304" pitchFamily="18" charset="0"/>
+              <a:cs typeface="Times New Roman" panose="02020603050405020304" pitchFamily="18" charset="0"/>
+            </a:endParaRPr>
+          </a:p>
+          <a:p>
+            <a:pPr marL="0" indent="0" algn="just">
+              <a:buNone/>
+            </a:pPr>
+            <a:r>
+              <a:rPr lang="pt-BR" sz="2000" b="1" dirty="0">
+                <a:solidFill>
+                  <a:schemeClr val="tx1"/>
+                </a:solidFill>
+                <a:latin typeface="Times New Roman" panose="02020603050405020304" pitchFamily="18" charset="0"/>
+                <a:cs typeface="Times New Roman" panose="02020603050405020304" pitchFamily="18" charset="0"/>
+              </a:rPr>
+              <a:t>Outras distribuições de Linux:</a:t>
+            </a:r>
+            <a:r>
+              <a:rPr lang="pt-BR" sz="2000" dirty="0">
+                <a:solidFill>
+                  <a:schemeClr val="tx1"/>
+                </a:solidFill>
+                <a:latin typeface="Times New Roman" panose="02020603050405020304" pitchFamily="18" charset="0"/>
+                <a:cs typeface="Times New Roman" panose="02020603050405020304" pitchFamily="18" charset="0"/>
+              </a:rPr>
+              <a:t> </a:t>
+            </a:r>
+            <a:r>
+              <a:rPr lang="es-ES" sz="2000" i="0" dirty="0">
+                <a:solidFill>
+                  <a:srgbClr val="111111"/>
+                </a:solidFill>
+                <a:effectLst/>
+                <a:latin typeface="Times New Roman" panose="02020603050405020304" pitchFamily="18" charset="0"/>
+                <a:cs typeface="Times New Roman" panose="02020603050405020304" pitchFamily="18" charset="0"/>
+              </a:rPr>
+              <a:t>Ubuntu, Debian, </a:t>
+            </a:r>
+            <a:r>
+              <a:rPr lang="es-ES" sz="2000" i="0" dirty="0" err="1">
+                <a:solidFill>
+                  <a:srgbClr val="111111"/>
+                </a:solidFill>
+                <a:effectLst/>
+                <a:latin typeface="Times New Roman" panose="02020603050405020304" pitchFamily="18" charset="0"/>
+                <a:cs typeface="Times New Roman" panose="02020603050405020304" pitchFamily="18" charset="0"/>
+              </a:rPr>
+              <a:t>Arch</a:t>
+            </a:r>
+            <a:r>
+              <a:rPr lang="es-ES" sz="2000" i="0" dirty="0">
+                <a:solidFill>
+                  <a:srgbClr val="111111"/>
+                </a:solidFill>
+                <a:effectLst/>
+                <a:latin typeface="Times New Roman" panose="02020603050405020304" pitchFamily="18" charset="0"/>
+                <a:cs typeface="Times New Roman" panose="02020603050405020304" pitchFamily="18" charset="0"/>
+              </a:rPr>
+              <a:t> Linux, etc.</a:t>
+            </a:r>
+          </a:p>
+          <a:p>
+            <a:pPr marL="0" indent="0" algn="just">
+              <a:buNone/>
+            </a:pPr>
+            <a:endParaRPr lang="es-ES" sz="2000" i="0" dirty="0">
+              <a:solidFill>
+                <a:srgbClr val="111111"/>
+              </a:solidFill>
+              <a:effectLst/>
+              <a:latin typeface="Times New Roman" panose="02020603050405020304" pitchFamily="18" charset="0"/>
+              <a:cs typeface="Times New Roman" panose="02020603050405020304" pitchFamily="18" charset="0"/>
+            </a:endParaRPr>
+          </a:p>
+          <a:p>
+            <a:pPr marL="0" indent="0" algn="just">
+              <a:buNone/>
+            </a:pPr>
+            <a:r>
+              <a:rPr lang="pt-BR" sz="2000" b="1" dirty="0" err="1">
+                <a:solidFill>
+                  <a:srgbClr val="111111"/>
+                </a:solidFill>
+                <a:latin typeface="Times New Roman" panose="02020603050405020304" pitchFamily="18" charset="0"/>
+                <a:cs typeface="Times New Roman" panose="02020603050405020304" pitchFamily="18" charset="0"/>
+              </a:rPr>
+              <a:t>Yocto</a:t>
+            </a:r>
+            <a:r>
+              <a:rPr lang="pt-BR" sz="2000" b="1" dirty="0">
+                <a:solidFill>
+                  <a:srgbClr val="111111"/>
+                </a:solidFill>
+                <a:latin typeface="Times New Roman" panose="02020603050405020304" pitchFamily="18" charset="0"/>
+                <a:cs typeface="Times New Roman" panose="02020603050405020304" pitchFamily="18" charset="0"/>
+              </a:rPr>
+              <a:t> Project</a:t>
+            </a:r>
+            <a:r>
+              <a:rPr lang="pt-BR" sz="2000" dirty="0">
+                <a:solidFill>
+                  <a:srgbClr val="111111"/>
+                </a:solidFill>
+                <a:latin typeface="Times New Roman" panose="02020603050405020304" pitchFamily="18" charset="0"/>
+                <a:cs typeface="Times New Roman" panose="02020603050405020304" pitchFamily="18" charset="0"/>
+              </a:rPr>
+              <a:t> - Oferece ferramentas para criar uma distribuição Linux customizada.</a:t>
+            </a:r>
+          </a:p>
+        </p:txBody>
+      </p:sp>
+    </p:spTree>
+    <p:extLst>
+      <p:ext uri="{BB962C8B-B14F-4D97-AF65-F5344CB8AC3E}">
+        <p14:creationId xmlns:p14="http://schemas.microsoft.com/office/powerpoint/2010/main" val="73602345"/>
+      </p:ext>
+    </p:extLst>
+  </p:cSld>
+  <p:clrMapOvr>
+    <a:masterClrMapping/>
+  </p:clrMapOvr>
+  <p:transition spd="med"/>
+</p:sld>
+</file>
+
+<file path=ppt/slides/slide11.xml><?xml version="1.0" encoding="utf-8"?>
+<p:sld xmlns:a="http://schemas.openxmlformats.org/drawingml/2006/main" xmlns:r="http://schemas.openxmlformats.org/officeDocument/2006/relationships" xmlns:p="http://schemas.openxmlformats.org/presentationml/2006/main">
+  <p:cSld>
+    <p:spTree>
+      <p:nvGrpSpPr>
+        <p:cNvPr id="1" name=""/>
+        <p:cNvGrpSpPr/>
+        <p:nvPr/>
+      </p:nvGrpSpPr>
+      <p:grpSpPr>
+        <a:xfrm>
+          <a:off x="0" y="0"/>
+          <a:ext cx="0" cy="0"/>
+          <a:chOff x="0" y="0"/>
+          <a:chExt cx="0" cy="0"/>
+        </a:xfrm>
+      </p:grpSpPr>
+      <p:sp>
+        <p:nvSpPr>
+          <p:cNvPr id="6" name="Title 1"/>
+          <p:cNvSpPr>
+            <a:spLocks noGrp="1"/>
+          </p:cNvSpPr>
+          <p:nvPr>
+            <p:ph type="title"/>
+          </p:nvPr>
+        </p:nvSpPr>
+        <p:spPr>
+          <a:xfrm>
+            <a:off x="457200" y="205980"/>
+            <a:ext cx="8229600" cy="857251"/>
+          </a:xfrm>
+        </p:spPr>
+        <p:txBody>
+          <a:bodyPr>
+            <a:normAutofit/>
+          </a:bodyPr>
+          <a:lstStyle/>
+          <a:p>
+            <a:r>
+              <a:rPr lang="en-US" b="1" dirty="0">
+                <a:solidFill>
+                  <a:srgbClr val="0070C0"/>
+                </a:solidFill>
+              </a:rPr>
+              <a:t>SO </a:t>
+            </a:r>
+            <a:r>
+              <a:rPr lang="en-US" b="1" dirty="0" err="1">
+                <a:solidFill>
+                  <a:srgbClr val="0070C0"/>
+                </a:solidFill>
+              </a:rPr>
+              <a:t>Embacados</a:t>
+            </a:r>
+            <a:endParaRPr lang="en-US" b="1" dirty="0">
+              <a:solidFill>
+                <a:srgbClr val="0070C0"/>
+              </a:solidFill>
+            </a:endParaRPr>
+          </a:p>
+        </p:txBody>
+      </p:sp>
+      <p:sp>
+        <p:nvSpPr>
+          <p:cNvPr id="8" name="Text Placeholder 2"/>
+          <p:cNvSpPr>
+            <a:spLocks noGrp="1"/>
+          </p:cNvSpPr>
+          <p:nvPr>
+            <p:ph type="body" sz="half" idx="1"/>
+          </p:nvPr>
+        </p:nvSpPr>
+        <p:spPr>
+          <a:xfrm>
+            <a:off x="142865" y="1187958"/>
+            <a:ext cx="8865056" cy="3542298"/>
+          </a:xfrm>
+        </p:spPr>
+        <p:txBody>
+          <a:bodyPr>
+            <a:noAutofit/>
+          </a:bodyPr>
+          <a:lstStyle/>
+          <a:p>
+            <a:pPr marL="0" indent="0" algn="just">
+              <a:buNone/>
+            </a:pPr>
+            <a:r>
+              <a:rPr lang="pt-BR" sz="2000" b="1" dirty="0">
+                <a:solidFill>
+                  <a:srgbClr val="111111"/>
+                </a:solidFill>
+                <a:latin typeface="Times New Roman" panose="02020603050405020304" pitchFamily="18" charset="0"/>
+                <a:cs typeface="Times New Roman" panose="02020603050405020304" pitchFamily="18" charset="0"/>
+              </a:rPr>
+              <a:t>Android para dispositivos embarcados</a:t>
+            </a:r>
+            <a:r>
+              <a:rPr lang="pt-BR" sz="2000" dirty="0">
+                <a:solidFill>
+                  <a:srgbClr val="111111"/>
+                </a:solidFill>
+                <a:latin typeface="Times New Roman" panose="02020603050405020304" pitchFamily="18" charset="0"/>
+                <a:cs typeface="Times New Roman" panose="02020603050405020304" pitchFamily="18" charset="0"/>
+              </a:rPr>
+              <a:t> </a:t>
+            </a:r>
+          </a:p>
+          <a:p>
+            <a:pPr marL="0" indent="0" algn="just">
+              <a:buNone/>
+            </a:pPr>
+            <a:endParaRPr lang="pt-BR" sz="2000" dirty="0">
+              <a:solidFill>
+                <a:srgbClr val="111111"/>
+              </a:solidFill>
+              <a:latin typeface="Times New Roman" panose="02020603050405020304" pitchFamily="18" charset="0"/>
+              <a:cs typeface="Times New Roman" panose="02020603050405020304" pitchFamily="18" charset="0"/>
+            </a:endParaRPr>
+          </a:p>
+          <a:p>
+            <a:pPr marL="0" indent="0" algn="just">
+              <a:buNone/>
+            </a:pPr>
+            <a:r>
+              <a:rPr lang="pt-BR" sz="2000" b="1" dirty="0">
+                <a:solidFill>
+                  <a:srgbClr val="111111"/>
+                </a:solidFill>
+                <a:latin typeface="Times New Roman" panose="02020603050405020304" pitchFamily="18" charset="0"/>
+                <a:cs typeface="Times New Roman" panose="02020603050405020304" pitchFamily="18" charset="0"/>
+              </a:rPr>
+              <a:t>RTOS</a:t>
+            </a:r>
+            <a:r>
+              <a:rPr lang="pt-BR" sz="2000" dirty="0">
+                <a:solidFill>
+                  <a:srgbClr val="111111"/>
+                </a:solidFill>
+                <a:latin typeface="Times New Roman" panose="02020603050405020304" pitchFamily="18" charset="0"/>
+                <a:cs typeface="Times New Roman" panose="02020603050405020304" pitchFamily="18" charset="0"/>
+              </a:rPr>
+              <a:t> </a:t>
+            </a:r>
+          </a:p>
+          <a:p>
+            <a:pPr marL="0" indent="0" algn="just">
+              <a:buNone/>
+            </a:pPr>
+            <a:endParaRPr lang="pt-BR" sz="2000" dirty="0">
+              <a:solidFill>
+                <a:srgbClr val="111111"/>
+              </a:solidFill>
+              <a:latin typeface="Times New Roman" panose="02020603050405020304" pitchFamily="18" charset="0"/>
+              <a:cs typeface="Times New Roman" panose="02020603050405020304" pitchFamily="18" charset="0"/>
+            </a:endParaRPr>
+          </a:p>
+          <a:p>
+            <a:pPr marL="0" indent="0" algn="just">
+              <a:buNone/>
+            </a:pPr>
+            <a:r>
+              <a:rPr lang="pt-BR" sz="2000" dirty="0">
+                <a:solidFill>
+                  <a:srgbClr val="111111"/>
+                </a:solidFill>
+                <a:latin typeface="Times New Roman" panose="02020603050405020304" pitchFamily="18" charset="0"/>
+                <a:cs typeface="Times New Roman" panose="02020603050405020304" pitchFamily="18" charset="0"/>
+              </a:rPr>
+              <a:t>Modalidade de software embarcado que contém um sistema operacional.</a:t>
+            </a:r>
+          </a:p>
+          <a:p>
+            <a:pPr marL="0" indent="0" algn="just">
+              <a:buNone/>
+            </a:pPr>
+            <a:endParaRPr lang="pt-BR" sz="2000" dirty="0">
+              <a:solidFill>
+                <a:srgbClr val="111111"/>
+              </a:solidFill>
+              <a:latin typeface="Times New Roman" panose="02020603050405020304" pitchFamily="18" charset="0"/>
+              <a:cs typeface="Times New Roman" panose="02020603050405020304" pitchFamily="18" charset="0"/>
+            </a:endParaRPr>
+          </a:p>
+          <a:p>
+            <a:pPr marL="0" indent="0" algn="just">
+              <a:buNone/>
+            </a:pPr>
+            <a:r>
+              <a:rPr lang="pt-BR" sz="2000" b="1" dirty="0">
+                <a:solidFill>
+                  <a:srgbClr val="111111"/>
+                </a:solidFill>
+                <a:latin typeface="Times New Roman" panose="02020603050405020304" pitchFamily="18" charset="0"/>
+                <a:cs typeface="Times New Roman" panose="02020603050405020304" pitchFamily="18" charset="0"/>
+              </a:rPr>
+              <a:t>Exemplo</a:t>
+            </a:r>
+            <a:r>
+              <a:rPr lang="pt-BR" sz="2000" dirty="0">
+                <a:solidFill>
+                  <a:srgbClr val="111111"/>
+                </a:solidFill>
+                <a:latin typeface="Times New Roman" panose="02020603050405020304" pitchFamily="18" charset="0"/>
+                <a:cs typeface="Times New Roman" panose="02020603050405020304" pitchFamily="18" charset="0"/>
+              </a:rPr>
+              <a:t>: </a:t>
+            </a:r>
+            <a:r>
+              <a:rPr lang="pt-BR" sz="2000" b="1" dirty="0" err="1">
+                <a:solidFill>
+                  <a:srgbClr val="FF0000"/>
+                </a:solidFill>
+                <a:latin typeface="Times New Roman" panose="02020603050405020304" pitchFamily="18" charset="0"/>
+                <a:cs typeface="Times New Roman" panose="02020603050405020304" pitchFamily="18" charset="0"/>
+              </a:rPr>
+              <a:t>FreeRTOS</a:t>
+            </a:r>
+            <a:r>
+              <a:rPr lang="pt-BR" sz="2000" dirty="0">
+                <a:solidFill>
+                  <a:srgbClr val="111111"/>
+                </a:solidFill>
+                <a:latin typeface="Times New Roman" panose="02020603050405020304" pitchFamily="18" charset="0"/>
+                <a:cs typeface="Times New Roman" panose="02020603050405020304" pitchFamily="18" charset="0"/>
+              </a:rPr>
+              <a:t>.</a:t>
+            </a:r>
+          </a:p>
+        </p:txBody>
+      </p:sp>
+    </p:spTree>
+    <p:extLst>
+      <p:ext uri="{BB962C8B-B14F-4D97-AF65-F5344CB8AC3E}">
+        <p14:creationId xmlns:p14="http://schemas.microsoft.com/office/powerpoint/2010/main" val="3661187396"/>
+      </p:ext>
+    </p:extLst>
+  </p:cSld>
+  <p:clrMapOvr>
+    <a:masterClrMapping/>
+  </p:clrMapOvr>
+  <p:transition spd="med"/>
+</p:sld>
+</file>
+
+<file path=ppt/slides/slide12.xml><?xml version="1.0" encoding="utf-8"?>
+<p:sld xmlns:a="http://schemas.openxmlformats.org/drawingml/2006/main" xmlns:r="http://schemas.openxmlformats.org/officeDocument/2006/relationships" xmlns:p="http://schemas.openxmlformats.org/presentationml/2006/main">
+  <p:cSld>
+    <p:spTree>
+      <p:nvGrpSpPr>
+        <p:cNvPr id="1" name=""/>
+        <p:cNvGrpSpPr/>
+        <p:nvPr/>
+      </p:nvGrpSpPr>
+      <p:grpSpPr>
+        <a:xfrm>
+          <a:off x="0" y="0"/>
+          <a:ext cx="0" cy="0"/>
+          <a:chOff x="0" y="0"/>
+          <a:chExt cx="0" cy="0"/>
+        </a:xfrm>
+      </p:grpSpPr>
+      <p:sp>
+        <p:nvSpPr>
+          <p:cNvPr id="6" name="Title 1"/>
+          <p:cNvSpPr>
+            <a:spLocks noGrp="1"/>
+          </p:cNvSpPr>
+          <p:nvPr>
+            <p:ph type="title"/>
+          </p:nvPr>
+        </p:nvSpPr>
+        <p:spPr>
+          <a:xfrm>
+            <a:off x="457200" y="205980"/>
+            <a:ext cx="8229600" cy="857251"/>
+          </a:xfrm>
+        </p:spPr>
+        <p:txBody>
+          <a:bodyPr>
+            <a:normAutofit fontScale="90000"/>
+          </a:bodyPr>
+          <a:lstStyle/>
+          <a:p>
+            <a:r>
+              <a:rPr lang="en-US" b="1" dirty="0" err="1">
+                <a:solidFill>
+                  <a:srgbClr val="0070C0"/>
+                </a:solidFill>
+              </a:rPr>
+              <a:t>Limitações</a:t>
+            </a:r>
+            <a:r>
+              <a:rPr lang="en-US" b="1" dirty="0">
+                <a:solidFill>
+                  <a:srgbClr val="0070C0"/>
+                </a:solidFill>
+              </a:rPr>
+              <a:t> dos </a:t>
+            </a:r>
+            <a:r>
+              <a:rPr lang="en-US" b="1" dirty="0" err="1">
+                <a:solidFill>
+                  <a:srgbClr val="0070C0"/>
+                </a:solidFill>
+              </a:rPr>
+              <a:t>Microcontroladores</a:t>
+            </a:r>
+            <a:endParaRPr lang="en-US" b="1" dirty="0">
+              <a:solidFill>
+                <a:srgbClr val="0070C0"/>
+              </a:solidFill>
+            </a:endParaRPr>
+          </a:p>
+        </p:txBody>
+      </p:sp>
+      <p:sp>
+        <p:nvSpPr>
+          <p:cNvPr id="8" name="Text Placeholder 2"/>
+          <p:cNvSpPr>
+            <a:spLocks noGrp="1"/>
+          </p:cNvSpPr>
+          <p:nvPr>
+            <p:ph type="body" sz="half" idx="1"/>
+          </p:nvPr>
+        </p:nvSpPr>
+        <p:spPr>
+          <a:xfrm>
+            <a:off x="142865" y="1395222"/>
+            <a:ext cx="8865056" cy="3542298"/>
+          </a:xfrm>
+        </p:spPr>
+        <p:txBody>
+          <a:bodyPr>
+            <a:noAutofit/>
+          </a:bodyPr>
+          <a:lstStyle/>
+          <a:p>
+            <a:pPr algn="just">
+              <a:buFont typeface="Wingdings" panose="05000000000000000000" pitchFamily="2" charset="2"/>
+              <a:buChar char="§"/>
+            </a:pPr>
+            <a:r>
+              <a:rPr lang="pt-BR" sz="2000" dirty="0">
+                <a:solidFill>
+                  <a:schemeClr val="tx1"/>
+                </a:solidFill>
+                <a:latin typeface="Times New Roman" panose="02020603050405020304" pitchFamily="18" charset="0"/>
+                <a:cs typeface="Times New Roman" panose="02020603050405020304" pitchFamily="18" charset="0"/>
+              </a:rPr>
+              <a:t>Velocidade de processamento;</a:t>
+            </a:r>
+          </a:p>
+          <a:p>
+            <a:pPr algn="just">
+              <a:buFont typeface="Wingdings" panose="05000000000000000000" pitchFamily="2" charset="2"/>
+              <a:buChar char="§"/>
+            </a:pPr>
+            <a:r>
+              <a:rPr lang="pt-BR" sz="2000" dirty="0">
+                <a:solidFill>
+                  <a:schemeClr val="tx1"/>
+                </a:solidFill>
+                <a:latin typeface="Times New Roman" panose="02020603050405020304" pitchFamily="18" charset="0"/>
+                <a:cs typeface="Times New Roman" panose="02020603050405020304" pitchFamily="18" charset="0"/>
+              </a:rPr>
+              <a:t>Não adequados para aplicações com tempo de resposta abaixo de poucos microssegundos;</a:t>
+            </a:r>
+          </a:p>
+          <a:p>
+            <a:pPr algn="just">
+              <a:buFont typeface="Wingdings" panose="05000000000000000000" pitchFamily="2" charset="2"/>
+              <a:buChar char="§"/>
+            </a:pPr>
+            <a:r>
+              <a:rPr lang="pt-BR" sz="2000" dirty="0">
+                <a:solidFill>
+                  <a:schemeClr val="tx1"/>
+                </a:solidFill>
+                <a:latin typeface="Times New Roman" panose="02020603050405020304" pitchFamily="18" charset="0"/>
+                <a:cs typeface="Times New Roman" panose="02020603050405020304" pitchFamily="18" charset="0"/>
+              </a:rPr>
+              <a:t>Ambiente de desenvolvimento (compiladores, montadores, </a:t>
+            </a:r>
+            <a:r>
+              <a:rPr lang="pt-BR" sz="2000" dirty="0" err="1">
+                <a:solidFill>
+                  <a:schemeClr val="tx1"/>
+                </a:solidFill>
+                <a:latin typeface="Times New Roman" panose="02020603050405020304" pitchFamily="18" charset="0"/>
+                <a:cs typeface="Times New Roman" panose="02020603050405020304" pitchFamily="18" charset="0"/>
+              </a:rPr>
+              <a:t>linkers</a:t>
+            </a:r>
+            <a:r>
+              <a:rPr lang="pt-BR" sz="2000" dirty="0">
+                <a:solidFill>
+                  <a:schemeClr val="tx1"/>
+                </a:solidFill>
+                <a:latin typeface="Times New Roman" panose="02020603050405020304" pitchFamily="18" charset="0"/>
+                <a:cs typeface="Times New Roman" panose="02020603050405020304" pitchFamily="18" charset="0"/>
+              </a:rPr>
+              <a:t>, bibliotecas, plataformas de software e hardware, </a:t>
+            </a:r>
+            <a:r>
+              <a:rPr lang="pt-BR" sz="2000" dirty="0" err="1">
+                <a:solidFill>
+                  <a:schemeClr val="tx1"/>
+                </a:solidFill>
+                <a:latin typeface="Times New Roman" panose="02020603050405020304" pitchFamily="18" charset="0"/>
+                <a:cs typeface="Times New Roman" panose="02020603050405020304" pitchFamily="18" charset="0"/>
+              </a:rPr>
+              <a:t>etc</a:t>
+            </a:r>
+            <a:r>
+              <a:rPr lang="pt-BR" sz="2000" dirty="0">
+                <a:solidFill>
+                  <a:schemeClr val="tx1"/>
+                </a:solidFill>
+                <a:latin typeface="Times New Roman" panose="02020603050405020304" pitchFamily="18" charset="0"/>
+                <a:cs typeface="Times New Roman" panose="02020603050405020304" pitchFamily="18" charset="0"/>
+              </a:rPr>
+              <a:t>) – pode ser de uso complexo e custo elevado;</a:t>
+            </a:r>
+          </a:p>
+          <a:p>
+            <a:pPr algn="just">
+              <a:buFont typeface="Wingdings" panose="05000000000000000000" pitchFamily="2" charset="2"/>
+              <a:buChar char="§"/>
+            </a:pPr>
+            <a:r>
+              <a:rPr lang="pt-BR" sz="2000" dirty="0">
+                <a:solidFill>
+                  <a:schemeClr val="tx1"/>
+                </a:solidFill>
+                <a:latin typeface="Times New Roman" panose="02020603050405020304" pitchFamily="18" charset="0"/>
+                <a:cs typeface="Times New Roman" panose="02020603050405020304" pitchFamily="18" charset="0"/>
+              </a:rPr>
+              <a:t>Tamanho dos programas e dados (recursos de memória escassos);</a:t>
+            </a:r>
+          </a:p>
+          <a:p>
+            <a:pPr algn="just">
+              <a:buFont typeface="Wingdings" panose="05000000000000000000" pitchFamily="2" charset="2"/>
+              <a:buChar char="§"/>
+            </a:pPr>
+            <a:r>
+              <a:rPr lang="pt-BR" sz="2000" dirty="0">
+                <a:solidFill>
+                  <a:schemeClr val="tx1"/>
+                </a:solidFill>
+                <a:latin typeface="Times New Roman" panose="02020603050405020304" pitchFamily="18" charset="0"/>
+                <a:cs typeface="Times New Roman" panose="02020603050405020304" pitchFamily="18" charset="0"/>
+              </a:rPr>
+              <a:t>Programas sequenciais;</a:t>
+            </a:r>
+          </a:p>
+          <a:p>
+            <a:pPr algn="just">
+              <a:buFont typeface="Wingdings" panose="05000000000000000000" pitchFamily="2" charset="2"/>
+              <a:buChar char="§"/>
+            </a:pPr>
+            <a:r>
+              <a:rPr lang="pt-BR" sz="2000" dirty="0">
+                <a:solidFill>
+                  <a:schemeClr val="tx1"/>
+                </a:solidFill>
+                <a:latin typeface="Times New Roman" panose="02020603050405020304" pitchFamily="18" charset="0"/>
+                <a:cs typeface="Times New Roman" panose="02020603050405020304" pitchFamily="18" charset="0"/>
+              </a:rPr>
+              <a:t>Depurações.</a:t>
+            </a:r>
+          </a:p>
+        </p:txBody>
+      </p:sp>
+    </p:spTree>
+    <p:extLst>
+      <p:ext uri="{BB962C8B-B14F-4D97-AF65-F5344CB8AC3E}">
+        <p14:creationId xmlns:p14="http://schemas.microsoft.com/office/powerpoint/2010/main" val="724239402"/>
+      </p:ext>
+    </p:extLst>
+  </p:cSld>
+  <p:clrMapOvr>
+    <a:masterClrMapping/>
+  </p:clrMapOvr>
+  <p:transition spd="med"/>
+</p:sld>
+</file>
+
+<file path=ppt/slides/slide13.xml><?xml version="1.0" encoding="utf-8"?>
+<p:sld xmlns:a="http://schemas.openxmlformats.org/drawingml/2006/main" xmlns:r="http://schemas.openxmlformats.org/officeDocument/2006/relationships" xmlns:p="http://schemas.openxmlformats.org/presentationml/2006/main">
+  <p:cSld>
+    <p:spTree>
+      <p:nvGrpSpPr>
+        <p:cNvPr id="1" name=""/>
+        <p:cNvGrpSpPr/>
+        <p:nvPr/>
+      </p:nvGrpSpPr>
+      <p:grpSpPr>
+        <a:xfrm>
+          <a:off x="0" y="0"/>
+          <a:ext cx="0" cy="0"/>
+          <a:chOff x="0" y="0"/>
+          <a:chExt cx="0" cy="0"/>
+        </a:xfrm>
+      </p:grpSpPr>
+      <p:sp>
+        <p:nvSpPr>
+          <p:cNvPr id="6" name="Title 1"/>
+          <p:cNvSpPr>
+            <a:spLocks noGrp="1"/>
+          </p:cNvSpPr>
+          <p:nvPr>
+            <p:ph type="title"/>
+          </p:nvPr>
+        </p:nvSpPr>
+        <p:spPr>
+          <a:xfrm>
+            <a:off x="457200" y="205980"/>
+            <a:ext cx="8229600" cy="857251"/>
+          </a:xfrm>
+        </p:spPr>
+        <p:txBody>
+          <a:bodyPr>
+            <a:normAutofit/>
+          </a:bodyPr>
+          <a:lstStyle/>
+          <a:p>
+            <a:r>
+              <a:rPr lang="en-US" b="1" dirty="0" err="1">
+                <a:solidFill>
+                  <a:srgbClr val="0070C0"/>
+                </a:solidFill>
+              </a:rPr>
+              <a:t>Leitura</a:t>
+            </a:r>
+            <a:r>
+              <a:rPr lang="en-US" b="1" dirty="0">
+                <a:solidFill>
+                  <a:srgbClr val="0070C0"/>
+                </a:solidFill>
+              </a:rPr>
+              <a:t> </a:t>
+            </a:r>
+            <a:r>
+              <a:rPr lang="en-US" b="1" dirty="0" err="1">
+                <a:solidFill>
+                  <a:srgbClr val="0070C0"/>
+                </a:solidFill>
+              </a:rPr>
+              <a:t>Específica</a:t>
+            </a:r>
+            <a:endParaRPr lang="en-US" b="1" dirty="0">
+              <a:solidFill>
+                <a:srgbClr val="0070C0"/>
+              </a:solidFill>
+            </a:endParaRPr>
+          </a:p>
+        </p:txBody>
+      </p:sp>
+      <p:sp>
+        <p:nvSpPr>
+          <p:cNvPr id="8" name="Text Placeholder 2"/>
+          <p:cNvSpPr>
+            <a:spLocks noGrp="1"/>
+          </p:cNvSpPr>
+          <p:nvPr>
+            <p:ph type="body" sz="half" idx="1"/>
+          </p:nvPr>
+        </p:nvSpPr>
+        <p:spPr>
+          <a:xfrm>
+            <a:off x="142865" y="1200150"/>
+            <a:ext cx="8865056" cy="3737369"/>
+          </a:xfrm>
+        </p:spPr>
+        <p:txBody>
+          <a:bodyPr>
+            <a:noAutofit/>
+          </a:bodyPr>
+          <a:lstStyle/>
+          <a:p>
+            <a:pPr marL="0" indent="0" algn="just">
+              <a:buNone/>
+            </a:pPr>
+            <a:r>
+              <a:rPr lang="pt-BR" sz="2000" dirty="0">
+                <a:latin typeface="Times New Roman" panose="02020603050405020304" pitchFamily="18" charset="0"/>
+                <a:cs typeface="Times New Roman" panose="02020603050405020304" pitchFamily="18" charset="0"/>
+              </a:rPr>
+              <a:t>[1] </a:t>
+            </a:r>
+            <a:r>
+              <a:rPr lang="pt-BR" sz="2000" b="1" dirty="0">
+                <a:latin typeface="Times New Roman" panose="02020603050405020304" pitchFamily="18" charset="0"/>
+                <a:cs typeface="Times New Roman" panose="02020603050405020304" pitchFamily="18" charset="0"/>
+              </a:rPr>
+              <a:t>Prototipação: Plataformas de hardware/software para sistemas embarcados</a:t>
+            </a:r>
+            <a:r>
+              <a:rPr lang="pt-BR" sz="2000" dirty="0">
+                <a:latin typeface="Times New Roman" panose="02020603050405020304" pitchFamily="18" charset="0"/>
+                <a:cs typeface="Times New Roman" panose="02020603050405020304" pitchFamily="18" charset="0"/>
+              </a:rPr>
+              <a:t>.</a:t>
+            </a:r>
+          </a:p>
+          <a:p>
+            <a:pPr marL="0" indent="0" algn="just">
+              <a:buNone/>
+            </a:pPr>
+            <a:r>
+              <a:rPr lang="pt-BR" sz="2000" b="1" dirty="0">
+                <a:solidFill>
+                  <a:srgbClr val="FF0000"/>
+                </a:solidFill>
+                <a:latin typeface="Times New Roman" panose="02020603050405020304" pitchFamily="18" charset="0"/>
+                <a:cs typeface="Times New Roman" panose="02020603050405020304" pitchFamily="18" charset="0"/>
+              </a:rPr>
+              <a:t>Disponível em: </a:t>
+            </a:r>
+            <a:r>
+              <a:rPr lang="pt-BR" sz="2000" dirty="0">
+                <a:solidFill>
+                  <a:srgbClr val="FF0000"/>
+                </a:solidFill>
+                <a:latin typeface="Times New Roman" panose="02020603050405020304" pitchFamily="18" charset="0"/>
+                <a:cs typeface="Times New Roman" panose="02020603050405020304" pitchFamily="18" charset="0"/>
+                <a:hlinkClick r:id="rId3"/>
+              </a:rPr>
+              <a:t>https://embarcados.com.br/prototipacao-plataformas-de-hardware-e-software-para-sistemas-embarcados/</a:t>
+            </a:r>
+            <a:r>
+              <a:rPr lang="pt-BR" sz="2000" dirty="0">
+                <a:solidFill>
+                  <a:srgbClr val="FF0000"/>
+                </a:solidFill>
+                <a:latin typeface="Times New Roman" panose="02020603050405020304" pitchFamily="18" charset="0"/>
+                <a:cs typeface="Times New Roman" panose="02020603050405020304" pitchFamily="18" charset="0"/>
+              </a:rPr>
+              <a:t> </a:t>
+            </a:r>
+            <a:endParaRPr lang="pt-BR" sz="2000" dirty="0">
+              <a:latin typeface="Times New Roman" panose="02020603050405020304" pitchFamily="18" charset="0"/>
+              <a:cs typeface="Times New Roman" panose="02020603050405020304" pitchFamily="18" charset="0"/>
+            </a:endParaRPr>
+          </a:p>
+          <a:p>
+            <a:pPr marL="0" indent="0" algn="just">
+              <a:buNone/>
+            </a:pPr>
+            <a:endParaRPr lang="pt-BR" sz="2000" dirty="0">
+              <a:latin typeface="Times New Roman" panose="02020603050405020304" pitchFamily="18" charset="0"/>
+              <a:cs typeface="Times New Roman" panose="02020603050405020304" pitchFamily="18" charset="0"/>
+            </a:endParaRPr>
+          </a:p>
+          <a:p>
+            <a:pPr marL="0" indent="0" algn="just">
+              <a:buNone/>
+            </a:pPr>
+            <a:r>
+              <a:rPr lang="pt-BR" sz="2000" dirty="0">
+                <a:latin typeface="Times New Roman" panose="02020603050405020304" pitchFamily="18" charset="0"/>
+                <a:cs typeface="Times New Roman" panose="02020603050405020304" pitchFamily="18" charset="0"/>
+              </a:rPr>
+              <a:t>[2] </a:t>
+            </a:r>
+            <a:r>
+              <a:rPr lang="pt-BR" sz="2000" b="1" dirty="0">
+                <a:latin typeface="Times New Roman" panose="02020603050405020304" pitchFamily="18" charset="0"/>
+                <a:cs typeface="Times New Roman" panose="02020603050405020304" pitchFamily="18" charset="0"/>
+              </a:rPr>
+              <a:t>C para microcontroladores e Limitações</a:t>
+            </a:r>
+            <a:r>
+              <a:rPr lang="pt-BR" sz="2000" dirty="0">
+                <a:latin typeface="Times New Roman" panose="02020603050405020304" pitchFamily="18" charset="0"/>
+                <a:cs typeface="Times New Roman" panose="02020603050405020304" pitchFamily="18" charset="0"/>
+              </a:rPr>
+              <a:t>. </a:t>
+            </a:r>
+          </a:p>
+          <a:p>
+            <a:pPr marL="0" indent="0" algn="just">
+              <a:buNone/>
+            </a:pPr>
+            <a:r>
+              <a:rPr lang="pt-BR" sz="2000" b="1" dirty="0">
+                <a:solidFill>
+                  <a:srgbClr val="FF0000"/>
+                </a:solidFill>
+                <a:latin typeface="Times New Roman" panose="02020603050405020304" pitchFamily="18" charset="0"/>
+                <a:cs typeface="Times New Roman" panose="02020603050405020304" pitchFamily="18" charset="0"/>
+              </a:rPr>
+              <a:t>Disponível em: </a:t>
+            </a:r>
+            <a:r>
+              <a:rPr lang="pt-BR" sz="2000" dirty="0">
+                <a:solidFill>
+                  <a:srgbClr val="FF0000"/>
+                </a:solidFill>
+                <a:latin typeface="Times New Roman" panose="02020603050405020304" pitchFamily="18" charset="0"/>
+                <a:cs typeface="Times New Roman" panose="02020603050405020304" pitchFamily="18" charset="0"/>
+                <a:hlinkClick r:id="rId4"/>
+              </a:rPr>
+              <a:t>https://blog.ufes.br/sistemasembarcados/files/2015/03/C-Microcontroladores.pdf</a:t>
+            </a:r>
+            <a:r>
+              <a:rPr lang="pt-BR" sz="2000" dirty="0">
+                <a:solidFill>
+                  <a:srgbClr val="FF0000"/>
+                </a:solidFill>
+                <a:latin typeface="Times New Roman" panose="02020603050405020304" pitchFamily="18" charset="0"/>
+                <a:cs typeface="Times New Roman" panose="02020603050405020304" pitchFamily="18" charset="0"/>
+              </a:rPr>
+              <a:t> </a:t>
+            </a:r>
+            <a:endParaRPr lang="pt-BR" sz="2000" dirty="0">
+              <a:latin typeface="Times New Roman" panose="02020603050405020304" pitchFamily="18" charset="0"/>
+              <a:cs typeface="Times New Roman" panose="02020603050405020304" pitchFamily="18" charset="0"/>
+            </a:endParaRPr>
+          </a:p>
+        </p:txBody>
+      </p:sp>
+    </p:spTree>
+    <p:extLst>
+      <p:ext uri="{BB962C8B-B14F-4D97-AF65-F5344CB8AC3E}">
+        <p14:creationId xmlns:p14="http://schemas.microsoft.com/office/powerpoint/2010/main" val="3680270425"/>
+      </p:ext>
+    </p:extLst>
+  </p:cSld>
+  <p:clrMapOvr>
+    <a:masterClrMapping/>
+  </p:clrMapOvr>
+  <p:transition spd="med"/>
+</p:sld>
+</file>
+
+<file path=ppt/slides/slide14.xml><?xml version="1.0" encoding="utf-8"?>
+<p:sld xmlns:a="http://schemas.openxmlformats.org/drawingml/2006/main" xmlns:r="http://schemas.openxmlformats.org/officeDocument/2006/relationships" xmlns:p="http://schemas.openxmlformats.org/presentationml/2006/main">
+  <p:cSld>
+    <p:spTree>
+      <p:nvGrpSpPr>
+        <p:cNvPr id="1" name=""/>
+        <p:cNvGrpSpPr/>
+        <p:nvPr/>
+      </p:nvGrpSpPr>
+      <p:grpSpPr>
+        <a:xfrm>
+          <a:off x="0" y="0"/>
+          <a:ext cx="0" cy="0"/>
+          <a:chOff x="0" y="0"/>
+          <a:chExt cx="0" cy="0"/>
+        </a:xfrm>
+      </p:grpSpPr>
+      <p:sp>
+        <p:nvSpPr>
+          <p:cNvPr id="6" name="Title 1"/>
+          <p:cNvSpPr>
+            <a:spLocks noGrp="1"/>
+          </p:cNvSpPr>
+          <p:nvPr>
+            <p:ph type="title"/>
+          </p:nvPr>
+        </p:nvSpPr>
+        <p:spPr>
+          <a:xfrm>
+            <a:off x="457200" y="205980"/>
+            <a:ext cx="8229600" cy="857251"/>
+          </a:xfrm>
+        </p:spPr>
+        <p:txBody>
+          <a:bodyPr>
+            <a:normAutofit/>
+          </a:bodyPr>
+          <a:lstStyle/>
+          <a:p>
+            <a:r>
+              <a:rPr lang="en-US" b="1" dirty="0" err="1">
+                <a:solidFill>
+                  <a:srgbClr val="0070C0"/>
+                </a:solidFill>
+              </a:rPr>
+              <a:t>Aprenda</a:t>
+            </a:r>
+            <a:r>
+              <a:rPr lang="en-US" b="1" dirty="0">
+                <a:solidFill>
+                  <a:srgbClr val="0070C0"/>
+                </a:solidFill>
+              </a:rPr>
+              <a:t>+</a:t>
+            </a:r>
+          </a:p>
+        </p:txBody>
+      </p:sp>
+      <p:sp>
+        <p:nvSpPr>
+          <p:cNvPr id="8" name="Text Placeholder 2"/>
+          <p:cNvSpPr>
+            <a:spLocks noGrp="1"/>
+          </p:cNvSpPr>
+          <p:nvPr>
+            <p:ph type="body" sz="half" idx="1"/>
+          </p:nvPr>
+        </p:nvSpPr>
+        <p:spPr>
+          <a:xfrm>
+            <a:off x="142865" y="1200150"/>
+            <a:ext cx="8865056" cy="3737370"/>
+          </a:xfrm>
+        </p:spPr>
+        <p:txBody>
+          <a:bodyPr>
+            <a:noAutofit/>
+          </a:bodyPr>
+          <a:lstStyle/>
+          <a:p>
+            <a:pPr marL="0" indent="0" algn="just">
+              <a:buNone/>
+            </a:pPr>
+            <a:r>
+              <a:rPr lang="pt-BR" sz="2000" dirty="0">
+                <a:latin typeface="Times New Roman" panose="02020603050405020304" pitchFamily="18" charset="0"/>
+                <a:cs typeface="Times New Roman" panose="02020603050405020304" pitchFamily="18" charset="0"/>
+              </a:rPr>
+              <a:t>[1] </a:t>
+            </a:r>
+            <a:r>
+              <a:rPr lang="pt-BR" sz="2000" b="1" dirty="0">
+                <a:latin typeface="Times New Roman" panose="02020603050405020304" pitchFamily="18" charset="0"/>
+                <a:cs typeface="Times New Roman" panose="02020603050405020304" pitchFamily="18" charset="0"/>
+              </a:rPr>
+              <a:t>Microcontroladores e Limitações</a:t>
+            </a:r>
+          </a:p>
+          <a:p>
+            <a:pPr marL="0" indent="0" algn="just">
+              <a:buNone/>
+            </a:pPr>
+            <a:r>
+              <a:rPr lang="pt-BR" sz="2000" b="1" dirty="0">
+                <a:solidFill>
+                  <a:srgbClr val="FF0000"/>
+                </a:solidFill>
+                <a:latin typeface="Times New Roman" panose="02020603050405020304" pitchFamily="18" charset="0"/>
+                <a:cs typeface="Times New Roman" panose="02020603050405020304" pitchFamily="18" charset="0"/>
+              </a:rPr>
+              <a:t>Disponível em: </a:t>
+            </a:r>
+            <a:r>
+              <a:rPr lang="pt-BR" sz="2000" dirty="0">
+                <a:latin typeface="Times New Roman" panose="02020603050405020304" pitchFamily="18" charset="0"/>
+                <a:cs typeface="Times New Roman" panose="02020603050405020304" pitchFamily="18" charset="0"/>
+                <a:hlinkClick r:id="rId3"/>
+              </a:rPr>
+              <a:t>https://youtu.be/VzJZM5p24Tc</a:t>
+            </a:r>
+            <a:r>
+              <a:rPr lang="pt-BR" sz="2000" dirty="0">
+                <a:latin typeface="Times New Roman" panose="02020603050405020304" pitchFamily="18" charset="0"/>
+                <a:cs typeface="Times New Roman" panose="02020603050405020304" pitchFamily="18" charset="0"/>
+              </a:rPr>
+              <a:t> </a:t>
+            </a:r>
+          </a:p>
+          <a:p>
+            <a:pPr marL="0" indent="0" algn="just">
+              <a:buNone/>
+            </a:pPr>
+            <a:endParaRPr lang="pt-BR" sz="2000" dirty="0">
+              <a:latin typeface="Times New Roman" panose="02020603050405020304" pitchFamily="18" charset="0"/>
+              <a:cs typeface="Times New Roman" panose="02020603050405020304" pitchFamily="18" charset="0"/>
+            </a:endParaRPr>
+          </a:p>
+          <a:p>
+            <a:pPr marL="0" indent="0" algn="just">
+              <a:buNone/>
+            </a:pPr>
+            <a:endParaRPr lang="pt-BR" sz="2000" dirty="0">
+              <a:latin typeface="Times New Roman" panose="02020603050405020304" pitchFamily="18" charset="0"/>
+              <a:cs typeface="Times New Roman" panose="02020603050405020304" pitchFamily="18" charset="0"/>
+            </a:endParaRPr>
+          </a:p>
+          <a:p>
+            <a:pPr marL="0" indent="0" algn="just">
+              <a:buNone/>
+            </a:pPr>
+            <a:r>
+              <a:rPr lang="pt-BR" sz="2000" dirty="0">
+                <a:latin typeface="Times New Roman" panose="02020603050405020304" pitchFamily="18" charset="0"/>
+                <a:cs typeface="Times New Roman" panose="02020603050405020304" pitchFamily="18" charset="0"/>
+              </a:rPr>
+              <a:t>[2] </a:t>
+            </a:r>
+            <a:r>
+              <a:rPr lang="pt-BR" sz="2000" b="1" dirty="0">
+                <a:latin typeface="Times New Roman" panose="02020603050405020304" pitchFamily="18" charset="0"/>
+                <a:cs typeface="Times New Roman" panose="02020603050405020304" pitchFamily="18" charset="0"/>
+              </a:rPr>
+              <a:t>O Arduino está se tornando o novo padrão da indústria?</a:t>
+            </a:r>
+          </a:p>
+          <a:p>
+            <a:pPr marL="0" indent="0" algn="just">
+              <a:buNone/>
+            </a:pPr>
+            <a:r>
+              <a:rPr lang="pt-BR" sz="2000" b="1" dirty="0">
+                <a:solidFill>
+                  <a:srgbClr val="FF0000"/>
+                </a:solidFill>
+                <a:latin typeface="Times New Roman" panose="02020603050405020304" pitchFamily="18" charset="0"/>
+                <a:cs typeface="Times New Roman" panose="02020603050405020304" pitchFamily="18" charset="0"/>
+              </a:rPr>
+              <a:t>Disponível em: </a:t>
+            </a:r>
+            <a:r>
+              <a:rPr lang="pt-BR" sz="2000" dirty="0">
+                <a:latin typeface="Times New Roman" panose="02020603050405020304" pitchFamily="18" charset="0"/>
+                <a:cs typeface="Times New Roman" panose="02020603050405020304" pitchFamily="18" charset="0"/>
+                <a:hlinkClick r:id="rId4"/>
+              </a:rPr>
+              <a:t>https://youtu.be/tQTAJlAFruA</a:t>
+            </a:r>
+            <a:r>
+              <a:rPr lang="pt-BR" sz="2000" dirty="0">
+                <a:latin typeface="Times New Roman" panose="02020603050405020304" pitchFamily="18" charset="0"/>
+                <a:cs typeface="Times New Roman" panose="02020603050405020304" pitchFamily="18" charset="0"/>
+              </a:rPr>
+              <a:t> </a:t>
+            </a:r>
+          </a:p>
+          <a:p>
+            <a:pPr marL="0" indent="0" algn="just">
+              <a:buNone/>
+            </a:pPr>
+            <a:r>
+              <a:rPr lang="pt-BR" sz="2000" dirty="0">
+                <a:latin typeface="Times New Roman" panose="02020603050405020304" pitchFamily="18" charset="0"/>
+                <a:cs typeface="Times New Roman" panose="02020603050405020304" pitchFamily="18" charset="0"/>
+              </a:rPr>
+              <a:t>		</a:t>
+            </a:r>
+            <a:r>
+              <a:rPr lang="pt-BR" sz="2000" dirty="0">
+                <a:latin typeface="Times New Roman" panose="02020603050405020304" pitchFamily="18" charset="0"/>
+                <a:cs typeface="Times New Roman" panose="02020603050405020304" pitchFamily="18" charset="0"/>
+                <a:hlinkClick r:id="rId5"/>
+              </a:rPr>
+              <a:t>https://embarcados.com.br/o-arduino-esta-se-tornando-o-padrao-da-industria/</a:t>
+            </a:r>
+            <a:r>
+              <a:rPr lang="pt-BR" sz="2000" dirty="0">
+                <a:latin typeface="Times New Roman" panose="02020603050405020304" pitchFamily="18" charset="0"/>
+                <a:cs typeface="Times New Roman" panose="02020603050405020304" pitchFamily="18" charset="0"/>
+              </a:rPr>
+              <a:t> </a:t>
+            </a:r>
+          </a:p>
+        </p:txBody>
+      </p:sp>
+    </p:spTree>
+    <p:extLst>
+      <p:ext uri="{BB962C8B-B14F-4D97-AF65-F5344CB8AC3E}">
+        <p14:creationId xmlns:p14="http://schemas.microsoft.com/office/powerpoint/2010/main" val="2747596967"/>
+      </p:ext>
+    </p:extLst>
+  </p:cSld>
+  <p:clrMapOvr>
+    <a:masterClrMapping/>
+  </p:clrMapOvr>
+  <p:transition spd="med"/>
+</p:sld>
+</file>
+
+<file path=ppt/slides/slide15.xml><?xml version="1.0" encoding="utf-8"?>
+<p:sld xmlns:a="http://schemas.openxmlformats.org/drawingml/2006/main" xmlns:r="http://schemas.openxmlformats.org/officeDocument/2006/relationships" xmlns:p="http://schemas.openxmlformats.org/presentationml/2006/main">
+  <p:cSld>
+    <p:spTree>
+      <p:nvGrpSpPr>
+        <p:cNvPr id="1" name=""/>
+        <p:cNvGrpSpPr/>
+        <p:nvPr/>
+      </p:nvGrpSpPr>
+      <p:grpSpPr>
+        <a:xfrm>
+          <a:off x="0" y="0"/>
+          <a:ext cx="0" cy="0"/>
+          <a:chOff x="0" y="0"/>
+          <a:chExt cx="0" cy="0"/>
+        </a:xfrm>
+      </p:grpSpPr>
+      <p:sp>
+        <p:nvSpPr>
+          <p:cNvPr id="6" name="Title 1"/>
+          <p:cNvSpPr>
+            <a:spLocks noGrp="1"/>
+          </p:cNvSpPr>
+          <p:nvPr>
+            <p:ph type="title"/>
+          </p:nvPr>
+        </p:nvSpPr>
+        <p:spPr>
+          <a:xfrm>
+            <a:off x="457200" y="205980"/>
+            <a:ext cx="8229600" cy="857251"/>
+          </a:xfrm>
+        </p:spPr>
+        <p:txBody>
+          <a:bodyPr>
+            <a:normAutofit/>
+          </a:bodyPr>
+          <a:lstStyle/>
+          <a:p>
+            <a:r>
+              <a:rPr lang="en-US" b="1" dirty="0" err="1">
+                <a:solidFill>
+                  <a:srgbClr val="0070C0"/>
+                </a:solidFill>
+              </a:rPr>
+              <a:t>Dinâmica</a:t>
+            </a:r>
+            <a:r>
+              <a:rPr lang="en-US" b="1" dirty="0">
+                <a:solidFill>
+                  <a:srgbClr val="0070C0"/>
+                </a:solidFill>
+              </a:rPr>
+              <a:t>/</a:t>
+            </a:r>
+            <a:r>
+              <a:rPr lang="en-US" b="1" dirty="0" err="1">
+                <a:solidFill>
+                  <a:srgbClr val="0070C0"/>
+                </a:solidFill>
+              </a:rPr>
+              <a:t>Atividade</a:t>
+            </a:r>
+            <a:r>
+              <a:rPr lang="en-US" b="1" dirty="0">
+                <a:solidFill>
+                  <a:srgbClr val="0070C0"/>
+                </a:solidFill>
+              </a:rPr>
+              <a:t> - </a:t>
+            </a:r>
+            <a:r>
+              <a:rPr lang="en-US" b="1" dirty="0" err="1">
+                <a:solidFill>
+                  <a:srgbClr val="0070C0"/>
+                </a:solidFill>
+              </a:rPr>
+              <a:t>Exercício</a:t>
+            </a:r>
+            <a:endParaRPr lang="en-US" b="1" dirty="0">
+              <a:solidFill>
+                <a:srgbClr val="0070C0"/>
+              </a:solidFill>
+            </a:endParaRPr>
+          </a:p>
+        </p:txBody>
+      </p:sp>
+      <p:sp>
+        <p:nvSpPr>
+          <p:cNvPr id="8" name="Text Placeholder 2"/>
+          <p:cNvSpPr>
+            <a:spLocks noGrp="1"/>
+          </p:cNvSpPr>
+          <p:nvPr>
+            <p:ph type="body" sz="half" idx="1"/>
+          </p:nvPr>
+        </p:nvSpPr>
+        <p:spPr>
+          <a:xfrm>
+            <a:off x="139472" y="1063230"/>
+            <a:ext cx="8865056" cy="3996450"/>
+          </a:xfrm>
+        </p:spPr>
+        <p:txBody>
+          <a:bodyPr>
+            <a:noAutofit/>
+          </a:bodyPr>
+          <a:lstStyle/>
+          <a:p>
+            <a:pPr marL="0" indent="0" algn="just">
+              <a:buNone/>
+            </a:pPr>
+            <a:endParaRPr lang="pt-BR" sz="2000" dirty="0">
+              <a:latin typeface="Times New Roman" panose="02020603050405020304" pitchFamily="18" charset="0"/>
+              <a:cs typeface="Times New Roman" panose="02020603050405020304" pitchFamily="18" charset="0"/>
+            </a:endParaRPr>
+          </a:p>
+          <a:p>
+            <a:pPr marL="0" indent="0" algn="just">
+              <a:buNone/>
+            </a:pPr>
+            <a:r>
+              <a:rPr lang="pt-BR" sz="2000" dirty="0">
+                <a:solidFill>
+                  <a:schemeClr val="tx1"/>
+                </a:solidFill>
+                <a:latin typeface="Times New Roman" panose="02020603050405020304" pitchFamily="18" charset="0"/>
+                <a:cs typeface="Times New Roman" panose="02020603050405020304" pitchFamily="18" charset="0"/>
+              </a:rPr>
+              <a:t>Elaborar, sobre Microcontroladores:</a:t>
+            </a:r>
+          </a:p>
+          <a:p>
+            <a:pPr marL="0" indent="0" algn="just">
+              <a:buNone/>
+            </a:pPr>
+            <a:endParaRPr lang="pt-BR" sz="2000" dirty="0">
+              <a:solidFill>
+                <a:schemeClr val="tx1"/>
+              </a:solidFill>
+              <a:latin typeface="Times New Roman" panose="02020603050405020304" pitchFamily="18" charset="0"/>
+              <a:cs typeface="Times New Roman" panose="02020603050405020304" pitchFamily="18" charset="0"/>
+            </a:endParaRPr>
+          </a:p>
+          <a:p>
+            <a:pPr marL="0" indent="0" algn="just">
+              <a:buNone/>
+            </a:pPr>
+            <a:endParaRPr lang="pt-BR" sz="2000" dirty="0">
+              <a:solidFill>
+                <a:schemeClr val="tx1"/>
+              </a:solidFill>
+              <a:latin typeface="Times New Roman" panose="02020603050405020304" pitchFamily="18" charset="0"/>
+              <a:cs typeface="Times New Roman" panose="02020603050405020304" pitchFamily="18" charset="0"/>
+            </a:endParaRPr>
+          </a:p>
+          <a:p>
+            <a:pPr algn="just">
+              <a:buFont typeface="Wingdings" panose="05000000000000000000" pitchFamily="2" charset="2"/>
+              <a:buChar char="§"/>
+            </a:pPr>
+            <a:r>
+              <a:rPr lang="pt-BR" sz="2000" dirty="0">
+                <a:solidFill>
+                  <a:schemeClr val="tx1"/>
+                </a:solidFill>
+                <a:latin typeface="Times New Roman" panose="02020603050405020304" pitchFamily="18" charset="0"/>
+                <a:cs typeface="Times New Roman" panose="02020603050405020304" pitchFamily="18" charset="0"/>
+              </a:rPr>
+              <a:t>01 </a:t>
+            </a:r>
+            <a:r>
+              <a:rPr lang="pt-BR" sz="2000" b="1" dirty="0">
+                <a:solidFill>
+                  <a:schemeClr val="tx1"/>
+                </a:solidFill>
+                <a:latin typeface="Times New Roman" panose="02020603050405020304" pitchFamily="18" charset="0"/>
+                <a:cs typeface="Times New Roman" panose="02020603050405020304" pitchFamily="18" charset="0"/>
+              </a:rPr>
+              <a:t>Quiz</a:t>
+            </a:r>
+            <a:r>
+              <a:rPr lang="pt-BR" sz="2000" dirty="0">
+                <a:solidFill>
+                  <a:schemeClr val="tx1"/>
+                </a:solidFill>
+                <a:latin typeface="Times New Roman" panose="02020603050405020304" pitchFamily="18" charset="0"/>
+                <a:cs typeface="Times New Roman" panose="02020603050405020304" pitchFamily="18" charset="0"/>
+              </a:rPr>
+              <a:t> com 05 (perguntas/respostas) </a:t>
+            </a:r>
+          </a:p>
+          <a:p>
+            <a:pPr marL="0" indent="0" algn="just">
+              <a:buNone/>
+            </a:pPr>
+            <a:endParaRPr lang="pt-BR" sz="2000">
+              <a:solidFill>
+                <a:schemeClr val="tx1"/>
+              </a:solidFill>
+              <a:latin typeface="Times New Roman" panose="02020603050405020304" pitchFamily="18" charset="0"/>
+              <a:cs typeface="Times New Roman" panose="02020603050405020304" pitchFamily="18" charset="0"/>
+            </a:endParaRPr>
+          </a:p>
+          <a:p>
+            <a:pPr marL="0" indent="0" algn="just">
+              <a:buNone/>
+            </a:pPr>
+            <a:endParaRPr lang="pt-BR" sz="2000" dirty="0">
+              <a:solidFill>
+                <a:schemeClr val="tx1"/>
+              </a:solidFill>
+              <a:latin typeface="Times New Roman" panose="02020603050405020304" pitchFamily="18" charset="0"/>
+              <a:cs typeface="Times New Roman" panose="02020603050405020304" pitchFamily="18" charset="0"/>
+            </a:endParaRPr>
+          </a:p>
+        </p:txBody>
+      </p:sp>
+    </p:spTree>
+    <p:extLst>
+      <p:ext uri="{BB962C8B-B14F-4D97-AF65-F5344CB8AC3E}">
+        <p14:creationId xmlns:p14="http://schemas.microsoft.com/office/powerpoint/2010/main" val="2470652989"/>
+      </p:ext>
+    </p:extLst>
+  </p:cSld>
+  <p:clrMapOvr>
+    <a:masterClrMapping/>
+  </p:clrMapOvr>
+  <p:transition spd="med"/>
+</p:sld>
+</file>
+
+<file path=ppt/slides/slide16.xml><?xml version="1.0" encoding="utf-8"?>
+<p:sld xmlns:a="http://schemas.openxmlformats.org/drawingml/2006/main" xmlns:r="http://schemas.openxmlformats.org/officeDocument/2006/relationships" xmlns:p="http://schemas.openxmlformats.org/presentationml/2006/main">
+  <p:cSld>
+    <p:spTree>
+      <p:nvGrpSpPr>
+        <p:cNvPr id="1" name=""/>
+        <p:cNvGrpSpPr/>
+        <p:nvPr/>
+      </p:nvGrpSpPr>
+      <p:grpSpPr>
+        <a:xfrm>
+          <a:off x="0" y="0"/>
+          <a:ext cx="0" cy="0"/>
+          <a:chOff x="0" y="0"/>
+          <a:chExt cx="0" cy="0"/>
+        </a:xfrm>
+      </p:grpSpPr>
+      <p:sp>
+        <p:nvSpPr>
+          <p:cNvPr id="6" name="Title 1"/>
+          <p:cNvSpPr>
+            <a:spLocks noGrp="1"/>
+          </p:cNvSpPr>
+          <p:nvPr>
+            <p:ph type="title"/>
+          </p:nvPr>
+        </p:nvSpPr>
+        <p:spPr>
+          <a:xfrm>
+            <a:off x="457200" y="205980"/>
+            <a:ext cx="8229600" cy="857251"/>
+          </a:xfrm>
+        </p:spPr>
+        <p:txBody>
+          <a:bodyPr>
+            <a:normAutofit/>
+          </a:bodyPr>
+          <a:lstStyle/>
+          <a:p>
+            <a:r>
+              <a:rPr lang="en-US" b="1" dirty="0" err="1">
+                <a:solidFill>
+                  <a:srgbClr val="0070C0"/>
+                </a:solidFill>
+              </a:rPr>
+              <a:t>Referências</a:t>
+            </a:r>
+            <a:r>
+              <a:rPr lang="en-US" b="1" dirty="0">
+                <a:solidFill>
+                  <a:srgbClr val="0070C0"/>
+                </a:solidFill>
+              </a:rPr>
+              <a:t> </a:t>
+            </a:r>
+            <a:r>
+              <a:rPr lang="en-US" b="1" dirty="0" err="1">
+                <a:solidFill>
+                  <a:srgbClr val="0070C0"/>
+                </a:solidFill>
+              </a:rPr>
+              <a:t>Bibliográficas</a:t>
+            </a:r>
+            <a:endParaRPr lang="en-US" b="1" dirty="0">
+              <a:solidFill>
+                <a:srgbClr val="0070C0"/>
+              </a:solidFill>
+            </a:endParaRPr>
+          </a:p>
+        </p:txBody>
+      </p:sp>
+      <p:sp>
+        <p:nvSpPr>
+          <p:cNvPr id="8" name="Text Placeholder 2"/>
+          <p:cNvSpPr>
+            <a:spLocks noGrp="1"/>
+          </p:cNvSpPr>
+          <p:nvPr>
+            <p:ph type="body" sz="half" idx="1"/>
+          </p:nvPr>
+        </p:nvSpPr>
+        <p:spPr>
+          <a:xfrm>
+            <a:off x="142865" y="1200150"/>
+            <a:ext cx="8865056" cy="3871722"/>
+          </a:xfrm>
+        </p:spPr>
+        <p:txBody>
+          <a:bodyPr>
+            <a:noAutofit/>
+          </a:bodyPr>
+          <a:lstStyle/>
+          <a:p>
+            <a:pPr marL="0" indent="0" algn="just">
+              <a:buNone/>
+            </a:pPr>
+            <a:r>
+              <a:rPr lang="pt-BR" sz="1800" dirty="0">
+                <a:latin typeface="Times New Roman" panose="02020603050405020304" pitchFamily="18" charset="0"/>
+                <a:cs typeface="Times New Roman" panose="02020603050405020304" pitchFamily="18" charset="0"/>
+              </a:rPr>
+              <a:t>[1] </a:t>
+            </a:r>
+            <a:r>
+              <a:rPr lang="pt-BR" sz="1800" b="1" dirty="0">
+                <a:solidFill>
+                  <a:srgbClr val="FF0000"/>
+                </a:solidFill>
+                <a:latin typeface="Times New Roman" panose="02020603050405020304" pitchFamily="18" charset="0"/>
+                <a:cs typeface="Times New Roman" panose="02020603050405020304" pitchFamily="18" charset="0"/>
+              </a:rPr>
+              <a:t>[</a:t>
+            </a:r>
+            <a:r>
+              <a:rPr lang="pt-BR" sz="1800" b="1" dirty="0" err="1">
+                <a:solidFill>
+                  <a:srgbClr val="FF0000"/>
+                </a:solidFill>
+                <a:latin typeface="Times New Roman" panose="02020603050405020304" pitchFamily="18" charset="0"/>
+                <a:cs typeface="Times New Roman" panose="02020603050405020304" pitchFamily="18" charset="0"/>
+              </a:rPr>
+              <a:t>MicroPython</a:t>
+            </a:r>
+            <a:r>
+              <a:rPr lang="pt-BR" sz="1800" b="1" dirty="0">
+                <a:solidFill>
+                  <a:srgbClr val="FF0000"/>
+                </a:solidFill>
+                <a:latin typeface="Times New Roman" panose="02020603050405020304" pitchFamily="18" charset="0"/>
+                <a:cs typeface="Times New Roman" panose="02020603050405020304" pitchFamily="18" charset="0"/>
+              </a:rPr>
+              <a:t>, 2021] </a:t>
+            </a:r>
+            <a:r>
+              <a:rPr lang="pt-BR" sz="1800" b="1" dirty="0" err="1">
+                <a:solidFill>
+                  <a:srgbClr val="FF0000"/>
+                </a:solidFill>
+                <a:latin typeface="Times New Roman" panose="02020603050405020304" pitchFamily="18" charset="0"/>
+                <a:cs typeface="Times New Roman" panose="02020603050405020304" pitchFamily="18" charset="0"/>
+              </a:rPr>
+              <a:t>MicroPython</a:t>
+            </a:r>
+            <a:r>
+              <a:rPr lang="pt-BR" sz="1800" b="1" dirty="0">
+                <a:solidFill>
+                  <a:srgbClr val="FF0000"/>
+                </a:solidFill>
+                <a:latin typeface="Times New Roman" panose="02020603050405020304" pitchFamily="18" charset="0"/>
+                <a:cs typeface="Times New Roman" panose="02020603050405020304" pitchFamily="18" charset="0"/>
+              </a:rPr>
+              <a:t> </a:t>
+            </a:r>
+            <a:r>
+              <a:rPr lang="pt-BR" sz="1800" b="1" dirty="0" err="1">
+                <a:solidFill>
+                  <a:srgbClr val="FF0000"/>
+                </a:solidFill>
+                <a:latin typeface="Times New Roman" panose="02020603050405020304" pitchFamily="18" charset="0"/>
+                <a:cs typeface="Times New Roman" panose="02020603050405020304" pitchFamily="18" charset="0"/>
+              </a:rPr>
+              <a:t>documentation</a:t>
+            </a:r>
+            <a:r>
+              <a:rPr lang="pt-BR" sz="1800" dirty="0">
+                <a:latin typeface="Times New Roman" panose="02020603050405020304" pitchFamily="18" charset="0"/>
+                <a:cs typeface="Times New Roman" panose="02020603050405020304" pitchFamily="18" charset="0"/>
+              </a:rPr>
+              <a:t>. URL: https://docs.micropython.org/</a:t>
+            </a:r>
+            <a:r>
+              <a:rPr lang="pt-BR" sz="1800" dirty="0" err="1">
+                <a:latin typeface="Times New Roman" panose="02020603050405020304" pitchFamily="18" charset="0"/>
+                <a:cs typeface="Times New Roman" panose="02020603050405020304" pitchFamily="18" charset="0"/>
+              </a:rPr>
+              <a:t>en</a:t>
+            </a:r>
+            <a:r>
+              <a:rPr lang="pt-BR" sz="1800" dirty="0">
+                <a:latin typeface="Times New Roman" panose="02020603050405020304" pitchFamily="18" charset="0"/>
+                <a:cs typeface="Times New Roman" panose="02020603050405020304" pitchFamily="18" charset="0"/>
+              </a:rPr>
+              <a:t>/</a:t>
+            </a:r>
+            <a:r>
+              <a:rPr lang="pt-BR" sz="1800" dirty="0" err="1">
+                <a:latin typeface="Times New Roman" panose="02020603050405020304" pitchFamily="18" charset="0"/>
+                <a:cs typeface="Times New Roman" panose="02020603050405020304" pitchFamily="18" charset="0"/>
+              </a:rPr>
+              <a:t>latest</a:t>
+            </a:r>
+            <a:r>
+              <a:rPr lang="pt-BR" sz="1800" dirty="0">
+                <a:latin typeface="Times New Roman" panose="02020603050405020304" pitchFamily="18" charset="0"/>
+                <a:cs typeface="Times New Roman" panose="02020603050405020304" pitchFamily="18" charset="0"/>
+              </a:rPr>
+              <a:t>/. Acesso em: 23 de maio de 2023.</a:t>
+            </a:r>
+          </a:p>
+          <a:p>
+            <a:pPr marL="0" indent="0" algn="just">
+              <a:buNone/>
+            </a:pPr>
+            <a:endParaRPr lang="pt-BR" sz="1800" dirty="0">
+              <a:latin typeface="Times New Roman" panose="02020603050405020304" pitchFamily="18" charset="0"/>
+              <a:cs typeface="Times New Roman" panose="02020603050405020304" pitchFamily="18" charset="0"/>
+            </a:endParaRPr>
+          </a:p>
+          <a:p>
+            <a:pPr marL="0" indent="0" algn="just">
+              <a:buNone/>
+            </a:pPr>
+            <a:r>
+              <a:rPr lang="pt-BR" sz="1800" dirty="0">
+                <a:latin typeface="Times New Roman" panose="02020603050405020304" pitchFamily="18" charset="0"/>
+                <a:cs typeface="Times New Roman" panose="02020603050405020304" pitchFamily="18" charset="0"/>
+              </a:rPr>
+              <a:t>[2] </a:t>
+            </a:r>
+            <a:r>
+              <a:rPr lang="pt-BR" sz="1800" b="1" dirty="0">
+                <a:solidFill>
+                  <a:srgbClr val="FF0000"/>
+                </a:solidFill>
+                <a:latin typeface="Times New Roman" panose="02020603050405020304" pitchFamily="18" charset="0"/>
+                <a:cs typeface="Times New Roman" panose="02020603050405020304" pitchFamily="18" charset="0"/>
+              </a:rPr>
+              <a:t>[</a:t>
+            </a:r>
+            <a:r>
+              <a:rPr lang="pt-BR" sz="1800" b="1" dirty="0" err="1">
+                <a:solidFill>
+                  <a:srgbClr val="FF0000"/>
+                </a:solidFill>
+                <a:latin typeface="Times New Roman" panose="02020603050405020304" pitchFamily="18" charset="0"/>
+                <a:cs typeface="Times New Roman" panose="02020603050405020304" pitchFamily="18" charset="0"/>
+              </a:rPr>
+              <a:t>CircuitPython</a:t>
+            </a:r>
+            <a:r>
+              <a:rPr lang="pt-BR" sz="1800" b="1" dirty="0">
+                <a:solidFill>
+                  <a:srgbClr val="FF0000"/>
+                </a:solidFill>
+                <a:latin typeface="Times New Roman" panose="02020603050405020304" pitchFamily="18" charset="0"/>
+                <a:cs typeface="Times New Roman" panose="02020603050405020304" pitchFamily="18" charset="0"/>
+              </a:rPr>
+              <a:t>, 2021] </a:t>
+            </a:r>
+            <a:r>
+              <a:rPr lang="pt-BR" sz="1800" b="1" dirty="0" err="1">
+                <a:solidFill>
+                  <a:srgbClr val="FF0000"/>
+                </a:solidFill>
+                <a:latin typeface="Times New Roman" panose="02020603050405020304" pitchFamily="18" charset="0"/>
+                <a:cs typeface="Times New Roman" panose="02020603050405020304" pitchFamily="18" charset="0"/>
+              </a:rPr>
+              <a:t>What</a:t>
+            </a:r>
+            <a:r>
+              <a:rPr lang="pt-BR" sz="1800" b="1" dirty="0">
+                <a:solidFill>
+                  <a:srgbClr val="FF0000"/>
+                </a:solidFill>
+                <a:latin typeface="Times New Roman" panose="02020603050405020304" pitchFamily="18" charset="0"/>
+                <a:cs typeface="Times New Roman" panose="02020603050405020304" pitchFamily="18" charset="0"/>
+              </a:rPr>
+              <a:t> </a:t>
+            </a:r>
+            <a:r>
+              <a:rPr lang="pt-BR" sz="1800" b="1" dirty="0" err="1">
+                <a:solidFill>
+                  <a:srgbClr val="FF0000"/>
+                </a:solidFill>
+                <a:latin typeface="Times New Roman" panose="02020603050405020304" pitchFamily="18" charset="0"/>
+                <a:cs typeface="Times New Roman" panose="02020603050405020304" pitchFamily="18" charset="0"/>
+              </a:rPr>
+              <a:t>is</a:t>
+            </a:r>
+            <a:r>
+              <a:rPr lang="pt-BR" sz="1800" b="1" dirty="0">
+                <a:solidFill>
+                  <a:srgbClr val="FF0000"/>
+                </a:solidFill>
+                <a:latin typeface="Times New Roman" panose="02020603050405020304" pitchFamily="18" charset="0"/>
+                <a:cs typeface="Times New Roman" panose="02020603050405020304" pitchFamily="18" charset="0"/>
+              </a:rPr>
+              <a:t> </a:t>
+            </a:r>
+            <a:r>
+              <a:rPr lang="pt-BR" sz="1800" b="1" dirty="0" err="1">
+                <a:solidFill>
+                  <a:srgbClr val="FF0000"/>
+                </a:solidFill>
+                <a:latin typeface="Times New Roman" panose="02020603050405020304" pitchFamily="18" charset="0"/>
+                <a:cs typeface="Times New Roman" panose="02020603050405020304" pitchFamily="18" charset="0"/>
+              </a:rPr>
+              <a:t>CircuitPython</a:t>
+            </a:r>
+            <a:r>
+              <a:rPr lang="pt-BR" sz="1800" b="1" dirty="0">
+                <a:solidFill>
+                  <a:srgbClr val="FF0000"/>
+                </a:solidFill>
+                <a:latin typeface="Times New Roman" panose="02020603050405020304" pitchFamily="18" charset="0"/>
+                <a:cs typeface="Times New Roman" panose="02020603050405020304" pitchFamily="18" charset="0"/>
+              </a:rPr>
+              <a:t>?</a:t>
+            </a:r>
+            <a:r>
+              <a:rPr lang="pt-BR" sz="1800" dirty="0">
+                <a:latin typeface="Times New Roman" panose="02020603050405020304" pitchFamily="18" charset="0"/>
+                <a:cs typeface="Times New Roman" panose="02020603050405020304" pitchFamily="18" charset="0"/>
+              </a:rPr>
+              <a:t> URL: https://learn.adafruit.com/</a:t>
+            </a:r>
+            <a:r>
+              <a:rPr lang="pt-BR" sz="1800" dirty="0" err="1">
+                <a:latin typeface="Times New Roman" panose="02020603050405020304" pitchFamily="18" charset="0"/>
+                <a:cs typeface="Times New Roman" panose="02020603050405020304" pitchFamily="18" charset="0"/>
+              </a:rPr>
+              <a:t>welcome-to-circuitpython</a:t>
+            </a:r>
+            <a:r>
+              <a:rPr lang="pt-BR" sz="1800" dirty="0">
+                <a:latin typeface="Times New Roman" panose="02020603050405020304" pitchFamily="18" charset="0"/>
+                <a:cs typeface="Times New Roman" panose="02020603050405020304" pitchFamily="18" charset="0"/>
+              </a:rPr>
+              <a:t>/</a:t>
+            </a:r>
+            <a:r>
+              <a:rPr lang="pt-BR" sz="1800" dirty="0" err="1">
+                <a:latin typeface="Times New Roman" panose="02020603050405020304" pitchFamily="18" charset="0"/>
+                <a:cs typeface="Times New Roman" panose="02020603050405020304" pitchFamily="18" charset="0"/>
+              </a:rPr>
+              <a:t>what-is-circuitpython</a:t>
+            </a:r>
+            <a:r>
+              <a:rPr lang="pt-BR" sz="1800" dirty="0">
+                <a:latin typeface="Times New Roman" panose="02020603050405020304" pitchFamily="18" charset="0"/>
+                <a:cs typeface="Times New Roman" panose="02020603050405020304" pitchFamily="18" charset="0"/>
+              </a:rPr>
+              <a:t>. Acesso em: 23 de maio de 2023.</a:t>
+            </a:r>
+          </a:p>
+          <a:p>
+            <a:pPr marL="0" indent="0" algn="just">
+              <a:buNone/>
+            </a:pPr>
+            <a:endParaRPr lang="pt-BR" sz="1800" dirty="0">
+              <a:latin typeface="Times New Roman" panose="02020603050405020304" pitchFamily="18" charset="0"/>
+              <a:cs typeface="Times New Roman" panose="02020603050405020304" pitchFamily="18" charset="0"/>
+            </a:endParaRPr>
+          </a:p>
+          <a:p>
+            <a:pPr marL="0" indent="0" algn="just">
+              <a:buNone/>
+            </a:pPr>
+            <a:r>
+              <a:rPr lang="pt-BR" sz="1800" dirty="0">
+                <a:latin typeface="Times New Roman" panose="02020603050405020304" pitchFamily="18" charset="0"/>
+                <a:cs typeface="Times New Roman" panose="02020603050405020304" pitchFamily="18" charset="0"/>
+              </a:rPr>
+              <a:t>[3] </a:t>
+            </a:r>
+            <a:r>
+              <a:rPr lang="pt-BR" sz="1800" b="1" dirty="0">
+                <a:solidFill>
+                  <a:srgbClr val="FF0000"/>
+                </a:solidFill>
+                <a:latin typeface="Times New Roman" panose="02020603050405020304" pitchFamily="18" charset="0"/>
+                <a:cs typeface="Times New Roman" panose="02020603050405020304" pitchFamily="18" charset="0"/>
+              </a:rPr>
+              <a:t>[</a:t>
+            </a:r>
+            <a:r>
+              <a:rPr lang="pt-BR" sz="1800" b="1" dirty="0" err="1">
+                <a:solidFill>
+                  <a:srgbClr val="FF0000"/>
+                </a:solidFill>
+                <a:latin typeface="Times New Roman" panose="02020603050405020304" pitchFamily="18" charset="0"/>
+                <a:cs typeface="Times New Roman" panose="02020603050405020304" pitchFamily="18" charset="0"/>
+              </a:rPr>
+              <a:t>Yocto</a:t>
+            </a:r>
+            <a:r>
+              <a:rPr lang="pt-BR" sz="1800" b="1" dirty="0">
+                <a:solidFill>
+                  <a:srgbClr val="FF0000"/>
+                </a:solidFill>
+                <a:latin typeface="Times New Roman" panose="02020603050405020304" pitchFamily="18" charset="0"/>
+                <a:cs typeface="Times New Roman" panose="02020603050405020304" pitchFamily="18" charset="0"/>
+              </a:rPr>
+              <a:t>, 2021] </a:t>
+            </a:r>
+            <a:r>
+              <a:rPr lang="pt-BR" sz="1800" b="1" dirty="0" err="1">
+                <a:solidFill>
+                  <a:srgbClr val="FF0000"/>
+                </a:solidFill>
+                <a:latin typeface="Times New Roman" panose="02020603050405020304" pitchFamily="18" charset="0"/>
+                <a:cs typeface="Times New Roman" panose="02020603050405020304" pitchFamily="18" charset="0"/>
+              </a:rPr>
+              <a:t>Introducing</a:t>
+            </a:r>
+            <a:r>
+              <a:rPr lang="pt-BR" sz="1800" b="1" dirty="0">
+                <a:solidFill>
+                  <a:srgbClr val="FF0000"/>
+                </a:solidFill>
+                <a:latin typeface="Times New Roman" panose="02020603050405020304" pitchFamily="18" charset="0"/>
+                <a:cs typeface="Times New Roman" panose="02020603050405020304" pitchFamily="18" charset="0"/>
+              </a:rPr>
+              <a:t> </a:t>
+            </a:r>
+            <a:r>
+              <a:rPr lang="pt-BR" sz="1800" b="1" dirty="0" err="1">
+                <a:solidFill>
+                  <a:srgbClr val="FF0000"/>
+                </a:solidFill>
+                <a:latin typeface="Times New Roman" panose="02020603050405020304" pitchFamily="18" charset="0"/>
+                <a:cs typeface="Times New Roman" panose="02020603050405020304" pitchFamily="18" charset="0"/>
+              </a:rPr>
+              <a:t>the</a:t>
+            </a:r>
+            <a:r>
+              <a:rPr lang="pt-BR" sz="1800" b="1" dirty="0">
+                <a:solidFill>
+                  <a:srgbClr val="FF0000"/>
+                </a:solidFill>
+                <a:latin typeface="Times New Roman" panose="02020603050405020304" pitchFamily="18" charset="0"/>
+                <a:cs typeface="Times New Roman" panose="02020603050405020304" pitchFamily="18" charset="0"/>
+              </a:rPr>
+              <a:t> </a:t>
+            </a:r>
+            <a:r>
+              <a:rPr lang="pt-BR" sz="1800" b="1" dirty="0" err="1">
+                <a:solidFill>
+                  <a:srgbClr val="FF0000"/>
+                </a:solidFill>
+                <a:latin typeface="Times New Roman" panose="02020603050405020304" pitchFamily="18" charset="0"/>
+                <a:cs typeface="Times New Roman" panose="02020603050405020304" pitchFamily="18" charset="0"/>
+              </a:rPr>
+              <a:t>Yocto</a:t>
+            </a:r>
+            <a:r>
+              <a:rPr lang="pt-BR" sz="1800" b="1" dirty="0">
+                <a:solidFill>
+                  <a:srgbClr val="FF0000"/>
+                </a:solidFill>
+                <a:latin typeface="Times New Roman" panose="02020603050405020304" pitchFamily="18" charset="0"/>
+                <a:cs typeface="Times New Roman" panose="02020603050405020304" pitchFamily="18" charset="0"/>
+              </a:rPr>
+              <a:t> Project.</a:t>
+            </a:r>
+            <a:r>
+              <a:rPr lang="pt-BR" sz="1800" dirty="0">
+                <a:latin typeface="Times New Roman" panose="02020603050405020304" pitchFamily="18" charset="0"/>
+                <a:cs typeface="Times New Roman" panose="02020603050405020304" pitchFamily="18" charset="0"/>
+              </a:rPr>
+              <a:t> URL: https://docs.yoctoproject.org/overview-manual/</a:t>
+            </a:r>
+            <a:r>
+              <a:rPr lang="pt-BR" sz="1800" dirty="0" err="1">
+                <a:latin typeface="Times New Roman" panose="02020603050405020304" pitchFamily="18" charset="0"/>
+                <a:cs typeface="Times New Roman" panose="02020603050405020304" pitchFamily="18" charset="0"/>
+              </a:rPr>
+              <a:t>yp-intro.html#introducing-the-yocto-project</a:t>
+            </a:r>
+            <a:r>
+              <a:rPr lang="pt-BR" sz="1800" dirty="0">
+                <a:latin typeface="Times New Roman" panose="02020603050405020304" pitchFamily="18" charset="0"/>
+                <a:cs typeface="Times New Roman" panose="02020603050405020304" pitchFamily="18" charset="0"/>
+              </a:rPr>
+              <a:t>. Acesso em: 23 de maio de 2023.</a:t>
+            </a:r>
+          </a:p>
+          <a:p>
+            <a:pPr marL="0" indent="0" algn="just">
+              <a:buNone/>
+            </a:pPr>
+            <a:endParaRPr lang="pt-BR" sz="1800" dirty="0">
+              <a:latin typeface="Times New Roman" panose="02020603050405020304" pitchFamily="18" charset="0"/>
+              <a:cs typeface="Times New Roman" panose="02020603050405020304" pitchFamily="18" charset="0"/>
+            </a:endParaRPr>
+          </a:p>
+          <a:p>
+            <a:pPr marL="0" indent="0" algn="just">
+              <a:buNone/>
+            </a:pPr>
+            <a:r>
+              <a:rPr lang="pt-BR" sz="1800" dirty="0">
+                <a:latin typeface="Times New Roman" panose="02020603050405020304" pitchFamily="18" charset="0"/>
+                <a:cs typeface="Times New Roman" panose="02020603050405020304" pitchFamily="18" charset="0"/>
+              </a:rPr>
+              <a:t>[4] </a:t>
+            </a:r>
+            <a:r>
+              <a:rPr lang="pt-BR" sz="1800" b="1" dirty="0">
+                <a:solidFill>
+                  <a:srgbClr val="FF0000"/>
+                </a:solidFill>
+                <a:latin typeface="Times New Roman" panose="02020603050405020304" pitchFamily="18" charset="0"/>
+                <a:cs typeface="Times New Roman" panose="02020603050405020304" pitchFamily="18" charset="0"/>
+              </a:rPr>
+              <a:t>[</a:t>
+            </a:r>
+            <a:r>
+              <a:rPr lang="pt-BR" sz="1800" b="1" dirty="0" err="1">
+                <a:solidFill>
+                  <a:srgbClr val="FF0000"/>
+                </a:solidFill>
+                <a:latin typeface="Times New Roman" panose="02020603050405020304" pitchFamily="18" charset="0"/>
+                <a:cs typeface="Times New Roman" panose="02020603050405020304" pitchFamily="18" charset="0"/>
+              </a:rPr>
+              <a:t>FreeRTOS</a:t>
+            </a:r>
+            <a:r>
+              <a:rPr lang="pt-BR" sz="1800" b="1" dirty="0">
+                <a:solidFill>
+                  <a:srgbClr val="FF0000"/>
+                </a:solidFill>
+                <a:latin typeface="Times New Roman" panose="02020603050405020304" pitchFamily="18" charset="0"/>
+                <a:cs typeface="Times New Roman" panose="02020603050405020304" pitchFamily="18" charset="0"/>
+              </a:rPr>
+              <a:t>, 2021] </a:t>
+            </a:r>
+            <a:r>
+              <a:rPr lang="pt-BR" sz="1800" b="1" dirty="0" err="1">
+                <a:solidFill>
+                  <a:srgbClr val="FF0000"/>
+                </a:solidFill>
+                <a:latin typeface="Times New Roman" panose="02020603050405020304" pitchFamily="18" charset="0"/>
+                <a:cs typeface="Times New Roman" panose="02020603050405020304" pitchFamily="18" charset="0"/>
+              </a:rPr>
+              <a:t>FreeRTOS</a:t>
+            </a:r>
+            <a:r>
+              <a:rPr lang="pt-BR" sz="1800" b="1" dirty="0">
+                <a:solidFill>
+                  <a:srgbClr val="FF0000"/>
+                </a:solidFill>
+                <a:latin typeface="Times New Roman" panose="02020603050405020304" pitchFamily="18" charset="0"/>
+                <a:cs typeface="Times New Roman" panose="02020603050405020304" pitchFamily="18" charset="0"/>
+              </a:rPr>
+              <a:t>™</a:t>
+            </a:r>
+            <a:r>
+              <a:rPr lang="pt-BR" sz="1800" dirty="0">
+                <a:latin typeface="Times New Roman" panose="02020603050405020304" pitchFamily="18" charset="0"/>
+                <a:cs typeface="Times New Roman" panose="02020603050405020304" pitchFamily="18" charset="0"/>
+              </a:rPr>
+              <a:t>: Real-time </a:t>
+            </a:r>
+            <a:r>
+              <a:rPr lang="pt-BR" sz="1800" dirty="0" err="1">
+                <a:latin typeface="Times New Roman" panose="02020603050405020304" pitchFamily="18" charset="0"/>
+                <a:cs typeface="Times New Roman" panose="02020603050405020304" pitchFamily="18" charset="0"/>
+              </a:rPr>
+              <a:t>operating</a:t>
+            </a:r>
+            <a:r>
+              <a:rPr lang="pt-BR" sz="1800" dirty="0">
+                <a:latin typeface="Times New Roman" panose="02020603050405020304" pitchFamily="18" charset="0"/>
+                <a:cs typeface="Times New Roman" panose="02020603050405020304" pitchFamily="18" charset="0"/>
+              </a:rPr>
+              <a:t> system for </a:t>
+            </a:r>
+            <a:r>
+              <a:rPr lang="pt-BR" sz="1800" dirty="0" err="1">
+                <a:latin typeface="Times New Roman" panose="02020603050405020304" pitchFamily="18" charset="0"/>
+                <a:cs typeface="Times New Roman" panose="02020603050405020304" pitchFamily="18" charset="0"/>
+              </a:rPr>
+              <a:t>microcontrollers</a:t>
+            </a:r>
+            <a:r>
+              <a:rPr lang="pt-BR" sz="1800" dirty="0">
+                <a:latin typeface="Times New Roman" panose="02020603050405020304" pitchFamily="18" charset="0"/>
+                <a:cs typeface="Times New Roman" panose="02020603050405020304" pitchFamily="18" charset="0"/>
+              </a:rPr>
+              <a:t>. URL: https://www.freertos.org/index.html. Acesso em: 23 de maio de 2023.</a:t>
+            </a:r>
+          </a:p>
+        </p:txBody>
+      </p:sp>
+    </p:spTree>
+    <p:extLst>
+      <p:ext uri="{BB962C8B-B14F-4D97-AF65-F5344CB8AC3E}">
+        <p14:creationId xmlns:p14="http://schemas.microsoft.com/office/powerpoint/2010/main" val="1115311843"/>
+      </p:ext>
+    </p:extLst>
+  </p:cSld>
+  <p:clrMapOvr>
+    <a:masterClrMapping/>
+  </p:clrMapOvr>
+  <p:transition spd="med"/>
+</p:sld>
+</file>
+
+<file path=ppt/slides/slide17.xml><?xml version="1.0" encoding="utf-8"?>
+<p:sld xmlns:a="http://schemas.openxmlformats.org/drawingml/2006/main" xmlns:r="http://schemas.openxmlformats.org/officeDocument/2006/relationships" xmlns:p="http://schemas.openxmlformats.org/presentationml/2006/main">
+  <p:cSld>
+    <p:spTree>
+      <p:nvGrpSpPr>
+        <p:cNvPr id="1" name=""/>
+        <p:cNvGrpSpPr/>
+        <p:nvPr/>
+      </p:nvGrpSpPr>
+      <p:grpSpPr>
+        <a:xfrm>
+          <a:off x="0" y="0"/>
+          <a:ext cx="0" cy="0"/>
+          <a:chOff x="0" y="0"/>
+          <a:chExt cx="0" cy="0"/>
+        </a:xfrm>
+      </p:grpSpPr>
+      <p:pic>
+        <p:nvPicPr>
+          <p:cNvPr id="112" name="Picture 6" descr="Picture 6"/>
+          <p:cNvPicPr>
+            <a:picLocks noChangeAspect="1"/>
+          </p:cNvPicPr>
+          <p:nvPr/>
+        </p:nvPicPr>
+        <p:blipFill>
+          <a:blip r:embed="rId2"/>
+          <a:stretch>
+            <a:fillRect/>
+          </a:stretch>
+        </p:blipFill>
+        <p:spPr>
+          <a:xfrm>
+            <a:off x="0" y="0"/>
+            <a:ext cx="9144000" cy="5143500"/>
+          </a:xfrm>
+          <a:prstGeom prst="rect">
+            <a:avLst/>
+          </a:prstGeom>
+          <a:ln w="12700">
+            <a:miter lim="400000"/>
+            <a:headEnd/>
+            <a:tailEnd/>
+          </a:ln>
+        </p:spPr>
+      </p:pic>
+      <p:pic>
+        <p:nvPicPr>
+          <p:cNvPr id="114" name="Picture 5" descr="Picture 5"/>
+          <p:cNvPicPr>
+            <a:picLocks noChangeAspect="1"/>
+          </p:cNvPicPr>
+          <p:nvPr/>
+        </p:nvPicPr>
+        <p:blipFill>
+          <a:blip r:embed="rId3"/>
+          <a:stretch>
+            <a:fillRect/>
+          </a:stretch>
+        </p:blipFill>
+        <p:spPr>
+          <a:xfrm>
+            <a:off x="469900" y="0"/>
+            <a:ext cx="4391984" cy="171450"/>
+          </a:xfrm>
+          <a:prstGeom prst="rect">
+            <a:avLst/>
+          </a:prstGeom>
+          <a:ln w="12700">
+            <a:miter lim="400000"/>
+            <a:headEnd/>
+            <a:tailEnd/>
+          </a:ln>
+        </p:spPr>
+      </p:pic>
+      <p:sp>
+        <p:nvSpPr>
+          <p:cNvPr id="3" name="Título 2"/>
+          <p:cNvSpPr>
+            <a:spLocks noGrp="1"/>
+          </p:cNvSpPr>
+          <p:nvPr>
+            <p:ph type="title"/>
+          </p:nvPr>
+        </p:nvSpPr>
+        <p:spPr>
+          <a:xfrm>
+            <a:off x="285751" y="2386770"/>
+            <a:ext cx="8615364" cy="1102519"/>
+          </a:xfrm>
+        </p:spPr>
+        <p:txBody>
+          <a:bodyPr>
+            <a:noAutofit/>
+          </a:bodyPr>
+          <a:lstStyle/>
+          <a:p>
+            <a:r>
+              <a:rPr lang="pt-BR" sz="4800" b="1" dirty="0">
+                <a:solidFill>
+                  <a:schemeClr val="bg1"/>
+                </a:solidFill>
+              </a:rPr>
+              <a:t>Programação Microcontroladores</a:t>
+            </a:r>
+          </a:p>
+        </p:txBody>
+      </p:sp>
+      <p:sp>
+        <p:nvSpPr>
+          <p:cNvPr id="6" name="Título 2"/>
+          <p:cNvSpPr txBox="1"/>
+          <p:nvPr/>
+        </p:nvSpPr>
+        <p:spPr>
+          <a:xfrm>
+            <a:off x="975683" y="3866663"/>
+            <a:ext cx="7772400" cy="1102519"/>
+          </a:xfrm>
+          <a:prstGeom prst="rect">
+            <a:avLst/>
+          </a:prstGeom>
+          <a:ln w="12700">
+            <a:miter lim="400000"/>
+          </a:ln>
+        </p:spPr>
+        <p:txBody>
+          <a:bodyPr lIns="45718" tIns="45718" rIns="45718" bIns="45718" anchor="ctr">
+            <a:noAutofit/>
+          </a:bodyPr>
+          <a:lstStyle>
+            <a:lvl1pPr marL="0" marR="0" indent="0" algn="ctr" defTabSz="457200" rtl="0" latinLnBrk="0">
+              <a:lnSpc>
+                <a:spcPct val="100000"/>
+              </a:lnSpc>
+              <a:spcBef>
+                <a:spcPts val="0"/>
+              </a:spcBef>
+              <a:spcAft>
+                <a:spcPts val="0"/>
+              </a:spcAft>
+              <a:buClrTx/>
+              <a:buSzTx/>
+              <a:buFontTx/>
+              <a:buNone/>
+              <a:defRPr sz="4400" b="0" i="0" u="none" strike="noStrike" cap="none" spc="0" baseline="0">
+                <a:ln>
+                  <a:noFill/>
+                </a:ln>
+                <a:solidFill>
+                  <a:srgbClr val="000000"/>
+                </a:solidFill>
+                <a:uFillTx/>
+                <a:latin typeface="+mj-lt"/>
+                <a:ea typeface="+mj-ea"/>
+                <a:cs typeface="+mj-cs"/>
+                <a:sym typeface="Calibri"/>
+              </a:defRPr>
+            </a:lvl1pPr>
+            <a:lvl2pPr marL="0" marR="0" indent="0" algn="ctr" defTabSz="457200" rtl="0" latinLnBrk="0">
+              <a:lnSpc>
+                <a:spcPct val="100000"/>
+              </a:lnSpc>
+              <a:spcBef>
+                <a:spcPts val="0"/>
+              </a:spcBef>
+              <a:spcAft>
+                <a:spcPts val="0"/>
+              </a:spcAft>
+              <a:buClrTx/>
+              <a:buSzTx/>
+              <a:buFontTx/>
+              <a:buNone/>
+              <a:defRPr sz="4400" b="0" i="0" u="none" strike="noStrike" cap="none" spc="0" baseline="0">
+                <a:ln>
+                  <a:noFill/>
+                </a:ln>
+                <a:solidFill>
+                  <a:srgbClr val="000000"/>
+                </a:solidFill>
+                <a:uFillTx/>
+                <a:latin typeface="+mj-lt"/>
+                <a:ea typeface="+mj-ea"/>
+                <a:cs typeface="+mj-cs"/>
+                <a:sym typeface="Calibri"/>
+              </a:defRPr>
+            </a:lvl2pPr>
+            <a:lvl3pPr marL="0" marR="0" indent="0" algn="ctr" defTabSz="457200" rtl="0" latinLnBrk="0">
+              <a:lnSpc>
+                <a:spcPct val="100000"/>
+              </a:lnSpc>
+              <a:spcBef>
+                <a:spcPts val="0"/>
+              </a:spcBef>
+              <a:spcAft>
+                <a:spcPts val="0"/>
+              </a:spcAft>
+              <a:buClrTx/>
+              <a:buSzTx/>
+              <a:buFontTx/>
+              <a:buNone/>
+              <a:defRPr sz="4400" b="0" i="0" u="none" strike="noStrike" cap="none" spc="0" baseline="0">
+                <a:ln>
+                  <a:noFill/>
+                </a:ln>
+                <a:solidFill>
+                  <a:srgbClr val="000000"/>
+                </a:solidFill>
+                <a:uFillTx/>
+                <a:latin typeface="+mj-lt"/>
+                <a:ea typeface="+mj-ea"/>
+                <a:cs typeface="+mj-cs"/>
+                <a:sym typeface="Calibri"/>
+              </a:defRPr>
+            </a:lvl3pPr>
+            <a:lvl4pPr marL="0" marR="0" indent="0" algn="ctr" defTabSz="457200" rtl="0" latinLnBrk="0">
+              <a:lnSpc>
+                <a:spcPct val="100000"/>
+              </a:lnSpc>
+              <a:spcBef>
+                <a:spcPts val="0"/>
+              </a:spcBef>
+              <a:spcAft>
+                <a:spcPts val="0"/>
+              </a:spcAft>
+              <a:buClrTx/>
+              <a:buSzTx/>
+              <a:buFontTx/>
+              <a:buNone/>
+              <a:defRPr sz="4400" b="0" i="0" u="none" strike="noStrike" cap="none" spc="0" baseline="0">
+                <a:ln>
+                  <a:noFill/>
+                </a:ln>
+                <a:solidFill>
+                  <a:srgbClr val="000000"/>
+                </a:solidFill>
+                <a:uFillTx/>
+                <a:latin typeface="+mj-lt"/>
+                <a:ea typeface="+mj-ea"/>
+                <a:cs typeface="+mj-cs"/>
+                <a:sym typeface="Calibri"/>
+              </a:defRPr>
+            </a:lvl4pPr>
+            <a:lvl5pPr marL="0" marR="0" indent="0" algn="ctr" defTabSz="457200" rtl="0" latinLnBrk="0">
+              <a:lnSpc>
+                <a:spcPct val="100000"/>
+              </a:lnSpc>
+              <a:spcBef>
+                <a:spcPts val="0"/>
+              </a:spcBef>
+              <a:spcAft>
+                <a:spcPts val="0"/>
+              </a:spcAft>
+              <a:buClrTx/>
+              <a:buSzTx/>
+              <a:buFontTx/>
+              <a:buNone/>
+              <a:defRPr sz="4400" b="0" i="0" u="none" strike="noStrike" cap="none" spc="0" baseline="0">
+                <a:ln>
+                  <a:noFill/>
+                </a:ln>
+                <a:solidFill>
+                  <a:srgbClr val="000000"/>
+                </a:solidFill>
+                <a:uFillTx/>
+                <a:latin typeface="+mj-lt"/>
+                <a:ea typeface="+mj-ea"/>
+                <a:cs typeface="+mj-cs"/>
+                <a:sym typeface="Calibri"/>
+              </a:defRPr>
+            </a:lvl5pPr>
+            <a:lvl6pPr marL="0" marR="0" indent="0" algn="ctr" defTabSz="457200" rtl="0" latinLnBrk="0">
+              <a:lnSpc>
+                <a:spcPct val="100000"/>
+              </a:lnSpc>
+              <a:spcBef>
+                <a:spcPts val="0"/>
+              </a:spcBef>
+              <a:spcAft>
+                <a:spcPts val="0"/>
+              </a:spcAft>
+              <a:buClrTx/>
+              <a:buSzTx/>
+              <a:buFontTx/>
+              <a:buNone/>
+              <a:defRPr sz="4400" b="0" i="0" u="none" strike="noStrike" cap="none" spc="0" baseline="0">
+                <a:ln>
+                  <a:noFill/>
+                </a:ln>
+                <a:solidFill>
+                  <a:srgbClr val="000000"/>
+                </a:solidFill>
+                <a:uFillTx/>
+                <a:latin typeface="+mj-lt"/>
+                <a:ea typeface="+mj-ea"/>
+                <a:cs typeface="+mj-cs"/>
+                <a:sym typeface="Calibri"/>
+              </a:defRPr>
+            </a:lvl6pPr>
+            <a:lvl7pPr marL="0" marR="0" indent="0" algn="ctr" defTabSz="457200" rtl="0" latinLnBrk="0">
+              <a:lnSpc>
+                <a:spcPct val="100000"/>
+              </a:lnSpc>
+              <a:spcBef>
+                <a:spcPts val="0"/>
+              </a:spcBef>
+              <a:spcAft>
+                <a:spcPts val="0"/>
+              </a:spcAft>
+              <a:buClrTx/>
+              <a:buSzTx/>
+              <a:buFontTx/>
+              <a:buNone/>
+              <a:defRPr sz="4400" b="0" i="0" u="none" strike="noStrike" cap="none" spc="0" baseline="0">
+                <a:ln>
+                  <a:noFill/>
+                </a:ln>
+                <a:solidFill>
+                  <a:srgbClr val="000000"/>
+                </a:solidFill>
+                <a:uFillTx/>
+                <a:latin typeface="+mj-lt"/>
+                <a:ea typeface="+mj-ea"/>
+                <a:cs typeface="+mj-cs"/>
+                <a:sym typeface="Calibri"/>
+              </a:defRPr>
+            </a:lvl7pPr>
+            <a:lvl8pPr marL="0" marR="0" indent="0" algn="ctr" defTabSz="457200" rtl="0" latinLnBrk="0">
+              <a:lnSpc>
+                <a:spcPct val="100000"/>
+              </a:lnSpc>
+              <a:spcBef>
+                <a:spcPts val="0"/>
+              </a:spcBef>
+              <a:spcAft>
+                <a:spcPts val="0"/>
+              </a:spcAft>
+              <a:buClrTx/>
+              <a:buSzTx/>
+              <a:buFontTx/>
+              <a:buNone/>
+              <a:defRPr sz="4400" b="0" i="0" u="none" strike="noStrike" cap="none" spc="0" baseline="0">
+                <a:ln>
+                  <a:noFill/>
+                </a:ln>
+                <a:solidFill>
+                  <a:srgbClr val="000000"/>
+                </a:solidFill>
+                <a:uFillTx/>
+                <a:latin typeface="+mj-lt"/>
+                <a:ea typeface="+mj-ea"/>
+                <a:cs typeface="+mj-cs"/>
+                <a:sym typeface="Calibri"/>
+              </a:defRPr>
+            </a:lvl8pPr>
+            <a:lvl9pPr marL="0" marR="0" indent="0" algn="ctr" defTabSz="457200" rtl="0" latinLnBrk="0">
+              <a:lnSpc>
+                <a:spcPct val="100000"/>
+              </a:lnSpc>
+              <a:spcBef>
+                <a:spcPts val="0"/>
+              </a:spcBef>
+              <a:spcAft>
+                <a:spcPts val="0"/>
+              </a:spcAft>
+              <a:buClrTx/>
+              <a:buSzTx/>
+              <a:buFontTx/>
+              <a:buNone/>
+              <a:defRPr sz="4400" b="0" i="0" u="none" strike="noStrike" cap="none" spc="0" baseline="0">
+                <a:ln>
+                  <a:noFill/>
+                </a:ln>
+                <a:solidFill>
+                  <a:srgbClr val="000000"/>
+                </a:solidFill>
+                <a:uFillTx/>
+                <a:latin typeface="+mj-lt"/>
+                <a:ea typeface="+mj-ea"/>
+                <a:cs typeface="+mj-cs"/>
+                <a:sym typeface="Calibri"/>
+              </a:defRPr>
+            </a:lvl9pPr>
+          </a:lstStyle>
+          <a:p>
+            <a:pPr algn="r" hangingPunct="1"/>
+            <a:r>
+              <a:rPr lang="pt-BR" sz="2000" b="1" dirty="0">
+                <a:solidFill>
+                  <a:schemeClr val="bg1"/>
+                </a:solidFill>
+              </a:rPr>
+              <a:t>Professor </a:t>
+            </a:r>
+            <a:r>
+              <a:rPr lang="pt-BR" sz="2000" b="1">
+                <a:solidFill>
+                  <a:schemeClr val="bg1"/>
+                </a:solidFill>
+              </a:rPr>
+              <a:t>M.Sc</a:t>
+            </a:r>
+            <a:r>
+              <a:rPr lang="pt-BR" sz="2000" b="1" dirty="0">
+                <a:solidFill>
+                  <a:schemeClr val="bg1"/>
+                </a:solidFill>
+              </a:rPr>
+              <a:t>. Heleno Cardoso</a:t>
+            </a:r>
+          </a:p>
+        </p:txBody>
+      </p:sp>
+      <p:pic>
+        <p:nvPicPr>
+          <p:cNvPr id="2" name="Google Shape;62;p1" descr="Imagem">
+            <a:extLst>
+              <a:ext uri="{FF2B5EF4-FFF2-40B4-BE49-F238E27FC236}">
+                <a16:creationId xmlns:a16="http://schemas.microsoft.com/office/drawing/2014/main" id="{9C895622-2963-024D-634E-EA58F5381D06}"/>
+              </a:ext>
+            </a:extLst>
+          </p:cNvPr>
+          <p:cNvPicPr preferRelativeResize="0"/>
+          <p:nvPr/>
+        </p:nvPicPr>
+        <p:blipFill rotWithShape="1">
+          <a:blip r:embed="rId4">
+            <a:alphaModFix/>
+          </a:blip>
+          <a:srcRect/>
+          <a:stretch/>
+        </p:blipFill>
+        <p:spPr>
+          <a:xfrm>
+            <a:off x="469898" y="343798"/>
+            <a:ext cx="2858518" cy="1338697"/>
+          </a:xfrm>
+          <a:prstGeom prst="rect">
+            <a:avLst/>
+          </a:prstGeom>
+          <a:noFill/>
+          <a:ln>
+            <a:noFill/>
+          </a:ln>
+        </p:spPr>
+      </p:pic>
+    </p:spTree>
+  </p:cSld>
+  <p:clrMapOvr>
+    <a:masterClrMapping/>
+  </p:clrMapOvr>
+  <p:transition spd="med"/>
+</p:sld>
+</file>
+
 <file path=ppt/slides/slide2.xml><?xml version="1.0" encoding="utf-8"?>
 <p:sld xmlns:a="http://schemas.openxmlformats.org/drawingml/2006/main" xmlns:r="http://schemas.openxmlformats.org/officeDocument/2006/relationships" xmlns:p="http://schemas.openxmlformats.org/presentationml/2006/main">
   <p:cSld>
@@ -4030,8 +7122,21 @@
                   <a:schemeClr val="bg1"/>
                 </a:solidFill>
               </a:rPr>
-              <a:t>Projetos com Microcontroladores</a:t>
-            </a:r>
+              <a:t>Projetos com Microcontroladores – </a:t>
+            </a:r>
+            <a:r>
+              <a:rPr lang="pt-BR" sz="3600" b="1">
+                <a:solidFill>
+                  <a:schemeClr val="bg1"/>
+                </a:solidFill>
+              </a:rPr>
+              <a:t>Plataformas e Limitações</a:t>
+            </a:r>
+            <a:endParaRPr lang="pt-BR" sz="3600" b="1" dirty="0">
+              <a:solidFill>
+                <a:schemeClr val="bg1"/>
+              </a:solidFill>
+            </a:endParaRPr>
           </a:p>
         </p:txBody>
       </p:sp>
@@ -4452,8 +7557,8 @@
         </p:nvSpPr>
         <p:spPr>
           <a:xfrm>
-            <a:off x="142865" y="1395222"/>
-            <a:ext cx="8865056" cy="3542298"/>
+            <a:off x="142865" y="1034610"/>
+            <a:ext cx="8865056" cy="3975271"/>
           </a:xfrm>
         </p:spPr>
         <p:txBody>
@@ -4465,19 +7570,46 @@
             <a:pPr marL="0" indent="0" algn="just">
               <a:buNone/>
             </a:pPr>
-            <a:r>
-              <a:rPr lang="pt-BR" sz="2000" dirty="0">
-                <a:solidFill>
-                  <a:schemeClr val="tx1"/>
-                </a:solidFill>
-                <a:latin typeface="Times New Roman" panose="02020603050405020304" pitchFamily="18" charset="0"/>
-                <a:cs typeface="Times New Roman" panose="02020603050405020304" pitchFamily="18" charset="0"/>
-              </a:rPr>
-              <a:t>5.1 PLATAFORMAS DE HARDWARE E SOFTWARE PARA UM PROJETO COM MICROCONTROLADOR</a:t>
-            </a:r>
+            <a:endParaRPr lang="pt-BR" sz="2000" b="1" dirty="0">
+              <a:solidFill>
+                <a:schemeClr val="tx1"/>
+              </a:solidFill>
+              <a:latin typeface="Times New Roman" panose="02020603050405020304" pitchFamily="18" charset="0"/>
+              <a:cs typeface="Times New Roman" panose="02020603050405020304" pitchFamily="18" charset="0"/>
+            </a:endParaRPr>
           </a:p>
         </p:txBody>
       </p:sp>
+      <p:pic>
+        <p:nvPicPr>
+          <p:cNvPr id="3" name="Imagem 2">
+            <a:extLst>
+              <a:ext uri="{FF2B5EF4-FFF2-40B4-BE49-F238E27FC236}">
+                <a16:creationId xmlns:a16="http://schemas.microsoft.com/office/drawing/2014/main" id="{CE9A8258-2412-1A52-C45C-A7C8BA43C2E4}"/>
+              </a:ext>
+            </a:extLst>
+          </p:cNvPr>
+          <p:cNvPicPr>
+            <a:picLocks noChangeAspect="1"/>
+          </p:cNvPicPr>
+          <p:nvPr/>
+        </p:nvPicPr>
+        <p:blipFill>
+          <a:blip r:embed="rId3"/>
+          <a:stretch>
+            <a:fillRect/>
+          </a:stretch>
+        </p:blipFill>
+        <p:spPr>
+          <a:xfrm>
+            <a:off x="920839" y="1073248"/>
+            <a:ext cx="5910063" cy="3864272"/>
+          </a:xfrm>
+          <a:prstGeom prst="rect">
+            <a:avLst/>
+          </a:prstGeom>
+        </p:spPr>
+      </p:pic>
     </p:spTree>
     <p:extLst>
       <p:ext uri="{BB962C8B-B14F-4D97-AF65-F5344CB8AC3E}">
@@ -4537,7 +7669,7 @@
                   <a:srgbClr val="0070C0"/>
                 </a:solidFill>
               </a:rPr>
-              <a:t>Limitações</a:t>
+              <a:t>Plataformas</a:t>
             </a:r>
             <a:r>
               <a:rPr lang="en-US" b="1" dirty="0">
@@ -4545,21 +7677,8 @@
                   <a:srgbClr val="0070C0"/>
                 </a:solidFill>
               </a:rPr>
-              <a:t> dos </a:t>
-            </a:r>
-            <a:r>
-              <a:rPr lang="en-US" b="1" dirty="0" err="1">
-                <a:solidFill>
-                  <a:srgbClr val="0070C0"/>
-                </a:solidFill>
-              </a:rPr>
-              <a:t>Microcontroladores</a:t>
-            </a:r>
-            <a:endParaRPr lang="en-US" b="1" dirty="0">
-              <a:solidFill>
-                <a:srgbClr val="0070C0"/>
-              </a:solidFill>
-            </a:endParaRPr>
+              <a:t> de Hardware e Software</a:t>
+            </a:r>
           </a:p>
         </p:txBody>
       </p:sp>
@@ -4596,7 +7715,141 @@
                 <a:latin typeface="Times New Roman" panose="02020603050405020304" pitchFamily="18" charset="0"/>
                 <a:cs typeface="Times New Roman" panose="02020603050405020304" pitchFamily="18" charset="0"/>
               </a:rPr>
-              <a:t>5.2 LIMITAÇÕES DOS MICROCONTROLADORES PARA A ESPECIFICAÇÃO DE PROJETOS EMBARCADOS DE ALTO DESEMPENHO</a:t>
+              <a:t>O </a:t>
+            </a:r>
+            <a:r>
+              <a:rPr lang="pt-BR" sz="2000" b="1" dirty="0">
+                <a:solidFill>
+                  <a:schemeClr val="tx1"/>
+                </a:solidFill>
+                <a:latin typeface="Times New Roman" panose="02020603050405020304" pitchFamily="18" charset="0"/>
+                <a:cs typeface="Times New Roman" panose="02020603050405020304" pitchFamily="18" charset="0"/>
+              </a:rPr>
+              <a:t>desenvolvimento de protótipos</a:t>
+            </a:r>
+            <a:r>
+              <a:rPr lang="pt-BR" sz="2000" dirty="0">
+                <a:solidFill>
+                  <a:schemeClr val="tx1"/>
+                </a:solidFill>
+                <a:latin typeface="Times New Roman" panose="02020603050405020304" pitchFamily="18" charset="0"/>
+                <a:cs typeface="Times New Roman" panose="02020603050405020304" pitchFamily="18" charset="0"/>
+              </a:rPr>
+              <a:t> é excelente para entender melhor um problema a ser resolvido, assim como para descobrir formas alternativas para a solução deste e entender se atende aos requisitos do cliente/usuário.  </a:t>
+            </a:r>
+          </a:p>
+          <a:p>
+            <a:pPr marL="0" indent="0" algn="just">
+              <a:buNone/>
+            </a:pPr>
+            <a:endParaRPr lang="pt-BR" sz="2000" dirty="0">
+              <a:solidFill>
+                <a:schemeClr val="tx1"/>
+              </a:solidFill>
+              <a:latin typeface="Times New Roman" panose="02020603050405020304" pitchFamily="18" charset="0"/>
+              <a:cs typeface="Times New Roman" panose="02020603050405020304" pitchFamily="18" charset="0"/>
+            </a:endParaRPr>
+          </a:p>
+          <a:p>
+            <a:pPr marL="0" indent="0" algn="just">
+              <a:buNone/>
+            </a:pPr>
+            <a:r>
+              <a:rPr lang="pt-BR" sz="2000" dirty="0">
+                <a:solidFill>
+                  <a:schemeClr val="tx1"/>
+                </a:solidFill>
+                <a:latin typeface="Times New Roman" panose="02020603050405020304" pitchFamily="18" charset="0"/>
+                <a:cs typeface="Times New Roman" panose="02020603050405020304" pitchFamily="18" charset="0"/>
+              </a:rPr>
+              <a:t>O primeiro passo no desenvolvimento de protótipos é realizar algumas escolhas referentes ao hardware e software, como a plataforma embarcada e o sistema operacional mais apropriado ao projeto.</a:t>
+            </a:r>
+          </a:p>
+          <a:p>
+            <a:pPr marL="0" indent="0" algn="just">
+              <a:buNone/>
+            </a:pPr>
+            <a:endParaRPr lang="pt-BR" sz="2000" dirty="0">
+              <a:solidFill>
+                <a:schemeClr val="tx1"/>
+              </a:solidFill>
+              <a:latin typeface="Times New Roman" panose="02020603050405020304" pitchFamily="18" charset="0"/>
+              <a:cs typeface="Times New Roman" panose="02020603050405020304" pitchFamily="18" charset="0"/>
+            </a:endParaRPr>
+          </a:p>
+          <a:p>
+            <a:pPr marL="0" indent="0" algn="just">
+              <a:buNone/>
+            </a:pPr>
+            <a:r>
+              <a:rPr lang="pt-BR" sz="2000" b="1" dirty="0">
+                <a:solidFill>
+                  <a:schemeClr val="tx1"/>
+                </a:solidFill>
+                <a:latin typeface="Times New Roman" panose="02020603050405020304" pitchFamily="18" charset="0"/>
+                <a:cs typeface="Times New Roman" panose="02020603050405020304" pitchFamily="18" charset="0"/>
+              </a:rPr>
+              <a:t>Software embarcado </a:t>
+            </a:r>
+            <a:r>
+              <a:rPr lang="pt-BR" sz="2000" dirty="0">
+                <a:solidFill>
+                  <a:schemeClr val="tx1"/>
+                </a:solidFill>
+                <a:latin typeface="Times New Roman" panose="02020603050405020304" pitchFamily="18" charset="0"/>
+                <a:cs typeface="Times New Roman" panose="02020603050405020304" pitchFamily="18" charset="0"/>
+              </a:rPr>
+              <a:t>que será executado em um </a:t>
+            </a:r>
+            <a:r>
+              <a:rPr lang="pt-BR" sz="2000" b="1" dirty="0">
+                <a:solidFill>
+                  <a:schemeClr val="tx1"/>
+                </a:solidFill>
+                <a:latin typeface="Times New Roman" panose="02020603050405020304" pitchFamily="18" charset="0"/>
+                <a:cs typeface="Times New Roman" panose="02020603050405020304" pitchFamily="18" charset="0"/>
+              </a:rPr>
+              <a:t>sistema crítico, </a:t>
+            </a:r>
+            <a:r>
+              <a:rPr lang="pt-BR" sz="2000" dirty="0">
+                <a:solidFill>
+                  <a:schemeClr val="tx1"/>
+                </a:solidFill>
+                <a:latin typeface="Times New Roman" panose="02020603050405020304" pitchFamily="18" charset="0"/>
+                <a:cs typeface="Times New Roman" panose="02020603050405020304" pitchFamily="18" charset="0"/>
+              </a:rPr>
+              <a:t>por exemplo</a:t>
+            </a:r>
+            <a:r>
+              <a:rPr lang="pt-BR" sz="2000" b="1" dirty="0">
+                <a:solidFill>
+                  <a:schemeClr val="tx1"/>
+                </a:solidFill>
+                <a:latin typeface="Times New Roman" panose="02020603050405020304" pitchFamily="18" charset="0"/>
+                <a:cs typeface="Times New Roman" panose="02020603050405020304" pitchFamily="18" charset="0"/>
+              </a:rPr>
+              <a:t>,</a:t>
+            </a:r>
+            <a:r>
+              <a:rPr lang="pt-BR" sz="2000" dirty="0">
+                <a:solidFill>
+                  <a:schemeClr val="tx1"/>
+                </a:solidFill>
+                <a:latin typeface="Times New Roman" panose="02020603050405020304" pitchFamily="18" charset="0"/>
+                <a:cs typeface="Times New Roman" panose="02020603050405020304" pitchFamily="18" charset="0"/>
+              </a:rPr>
+              <a:t> de um avião comercial ou que </a:t>
+            </a:r>
+            <a:r>
+              <a:rPr lang="pt-BR" sz="2000" b="1" dirty="0">
+                <a:solidFill>
+                  <a:schemeClr val="tx1"/>
+                </a:solidFill>
+                <a:latin typeface="Times New Roman" panose="02020603050405020304" pitchFamily="18" charset="0"/>
+                <a:cs typeface="Times New Roman" panose="02020603050405020304" pitchFamily="18" charset="0"/>
+              </a:rPr>
+              <a:t>controla um eletrodoméstico simples.</a:t>
             </a:r>
           </a:p>
         </p:txBody>
@@ -4604,7 +7857,7 @@
     </p:spTree>
     <p:extLst>
       <p:ext uri="{BB962C8B-B14F-4D97-AF65-F5344CB8AC3E}">
-        <p14:creationId xmlns:p14="http://schemas.microsoft.com/office/powerpoint/2010/main" val="724239402"/>
+        <p14:creationId xmlns:p14="http://schemas.microsoft.com/office/powerpoint/2010/main" val="2032767470"/>
       </p:ext>
     </p:extLst>
   </p:cSld>
@@ -4655,28 +7908,20 @@
           <a:lstStyle/>
           <a:p>
             <a:r>
+              <a:rPr lang="en-US" b="1" dirty="0">
+                <a:solidFill>
+                  <a:srgbClr val="0070C0"/>
+                </a:solidFill>
+              </a:rPr>
+              <a:t>Hardware </a:t>
+            </a:r>
+            <a:r>
               <a:rPr lang="en-US" b="1" dirty="0" err="1">
                 <a:solidFill>
                   <a:srgbClr val="0070C0"/>
                 </a:solidFill>
               </a:rPr>
-              <a:t>Leitura</a:t>
-            </a:r>
-            <a:r>
-              <a:rPr lang="en-US" b="1" dirty="0">
-                <a:solidFill>
-                  <a:srgbClr val="0070C0"/>
-                </a:solidFill>
-              </a:rPr>
-              <a:t> </a:t>
-            </a:r>
-            <a:r>
-              <a:rPr lang="en-US" b="1" dirty="0" err="1">
-                <a:solidFill>
-                  <a:srgbClr val="0070C0"/>
-                </a:solidFill>
-              </a:rPr>
-              <a:t>Específica</a:t>
+              <a:t>Embacados</a:t>
             </a:r>
             <a:endParaRPr lang="en-US" b="1" dirty="0">
               <a:solidFill>
@@ -4698,8 +7943,8 @@
         </p:nvSpPr>
         <p:spPr>
           <a:xfrm>
-            <a:off x="142865" y="1200150"/>
-            <a:ext cx="8865056" cy="3737369"/>
+            <a:off x="142865" y="1395222"/>
+            <a:ext cx="8865056" cy="3542298"/>
           </a:xfrm>
         </p:spPr>
         <p:txBody>
@@ -4712,36 +7957,34 @@
               <a:buNone/>
             </a:pPr>
             <a:r>
-              <a:rPr lang="pt-BR" sz="2000" dirty="0">
-                <a:latin typeface="Times New Roman" panose="02020603050405020304" pitchFamily="18" charset="0"/>
-                <a:cs typeface="Times New Roman" panose="02020603050405020304" pitchFamily="18" charset="0"/>
-              </a:rPr>
-              <a:t>[1] Sistemas Embarcados.</a:t>
+              <a:rPr lang="pt-BR" sz="2000" b="1" dirty="0" err="1">
+                <a:solidFill>
+                  <a:schemeClr val="tx1"/>
+                </a:solidFill>
+                <a:latin typeface="Times New Roman" panose="02020603050405020304" pitchFamily="18" charset="0"/>
+                <a:cs typeface="Times New Roman" panose="02020603050405020304" pitchFamily="18" charset="0"/>
+              </a:rPr>
+              <a:t>Raspberry</a:t>
+            </a:r>
+            <a:r>
+              <a:rPr lang="pt-BR" sz="2000" b="1" dirty="0">
+                <a:solidFill>
+                  <a:schemeClr val="tx1"/>
+                </a:solidFill>
+                <a:latin typeface="Times New Roman" panose="02020603050405020304" pitchFamily="18" charset="0"/>
+                <a:cs typeface="Times New Roman" panose="02020603050405020304" pitchFamily="18" charset="0"/>
+              </a:rPr>
+              <a:t> Pi</a:t>
             </a:r>
           </a:p>
           <a:p>
             <a:pPr marL="0" indent="0" algn="just">
               <a:buNone/>
             </a:pPr>
-            <a:r>
-              <a:rPr lang="pt-BR" sz="2000" b="1" dirty="0">
-                <a:solidFill>
-                  <a:srgbClr val="FF0000"/>
-                </a:solidFill>
-                <a:latin typeface="Times New Roman" panose="02020603050405020304" pitchFamily="18" charset="0"/>
-                <a:cs typeface="Times New Roman" panose="02020603050405020304" pitchFamily="18" charset="0"/>
-              </a:rPr>
-              <a:t>Disponível em: </a:t>
-            </a:r>
-            <a:r>
-              <a:rPr lang="pt-BR" sz="2000" dirty="0">
-                <a:latin typeface="Times New Roman" panose="02020603050405020304" pitchFamily="18" charset="0"/>
-                <a:cs typeface="Times New Roman" panose="02020603050405020304" pitchFamily="18" charset="0"/>
-                <a:hlinkClick r:id="rId3"/>
-              </a:rPr>
-              <a:t>https://files.comunidades.net/mutcom/ARTIGO_SIST_EMB.pdf</a:t>
-            </a:r>
             <a:endParaRPr lang="pt-BR" sz="2000" dirty="0">
+              <a:solidFill>
+                <a:schemeClr val="tx1"/>
+              </a:solidFill>
               <a:latin typeface="Times New Roman" panose="02020603050405020304" pitchFamily="18" charset="0"/>
               <a:cs typeface="Times New Roman" panose="02020603050405020304" pitchFamily="18" charset="0"/>
             </a:endParaRPr>
@@ -4750,7 +7993,65 @@
             <a:pPr marL="0" indent="0" algn="just">
               <a:buNone/>
             </a:pPr>
+            <a:r>
+              <a:rPr lang="pt-BR" sz="2000" dirty="0">
+                <a:solidFill>
+                  <a:schemeClr val="tx1"/>
+                </a:solidFill>
+                <a:latin typeface="Times New Roman" panose="02020603050405020304" pitchFamily="18" charset="0"/>
+                <a:cs typeface="Times New Roman" panose="02020603050405020304" pitchFamily="18" charset="0"/>
+              </a:rPr>
+              <a:t>Essa </a:t>
+            </a:r>
+            <a:r>
+              <a:rPr lang="pt-BR" sz="2000" b="1" dirty="0">
+                <a:solidFill>
+                  <a:schemeClr val="tx1"/>
+                </a:solidFill>
+                <a:latin typeface="Times New Roman" panose="02020603050405020304" pitchFamily="18" charset="0"/>
+                <a:cs typeface="Times New Roman" panose="02020603050405020304" pitchFamily="18" charset="0"/>
+              </a:rPr>
+              <a:t>plataforma</a:t>
+            </a:r>
+            <a:r>
+              <a:rPr lang="pt-BR" sz="2000" dirty="0">
+                <a:solidFill>
+                  <a:schemeClr val="tx1"/>
+                </a:solidFill>
+                <a:latin typeface="Times New Roman" panose="02020603050405020304" pitchFamily="18" charset="0"/>
+                <a:cs typeface="Times New Roman" panose="02020603050405020304" pitchFamily="18" charset="0"/>
+              </a:rPr>
+              <a:t> comporta o uso de um sistema operacional de propósito geral (sobretudo, </a:t>
+            </a:r>
+            <a:r>
+              <a:rPr lang="pt-BR" sz="2000" b="1" dirty="0">
+                <a:solidFill>
+                  <a:schemeClr val="tx1"/>
+                </a:solidFill>
+                <a:latin typeface="Times New Roman" panose="02020603050405020304" pitchFamily="18" charset="0"/>
+                <a:cs typeface="Times New Roman" panose="02020603050405020304" pitchFamily="18" charset="0"/>
+              </a:rPr>
+              <a:t>Linux Embarcado</a:t>
+            </a:r>
+            <a:r>
+              <a:rPr lang="pt-BR" sz="2000" dirty="0">
+                <a:solidFill>
+                  <a:schemeClr val="tx1"/>
+                </a:solidFill>
+                <a:latin typeface="Times New Roman" panose="02020603050405020304" pitchFamily="18" charset="0"/>
+                <a:cs typeface="Times New Roman" panose="02020603050405020304" pitchFamily="18" charset="0"/>
+              </a:rPr>
+              <a:t>), permitindo assim que sejam portadas facilmente soluções antes feitas para PCs convencionais nestes sistemas operacionais. </a:t>
+            </a:r>
+          </a:p>
+          <a:p>
+            <a:pPr marL="0" indent="0" algn="just">
+              <a:buNone/>
+            </a:pPr>
             <a:endParaRPr lang="pt-BR" sz="2000" dirty="0">
+              <a:solidFill>
+                <a:schemeClr val="tx1"/>
+              </a:solidFill>
               <a:latin typeface="Times New Roman" panose="02020603050405020304" pitchFamily="18" charset="0"/>
               <a:cs typeface="Times New Roman" panose="02020603050405020304" pitchFamily="18" charset="0"/>
             </a:endParaRPr>
@@ -4759,41 +8060,36 @@
             <a:pPr marL="0" indent="0" algn="just">
               <a:buNone/>
             </a:pPr>
-            <a:endParaRPr lang="pt-BR" sz="2000" dirty="0">
-              <a:latin typeface="Times New Roman" panose="02020603050405020304" pitchFamily="18" charset="0"/>
-              <a:cs typeface="Times New Roman" panose="02020603050405020304" pitchFamily="18" charset="0"/>
-            </a:endParaRPr>
-          </a:p>
-          <a:p>
-            <a:pPr marL="0" indent="0" algn="just">
-              <a:buNone/>
-            </a:pPr>
             <a:r>
               <a:rPr lang="pt-BR" sz="2000" dirty="0">
-                <a:latin typeface="Times New Roman" panose="02020603050405020304" pitchFamily="18" charset="0"/>
-                <a:cs typeface="Times New Roman" panose="02020603050405020304" pitchFamily="18" charset="0"/>
-              </a:rPr>
-              <a:t>[2] </a:t>
-            </a:r>
-            <a:r>
-              <a:rPr lang="pt-BR" sz="2000" dirty="0" err="1">
-                <a:latin typeface="Times New Roman" panose="02020603050405020304" pitchFamily="18" charset="0"/>
-                <a:cs typeface="Times New Roman" panose="02020603050405020304" pitchFamily="18" charset="0"/>
-              </a:rPr>
-              <a:t>Elicitação</a:t>
+                <a:solidFill>
+                  <a:schemeClr val="tx1"/>
+                </a:solidFill>
+                <a:latin typeface="Times New Roman" panose="02020603050405020304" pitchFamily="18" charset="0"/>
+                <a:cs typeface="Times New Roman" panose="02020603050405020304" pitchFamily="18" charset="0"/>
+              </a:rPr>
+              <a:t>É uma </a:t>
+            </a:r>
+            <a:r>
+              <a:rPr lang="pt-BR" sz="2000" b="1" dirty="0">
+                <a:solidFill>
+                  <a:schemeClr val="tx1"/>
+                </a:solidFill>
+                <a:latin typeface="Times New Roman" panose="02020603050405020304" pitchFamily="18" charset="0"/>
+                <a:cs typeface="Times New Roman" panose="02020603050405020304" pitchFamily="18" charset="0"/>
+              </a:rPr>
+              <a:t>plataforma com hardware</a:t>
             </a:r>
             <a:r>
               <a:rPr lang="pt-BR" sz="2000" dirty="0">
-                <a:latin typeface="Times New Roman" panose="02020603050405020304" pitchFamily="18" charset="0"/>
-                <a:cs typeface="Times New Roman" panose="02020603050405020304" pitchFamily="18" charset="0"/>
-              </a:rPr>
-              <a:t> e Especificação de Requisitos Sistemas Embarcados. </a:t>
-            </a:r>
-          </a:p>
-          <a:p>
-            <a:pPr marL="0" indent="0" algn="just">
-              <a:buNone/>
-            </a:pPr>
+                <a:solidFill>
+                  <a:schemeClr val="tx1"/>
+                </a:solidFill>
+                <a:latin typeface="Times New Roman" panose="02020603050405020304" pitchFamily="18" charset="0"/>
+                <a:cs typeface="Times New Roman" panose="02020603050405020304" pitchFamily="18" charset="0"/>
+              </a:rPr>
+              <a:t> bastante interessante, contando com opções de </a:t>
+            </a:r>
             <a:r>
               <a:rPr lang="pt-BR" sz="2000" b="1" dirty="0">
                 <a:solidFill>
@@ -4802,27 +8098,65 @@
                 <a:latin typeface="Times New Roman" panose="02020603050405020304" pitchFamily="18" charset="0"/>
                 <a:cs typeface="Times New Roman" panose="02020603050405020304" pitchFamily="18" charset="0"/>
               </a:rPr>
-              <a:t>Disponível em: </a:t>
+              <a:t>conectividade e comunicação</a:t>
             </a:r>
             <a:r>
               <a:rPr lang="pt-BR" sz="2000" dirty="0">
-                <a:latin typeface="Times New Roman" panose="02020603050405020304" pitchFamily="18" charset="0"/>
-                <a:cs typeface="Times New Roman" panose="02020603050405020304" pitchFamily="18" charset="0"/>
-                <a:hlinkClick r:id="rId4"/>
-              </a:rPr>
-              <a:t>https://eventos.spc.org.pe/cibse2015/pdfs/07_WER15.pdf</a:t>
-            </a:r>
-            <a:endParaRPr lang="pt-BR" sz="2000" dirty="0">
-              <a:latin typeface="Times New Roman" panose="02020603050405020304" pitchFamily="18" charset="0"/>
-              <a:cs typeface="Times New Roman" panose="02020603050405020304" pitchFamily="18" charset="0"/>
-            </a:endParaRPr>
+                <a:solidFill>
+                  <a:schemeClr val="tx1"/>
+                </a:solidFill>
+                <a:latin typeface="Times New Roman" panose="02020603050405020304" pitchFamily="18" charset="0"/>
+                <a:cs typeface="Times New Roman" panose="02020603050405020304" pitchFamily="18" charset="0"/>
+              </a:rPr>
+              <a:t> já integradas na plataforma: WiFi (2.4GHz e 5GHz), Ethernet (</a:t>
+            </a:r>
+            <a:r>
+              <a:rPr lang="pt-BR" sz="2000" b="1" dirty="0">
+                <a:solidFill>
+                  <a:schemeClr val="tx1"/>
+                </a:solidFill>
+                <a:latin typeface="Times New Roman" panose="02020603050405020304" pitchFamily="18" charset="0"/>
+                <a:cs typeface="Times New Roman" panose="02020603050405020304" pitchFamily="18" charset="0"/>
+              </a:rPr>
+              <a:t>Gigabit ethernet</a:t>
+            </a:r>
+            <a:r>
+              <a:rPr lang="pt-BR" sz="2000" dirty="0">
+                <a:solidFill>
+                  <a:schemeClr val="tx1"/>
+                </a:solidFill>
+                <a:latin typeface="Times New Roman" panose="02020603050405020304" pitchFamily="18" charset="0"/>
+                <a:cs typeface="Times New Roman" panose="02020603050405020304" pitchFamily="18" charset="0"/>
+              </a:rPr>
+              <a:t> em seu modelo mais novo, 4B) e BLE (</a:t>
+            </a:r>
+            <a:r>
+              <a:rPr lang="pt-BR" sz="2000" b="1" dirty="0" err="1">
+                <a:solidFill>
+                  <a:srgbClr val="FF0000"/>
+                </a:solidFill>
+                <a:latin typeface="Times New Roman" panose="02020603050405020304" pitchFamily="18" charset="0"/>
+                <a:cs typeface="Times New Roman" panose="02020603050405020304" pitchFamily="18" charset="0"/>
+              </a:rPr>
+              <a:t>bluetooth</a:t>
+            </a:r>
+            <a:r>
+              <a:rPr lang="pt-BR" sz="2000" dirty="0">
+                <a:solidFill>
+                  <a:schemeClr val="tx1"/>
+                </a:solidFill>
+                <a:latin typeface="Times New Roman" panose="02020603050405020304" pitchFamily="18" charset="0"/>
+                <a:cs typeface="Times New Roman" panose="02020603050405020304" pitchFamily="18" charset="0"/>
+              </a:rPr>
+              <a:t>).</a:t>
+            </a:r>
           </a:p>
         </p:txBody>
       </p:sp>
     </p:spTree>
     <p:extLst>
       <p:ext uri="{BB962C8B-B14F-4D97-AF65-F5344CB8AC3E}">
-        <p14:creationId xmlns:p14="http://schemas.microsoft.com/office/powerpoint/2010/main" val="3680270425"/>
+        <p14:creationId xmlns:p14="http://schemas.microsoft.com/office/powerpoint/2010/main" val="1367548440"/>
       </p:ext>
     </p:extLst>
   </p:cSld>
@@ -4873,21 +8207,26 @@
           <a:lstStyle/>
           <a:p>
             <a:r>
+              <a:rPr lang="en-US" b="1" dirty="0">
+                <a:solidFill>
+                  <a:srgbClr val="0070C0"/>
+                </a:solidFill>
+              </a:rPr>
+              <a:t>Hardware </a:t>
+            </a:r>
+            <a:r>
               <a:rPr lang="en-US" b="1" dirty="0" err="1">
                 <a:solidFill>
                   <a:srgbClr val="0070C0"/>
                 </a:solidFill>
               </a:rPr>
-              <a:t>Aprenda</a:t>
-            </a:r>
-            <a:r>
-              <a:rPr lang="en-US" b="1" dirty="0">
-                <a:solidFill>
-                  <a:srgbClr val="0070C0"/>
-                </a:solidFill>
-              </a:rPr>
-              <a:t>+</a:t>
-            </a:r>
+              <a:t>Embacados</a:t>
+            </a:r>
+            <a:endParaRPr lang="en-US" b="1" dirty="0">
+              <a:solidFill>
+                <a:srgbClr val="0070C0"/>
+              </a:solidFill>
+            </a:endParaRPr>
           </a:p>
         </p:txBody>
       </p:sp>
@@ -4903,8 +8242,8 @@
         </p:nvSpPr>
         <p:spPr>
           <a:xfrm>
-            <a:off x="142865" y="1200150"/>
-            <a:ext cx="8865056" cy="3737370"/>
+            <a:off x="142865" y="1395222"/>
+            <a:ext cx="8865056" cy="3542298"/>
           </a:xfrm>
         </p:spPr>
         <p:txBody>
@@ -4917,36 +8256,29 @@
               <a:buNone/>
             </a:pPr>
             <a:r>
-              <a:rPr lang="pt-BR" sz="2400" dirty="0">
-                <a:latin typeface="Times New Roman" panose="02020603050405020304" pitchFamily="18" charset="0"/>
-                <a:cs typeface="Times New Roman" panose="02020603050405020304" pitchFamily="18" charset="0"/>
-              </a:rPr>
-              <a:t>[1] Cursos Sistemas Embarcados - Microcontroladores</a:t>
-            </a:r>
-          </a:p>
-          <a:p>
-            <a:pPr marL="0" indent="0" algn="just">
-              <a:buNone/>
-            </a:pPr>
-            <a:r>
-              <a:rPr lang="pt-BR" sz="2400" b="1" dirty="0">
-                <a:solidFill>
-                  <a:srgbClr val="FF0000"/>
-                </a:solidFill>
-                <a:latin typeface="Times New Roman" panose="02020603050405020304" pitchFamily="18" charset="0"/>
-                <a:cs typeface="Times New Roman" panose="02020603050405020304" pitchFamily="18" charset="0"/>
-              </a:rPr>
-              <a:t>Disponível em: </a:t>
-            </a:r>
-            <a:r>
-              <a:rPr lang="pt-BR" sz="2400" dirty="0">
-                <a:latin typeface="Times New Roman" panose="02020603050405020304" pitchFamily="18" charset="0"/>
-                <a:cs typeface="Times New Roman" panose="02020603050405020304" pitchFamily="18" charset="0"/>
-                <a:hlinkClick r:id="rId3"/>
-              </a:rPr>
-              <a:t>https://embarcados.com.br/cursos/</a:t>
-            </a:r>
-            <a:endParaRPr lang="pt-BR" sz="2400" dirty="0">
+              <a:rPr lang="pt-BR" sz="2000" b="1" dirty="0" err="1">
+                <a:solidFill>
+                  <a:schemeClr val="tx1"/>
+                </a:solidFill>
+                <a:latin typeface="Times New Roman" panose="02020603050405020304" pitchFamily="18" charset="0"/>
+                <a:cs typeface="Times New Roman" panose="02020603050405020304" pitchFamily="18" charset="0"/>
+              </a:rPr>
+              <a:t>BeagleBone</a:t>
+            </a:r>
+            <a:r>
+              <a:rPr lang="pt-BR" sz="2000" b="1" dirty="0">
+                <a:solidFill>
+                  <a:schemeClr val="tx1"/>
+                </a:solidFill>
+                <a:latin typeface="Times New Roman" panose="02020603050405020304" pitchFamily="18" charset="0"/>
+                <a:cs typeface="Times New Roman" panose="02020603050405020304" pitchFamily="18" charset="0"/>
+              </a:rPr>
+              <a:t> Black</a:t>
+            </a:r>
+            <a:endParaRPr lang="pt-BR" sz="2000" dirty="0">
+              <a:solidFill>
+                <a:schemeClr val="tx1"/>
+              </a:solidFill>
               <a:latin typeface="Times New Roman" panose="02020603050405020304" pitchFamily="18" charset="0"/>
               <a:cs typeface="Times New Roman" panose="02020603050405020304" pitchFamily="18" charset="0"/>
             </a:endParaRPr>
@@ -4955,7 +8287,10 @@
             <a:pPr marL="0" indent="0" algn="just">
               <a:buNone/>
             </a:pPr>
-            <a:endParaRPr lang="pt-BR" sz="2400" dirty="0">
+            <a:endParaRPr lang="pt-BR" sz="2000" dirty="0">
+              <a:solidFill>
+                <a:schemeClr val="tx1"/>
+              </a:solidFill>
               <a:latin typeface="Times New Roman" panose="02020603050405020304" pitchFamily="18" charset="0"/>
               <a:cs typeface="Times New Roman" panose="02020603050405020304" pitchFamily="18" charset="0"/>
             </a:endParaRPr>
@@ -4964,56 +8299,63 @@
             <a:pPr marL="0" indent="0" algn="just">
               <a:buNone/>
             </a:pPr>
-            <a:endParaRPr lang="pt-BR" sz="2400" dirty="0">
-              <a:latin typeface="Times New Roman" panose="02020603050405020304" pitchFamily="18" charset="0"/>
-              <a:cs typeface="Times New Roman" panose="02020603050405020304" pitchFamily="18" charset="0"/>
-            </a:endParaRPr>
-          </a:p>
-          <a:p>
-            <a:pPr marL="0" indent="0" algn="just">
-              <a:buNone/>
-            </a:pPr>
-            <a:r>
-              <a:rPr lang="pt-BR" sz="2400" dirty="0">
-                <a:latin typeface="Times New Roman" panose="02020603050405020304" pitchFamily="18" charset="0"/>
-                <a:cs typeface="Times New Roman" panose="02020603050405020304" pitchFamily="18" charset="0"/>
-              </a:rPr>
-              <a:t>[2] Arquitetura de Software para Sistemas Embarcados</a:t>
-            </a:r>
-          </a:p>
-          <a:p>
-            <a:pPr marL="0" indent="0" algn="just">
-              <a:buNone/>
-            </a:pPr>
-            <a:r>
-              <a:rPr lang="pt-BR" sz="2400" b="1" dirty="0">
-                <a:solidFill>
-                  <a:srgbClr val="FF0000"/>
-                </a:solidFill>
-                <a:latin typeface="Times New Roman" panose="02020603050405020304" pitchFamily="18" charset="0"/>
-                <a:cs typeface="Times New Roman" panose="02020603050405020304" pitchFamily="18" charset="0"/>
-              </a:rPr>
-              <a:t>Disponível em: </a:t>
-            </a:r>
-            <a:r>
-              <a:rPr lang="pt-BR" sz="2400" dirty="0">
-                <a:latin typeface="Times New Roman" panose="02020603050405020304" pitchFamily="18" charset="0"/>
-                <a:cs typeface="Times New Roman" panose="02020603050405020304" pitchFamily="18" charset="0"/>
-                <a:hlinkClick r:id="rId4"/>
-              </a:rPr>
-              <a:t>https://www.youtube.com/watch?v=UIAOR32H1vk</a:t>
-            </a:r>
-            <a:endParaRPr lang="pt-BR" sz="2400" dirty="0">
-              <a:latin typeface="Times New Roman" panose="02020603050405020304" pitchFamily="18" charset="0"/>
-              <a:cs typeface="Times New Roman" panose="02020603050405020304" pitchFamily="18" charset="0"/>
-            </a:endParaRPr>
+            <a:r>
+              <a:rPr lang="pt-BR" sz="2000" dirty="0">
+                <a:solidFill>
+                  <a:schemeClr val="tx1"/>
+                </a:solidFill>
+                <a:latin typeface="Times New Roman" panose="02020603050405020304" pitchFamily="18" charset="0"/>
+                <a:cs typeface="Times New Roman" panose="02020603050405020304" pitchFamily="18" charset="0"/>
+              </a:rPr>
+              <a:t>É </a:t>
+            </a:r>
+            <a:r>
+              <a:rPr lang="pt-BR" sz="2000" b="1" dirty="0">
+                <a:solidFill>
+                  <a:schemeClr val="tx1"/>
+                </a:solidFill>
+                <a:latin typeface="Times New Roman" panose="02020603050405020304" pitchFamily="18" charset="0"/>
+                <a:cs typeface="Times New Roman" panose="02020603050405020304" pitchFamily="18" charset="0"/>
+              </a:rPr>
+              <a:t>similar às </a:t>
+            </a:r>
+            <a:r>
+              <a:rPr lang="pt-BR" sz="2000" b="1" dirty="0" err="1">
+                <a:solidFill>
+                  <a:schemeClr val="tx1"/>
+                </a:solidFill>
+                <a:latin typeface="Times New Roman" panose="02020603050405020304" pitchFamily="18" charset="0"/>
+                <a:cs typeface="Times New Roman" panose="02020603050405020304" pitchFamily="18" charset="0"/>
+              </a:rPr>
+              <a:t>Raspberries</a:t>
+            </a:r>
+            <a:r>
+              <a:rPr lang="pt-BR" sz="2000" b="1" dirty="0">
+                <a:solidFill>
+                  <a:schemeClr val="tx1"/>
+                </a:solidFill>
+                <a:latin typeface="Times New Roman" panose="02020603050405020304" pitchFamily="18" charset="0"/>
+                <a:cs typeface="Times New Roman" panose="02020603050405020304" pitchFamily="18" charset="0"/>
+              </a:rPr>
+              <a:t> Pi</a:t>
+            </a:r>
+            <a:r>
+              <a:rPr lang="pt-BR" sz="2000" dirty="0">
+                <a:solidFill>
+                  <a:schemeClr val="tx1"/>
+                </a:solidFill>
+                <a:latin typeface="Times New Roman" panose="02020603050405020304" pitchFamily="18" charset="0"/>
+                <a:cs typeface="Times New Roman" panose="02020603050405020304" pitchFamily="18" charset="0"/>
+              </a:rPr>
+              <a:t>, roda Linux, Android e outros sistemas operacionais.</a:t>
+            </a:r>
           </a:p>
         </p:txBody>
       </p:sp>
     </p:spTree>
     <p:extLst>
       <p:ext uri="{BB962C8B-B14F-4D97-AF65-F5344CB8AC3E}">
-        <p14:creationId xmlns:p14="http://schemas.microsoft.com/office/powerpoint/2010/main" val="2747596967"/>
+        <p14:creationId xmlns:p14="http://schemas.microsoft.com/office/powerpoint/2010/main" val="4084121960"/>
       </p:ext>
     </p:extLst>
   </p:cSld>
@@ -5064,44 +8406,20 @@
           <a:lstStyle/>
           <a:p>
             <a:r>
+              <a:rPr lang="en-US" b="1" dirty="0">
+                <a:solidFill>
+                  <a:srgbClr val="0070C0"/>
+                </a:solidFill>
+              </a:rPr>
+              <a:t>Hardware </a:t>
+            </a:r>
+            <a:r>
               <a:rPr lang="en-US" b="1" dirty="0" err="1">
                 <a:solidFill>
                   <a:srgbClr val="0070C0"/>
                 </a:solidFill>
               </a:rPr>
-              <a:t>Dinâmica</a:t>
-            </a:r>
-            <a:r>
-              <a:rPr lang="en-US" b="1" dirty="0">
-                <a:solidFill>
-                  <a:srgbClr val="0070C0"/>
-                </a:solidFill>
-              </a:rPr>
-              <a:t>/</a:t>
-            </a:r>
-            <a:r>
-              <a:rPr lang="en-US" b="1" dirty="0" err="1">
-                <a:solidFill>
-                  <a:srgbClr val="0070C0"/>
-                </a:solidFill>
-              </a:rPr>
-              <a:t>Atividades</a:t>
-            </a:r>
-            <a:r>
-              <a:rPr lang="en-US" b="1" dirty="0">
-                <a:solidFill>
-                  <a:srgbClr val="0070C0"/>
-                </a:solidFill>
-              </a:rPr>
-              <a:t> - </a:t>
-            </a:r>
-            <a:r>
-              <a:rPr lang="en-US" b="1" dirty="0" err="1">
-                <a:solidFill>
-                  <a:srgbClr val="0070C0"/>
-                </a:solidFill>
-              </a:rPr>
-              <a:t>Exercícios</a:t>
+              <a:t>Embacados</a:t>
             </a:r>
             <a:endParaRPr lang="en-US" b="1" dirty="0">
               <a:solidFill>
@@ -5123,8 +8441,8 @@
         </p:nvSpPr>
         <p:spPr>
           <a:xfrm>
-            <a:off x="139472" y="1063230"/>
-            <a:ext cx="8865056" cy="3996450"/>
+            <a:off x="142865" y="1395222"/>
+            <a:ext cx="8865056" cy="3542298"/>
           </a:xfrm>
         </p:spPr>
         <p:txBody>
@@ -5137,215 +8455,126 @@
               <a:buNone/>
             </a:pPr>
             <a:r>
-              <a:rPr lang="pt-BR" dirty="0">
-                <a:latin typeface="Times New Roman" panose="02020603050405020304" pitchFamily="18" charset="0"/>
-                <a:cs typeface="Times New Roman" panose="02020603050405020304" pitchFamily="18" charset="0"/>
-              </a:rPr>
-              <a:t>Criar </a:t>
-            </a:r>
-            <a:r>
-              <a:rPr lang="pt-BR" b="1" dirty="0">
-                <a:solidFill>
-                  <a:srgbClr val="FF0000"/>
-                </a:solidFill>
-                <a:latin typeface="Times New Roman" panose="02020603050405020304" pitchFamily="18" charset="0"/>
-                <a:cs typeface="Times New Roman" panose="02020603050405020304" pitchFamily="18" charset="0"/>
-              </a:rPr>
-              <a:t>projeto</a:t>
-            </a:r>
-            <a:r>
-              <a:rPr lang="pt-BR" dirty="0">
-                <a:solidFill>
-                  <a:srgbClr val="FF0000"/>
-                </a:solidFill>
-                <a:latin typeface="Times New Roman" panose="02020603050405020304" pitchFamily="18" charset="0"/>
-                <a:cs typeface="Times New Roman" panose="02020603050405020304" pitchFamily="18" charset="0"/>
-              </a:rPr>
-              <a:t> </a:t>
-            </a:r>
-            <a:r>
-              <a:rPr lang="pt-BR" b="1" dirty="0">
-                <a:solidFill>
-                  <a:srgbClr val="FF0000"/>
+              <a:rPr lang="pt-BR" sz="2000" b="1" dirty="0">
+                <a:solidFill>
+                  <a:schemeClr val="tx1"/>
                 </a:solidFill>
                 <a:latin typeface="Times New Roman" panose="02020603050405020304" pitchFamily="18" charset="0"/>
                 <a:cs typeface="Times New Roman" panose="02020603050405020304" pitchFamily="18" charset="0"/>
               </a:rPr>
               <a:t>Arduino</a:t>
             </a:r>
-            <a:r>
-              <a:rPr lang="pt-BR" dirty="0">
-                <a:latin typeface="Times New Roman" panose="02020603050405020304" pitchFamily="18" charset="0"/>
-                <a:cs typeface="Times New Roman" panose="02020603050405020304" pitchFamily="18" charset="0"/>
-              </a:rPr>
-              <a:t> para:</a:t>
-            </a:r>
           </a:p>
           <a:p>
             <a:pPr marL="0" indent="0" algn="just">
               <a:buNone/>
             </a:pPr>
-            <a:endParaRPr lang="pt-BR" dirty="0">
+            <a:endParaRPr lang="pt-BR" sz="2000" dirty="0">
+              <a:solidFill>
+                <a:schemeClr val="tx1"/>
+              </a:solidFill>
               <a:latin typeface="Times New Roman" panose="02020603050405020304" pitchFamily="18" charset="0"/>
               <a:cs typeface="Times New Roman" panose="02020603050405020304" pitchFamily="18" charset="0"/>
             </a:endParaRPr>
           </a:p>
           <a:p>
-            <a:pPr algn="just">
-              <a:buFontTx/>
-              <a:buChar char="-"/>
+            <a:pPr marL="0" indent="0" algn="just">
+              <a:buNone/>
             </a:pPr>
             <a:r>
-              <a:rPr lang="pt-BR" dirty="0">
-                <a:latin typeface="Times New Roman" panose="02020603050405020304" pitchFamily="18" charset="0"/>
-                <a:cs typeface="Times New Roman" panose="02020603050405020304" pitchFamily="18" charset="0"/>
-              </a:rPr>
-              <a:t>Imprimir na porta serial </a:t>
-            </a:r>
-            <a:r>
-              <a:rPr lang="pt-BR" b="1" dirty="0" err="1">
-                <a:latin typeface="Times New Roman" panose="02020603050405020304" pitchFamily="18" charset="0"/>
-                <a:cs typeface="Times New Roman" panose="02020603050405020304" pitchFamily="18" charset="0"/>
-              </a:rPr>
-              <a:t>Hello</a:t>
-            </a:r>
-            <a:r>
-              <a:rPr lang="pt-BR" b="1" dirty="0">
-                <a:latin typeface="Times New Roman" panose="02020603050405020304" pitchFamily="18" charset="0"/>
-                <a:cs typeface="Times New Roman" panose="02020603050405020304" pitchFamily="18" charset="0"/>
-              </a:rPr>
-              <a:t> World</a:t>
-            </a:r>
-            <a:r>
-              <a:rPr lang="pt-BR" dirty="0">
-                <a:latin typeface="Times New Roman" panose="02020603050405020304" pitchFamily="18" charset="0"/>
-                <a:cs typeface="Times New Roman" panose="02020603050405020304" pitchFamily="18" charset="0"/>
-              </a:rPr>
-              <a:t>;</a:t>
-            </a:r>
-          </a:p>
-          <a:p>
-            <a:pPr algn="just">
-              <a:buFontTx/>
-              <a:buChar char="-"/>
+              <a:rPr lang="pt-BR" sz="2000" b="1" dirty="0">
+                <a:solidFill>
+                  <a:schemeClr val="tx1"/>
+                </a:solidFill>
+                <a:latin typeface="Times New Roman" panose="02020603050405020304" pitchFamily="18" charset="0"/>
+                <a:cs typeface="Times New Roman" panose="02020603050405020304" pitchFamily="18" charset="0"/>
+              </a:rPr>
+              <a:t>Plataforma totalmente programável em C/C++</a:t>
+            </a:r>
+            <a:r>
+              <a:rPr lang="pt-BR" sz="2000" dirty="0">
+                <a:solidFill>
+                  <a:schemeClr val="tx1"/>
+                </a:solidFill>
+                <a:latin typeface="Times New Roman" panose="02020603050405020304" pitchFamily="18" charset="0"/>
+                <a:cs typeface="Times New Roman" panose="02020603050405020304" pitchFamily="18" charset="0"/>
+              </a:rPr>
+              <a:t> (</a:t>
+            </a:r>
+            <a:r>
+              <a:rPr lang="pt-BR" sz="2000" dirty="0" err="1">
+                <a:solidFill>
+                  <a:schemeClr val="tx1"/>
+                </a:solidFill>
+                <a:latin typeface="Times New Roman" panose="02020603050405020304" pitchFamily="18" charset="0"/>
+                <a:cs typeface="Times New Roman" panose="02020603050405020304" pitchFamily="18" charset="0"/>
+              </a:rPr>
+              <a:t>bare</a:t>
+            </a:r>
+            <a:r>
+              <a:rPr lang="pt-BR" sz="2000" dirty="0">
+                <a:solidFill>
+                  <a:schemeClr val="tx1"/>
+                </a:solidFill>
+                <a:latin typeface="Times New Roman" panose="02020603050405020304" pitchFamily="18" charset="0"/>
+                <a:cs typeface="Times New Roman" panose="02020603050405020304" pitchFamily="18" charset="0"/>
+              </a:rPr>
+              <a:t>-metal ou com RTOS), usando bibliotecas (nativas ou feitas por terceiros) e compatível com uma vasta gama de microcontroladores. </a:t>
+            </a:r>
+          </a:p>
+          <a:p>
+            <a:pPr marL="0" indent="0" algn="just">
+              <a:buNone/>
             </a:pPr>
-            <a:r>
-              <a:rPr lang="pt-BR" dirty="0">
-                <a:latin typeface="Times New Roman" panose="02020603050405020304" pitchFamily="18" charset="0"/>
-                <a:cs typeface="Times New Roman" panose="02020603050405020304" pitchFamily="18" charset="0"/>
-              </a:rPr>
-              <a:t>Fazer o led do pino 15 piscar, </a:t>
-            </a:r>
-            <a:r>
-              <a:rPr lang="pt-BR" b="1" dirty="0" err="1">
-                <a:latin typeface="Times New Roman" panose="02020603050405020304" pitchFamily="18" charset="0"/>
-                <a:cs typeface="Times New Roman" panose="02020603050405020304" pitchFamily="18" charset="0"/>
-              </a:rPr>
-              <a:t>Blink</a:t>
-            </a:r>
-            <a:r>
-              <a:rPr lang="pt-BR" dirty="0">
-                <a:latin typeface="Times New Roman" panose="02020603050405020304" pitchFamily="18" charset="0"/>
-                <a:cs typeface="Times New Roman" panose="02020603050405020304" pitchFamily="18" charset="0"/>
-              </a:rPr>
-              <a:t>;</a:t>
-            </a:r>
-          </a:p>
-          <a:p>
-            <a:pPr algn="just">
-              <a:buFontTx/>
-              <a:buChar char="-"/>
-            </a:pPr>
-            <a:r>
-              <a:rPr lang="pt-BR" dirty="0">
-                <a:latin typeface="Times New Roman" panose="02020603050405020304" pitchFamily="18" charset="0"/>
-                <a:cs typeface="Times New Roman" panose="02020603050405020304" pitchFamily="18" charset="0"/>
-              </a:rPr>
-              <a:t>Fazer </a:t>
-            </a:r>
-            <a:r>
-              <a:rPr lang="pt-BR" b="1" dirty="0">
-                <a:latin typeface="Times New Roman" panose="02020603050405020304" pitchFamily="18" charset="0"/>
-                <a:cs typeface="Times New Roman" panose="02020603050405020304" pitchFamily="18" charset="0"/>
-              </a:rPr>
-              <a:t>piscar 4 leds</a:t>
-            </a:r>
-          </a:p>
-          <a:p>
-            <a:pPr algn="just">
-              <a:buFontTx/>
-              <a:buChar char="-"/>
-            </a:pPr>
-            <a:r>
-              <a:rPr lang="pt-BR" dirty="0">
-                <a:latin typeface="Times New Roman" panose="02020603050405020304" pitchFamily="18" charset="0"/>
-                <a:cs typeface="Times New Roman" panose="02020603050405020304" pitchFamily="18" charset="0"/>
-              </a:rPr>
-              <a:t>Acender</a:t>
-            </a:r>
-            <a:r>
-              <a:rPr lang="pt-BR" b="1" dirty="0">
-                <a:latin typeface="Times New Roman" panose="02020603050405020304" pitchFamily="18" charset="0"/>
-                <a:cs typeface="Times New Roman" panose="02020603050405020304" pitchFamily="18" charset="0"/>
-              </a:rPr>
-              <a:t> uma lâmpada</a:t>
-            </a:r>
-            <a:r>
-              <a:rPr lang="pt-BR" dirty="0">
-                <a:latin typeface="Times New Roman" panose="02020603050405020304" pitchFamily="18" charset="0"/>
-                <a:cs typeface="Times New Roman" panose="02020603050405020304" pitchFamily="18" charset="0"/>
-              </a:rPr>
-              <a:t>;</a:t>
-            </a:r>
-          </a:p>
-          <a:p>
-            <a:pPr algn="just">
-              <a:buFontTx/>
-              <a:buChar char="-"/>
-            </a:pPr>
-            <a:r>
-              <a:rPr lang="pt-BR" dirty="0">
-                <a:latin typeface="Times New Roman" panose="02020603050405020304" pitchFamily="18" charset="0"/>
-                <a:cs typeface="Times New Roman" panose="02020603050405020304" pitchFamily="18" charset="0"/>
-              </a:rPr>
-              <a:t>Contador no </a:t>
-            </a:r>
-            <a:r>
-              <a:rPr lang="pt-BR" b="1" dirty="0">
-                <a:latin typeface="Times New Roman" panose="02020603050405020304" pitchFamily="18" charset="0"/>
-                <a:cs typeface="Times New Roman" panose="02020603050405020304" pitchFamily="18" charset="0"/>
-              </a:rPr>
-              <a:t>display LCD I2C</a:t>
-            </a:r>
-          </a:p>
-          <a:p>
-            <a:pPr algn="just">
-              <a:buFontTx/>
-              <a:buChar char="-"/>
-            </a:pPr>
-            <a:r>
-              <a:rPr lang="pt-BR" dirty="0">
-                <a:latin typeface="Times New Roman" panose="02020603050405020304" pitchFamily="18" charset="0"/>
-                <a:cs typeface="Times New Roman" panose="02020603050405020304" pitchFamily="18" charset="0"/>
-              </a:rPr>
-              <a:t>Projeto Livre</a:t>
-            </a:r>
-          </a:p>
-          <a:p>
-            <a:pPr marL="0" indent="0" algn="just">
-              <a:buNone/>
-            </a:pPr>
-            <a:endParaRPr lang="pt-BR" dirty="0">
+            <a:endParaRPr lang="pt-BR" sz="2000" dirty="0">
+              <a:solidFill>
+                <a:schemeClr val="tx1"/>
+              </a:solidFill>
               <a:latin typeface="Times New Roman" panose="02020603050405020304" pitchFamily="18" charset="0"/>
               <a:cs typeface="Times New Roman" panose="02020603050405020304" pitchFamily="18" charset="0"/>
             </a:endParaRPr>
+          </a:p>
+          <a:p>
+            <a:pPr marL="0" indent="0" algn="just">
+              <a:buNone/>
+            </a:pPr>
+            <a:r>
+              <a:rPr lang="pt-BR" sz="2000" dirty="0">
+                <a:solidFill>
+                  <a:schemeClr val="tx1"/>
+                </a:solidFill>
+                <a:latin typeface="Times New Roman" panose="02020603050405020304" pitchFamily="18" charset="0"/>
+                <a:cs typeface="Times New Roman" panose="02020603050405020304" pitchFamily="18" charset="0"/>
+              </a:rPr>
+              <a:t>É possível realizar o desenvolvimento em qualquer PC (Windows, MAC OS ou Linux) através de </a:t>
+            </a:r>
+            <a:r>
+              <a:rPr lang="pt-BR" sz="2000" dirty="0" err="1">
+                <a:solidFill>
+                  <a:schemeClr val="tx1"/>
+                </a:solidFill>
+                <a:latin typeface="Times New Roman" panose="02020603050405020304" pitchFamily="18" charset="0"/>
+                <a:cs typeface="Times New Roman" panose="02020603050405020304" pitchFamily="18" charset="0"/>
+              </a:rPr>
+              <a:t>cross</a:t>
+            </a:r>
+            <a:r>
+              <a:rPr lang="pt-BR" sz="2000" dirty="0">
+                <a:solidFill>
+                  <a:schemeClr val="tx1"/>
+                </a:solidFill>
+                <a:latin typeface="Times New Roman" panose="02020603050405020304" pitchFamily="18" charset="0"/>
+                <a:cs typeface="Times New Roman" panose="02020603050405020304" pitchFamily="18" charset="0"/>
+              </a:rPr>
+              <a:t>-compilação usando o software próprio da plataforma, sendo possível desenvolver em um smartphone/tablet também.</a:t>
+            </a:r>
           </a:p>
         </p:txBody>
       </p:sp>
     </p:spTree>
     <p:extLst>
       <p:ext uri="{BB962C8B-B14F-4D97-AF65-F5344CB8AC3E}">
-        <p14:creationId xmlns:p14="http://schemas.microsoft.com/office/powerpoint/2010/main" val="2470652989"/>
+        <p14:creationId xmlns:p14="http://schemas.microsoft.com/office/powerpoint/2010/main" val="3468650537"/>
       </p:ext>
     </p:extLst>
   </p:cSld>
@@ -5401,7 +8630,7 @@
                   <a:srgbClr val="0070C0"/>
                 </a:solidFill>
               </a:rPr>
-              <a:t>Referências</a:t>
+              <a:t>Sofwtare</a:t>
             </a:r>
             <a:r>
               <a:rPr lang="en-US" b="1" dirty="0">
@@ -5417,7 +8646,7 @@
                   <a:srgbClr val="0070C0"/>
                 </a:solidFill>
               </a:rPr>
-              <a:t>Bibliográficas</a:t>
+              <a:t>Embacados</a:t>
             </a:r>
             <a:endParaRPr lang="en-US" b="1" dirty="0">
               <a:solidFill>
@@ -5439,8 +8668,8 @@
         </p:nvSpPr>
         <p:spPr>
           <a:xfrm>
-            <a:off x="142865" y="1200150"/>
-            <a:ext cx="8865056" cy="3737369"/>
+            <a:off x="142865" y="1187958"/>
+            <a:ext cx="8865056" cy="3542298"/>
           </a:xfrm>
         </p:spPr>
         <p:txBody>
@@ -5453,142 +8682,44 @@
               <a:buNone/>
             </a:pPr>
             <a:r>
-              <a:rPr lang="pt-BR" sz="1800" dirty="0">
-                <a:latin typeface="Calibri" panose="020F0502020204030204" pitchFamily="34" charset="0"/>
-              </a:rPr>
-              <a:t>[1] </a:t>
-            </a:r>
-            <a:r>
-              <a:rPr lang="pt-BR" sz="1800" b="1" dirty="0">
-                <a:latin typeface="Calibri" panose="020F0502020204030204" pitchFamily="34" charset="0"/>
-              </a:rPr>
-              <a:t>OSSADA, Jaime </a:t>
-            </a:r>
-            <a:r>
-              <a:rPr lang="pt-BR" sz="1800" b="1" dirty="0" err="1">
-                <a:latin typeface="Calibri" panose="020F0502020204030204" pitchFamily="34" charset="0"/>
-              </a:rPr>
-              <a:t>Cazuhiro</a:t>
-            </a:r>
-            <a:r>
-              <a:rPr lang="pt-BR" sz="1800" b="1" dirty="0">
-                <a:latin typeface="Calibri" panose="020F0502020204030204" pitchFamily="34" charset="0"/>
-              </a:rPr>
-              <a:t> et al. GERSE</a:t>
-            </a:r>
-            <a:r>
-              <a:rPr lang="pt-BR" sz="1800" dirty="0">
-                <a:latin typeface="Calibri" panose="020F0502020204030204" pitchFamily="34" charset="0"/>
-              </a:rPr>
-              <a:t>: Guia de </a:t>
-            </a:r>
-            <a:r>
-              <a:rPr lang="pt-BR" sz="1800" dirty="0" err="1">
-                <a:latin typeface="Calibri" panose="020F0502020204030204" pitchFamily="34" charset="0"/>
-              </a:rPr>
-              <a:t>Elicitação</a:t>
-            </a:r>
-            <a:r>
-              <a:rPr lang="pt-BR" sz="1800" dirty="0">
-                <a:latin typeface="Calibri" panose="020F0502020204030204" pitchFamily="34" charset="0"/>
-              </a:rPr>
-              <a:t> de Requisitos para Sistemas Embarcados. In: WER. 2012.</a:t>
+              <a:rPr lang="pt-BR" sz="2000" b="1" dirty="0">
+                <a:solidFill>
+                  <a:schemeClr val="tx1"/>
+                </a:solidFill>
+                <a:latin typeface="Times New Roman" panose="02020603050405020304" pitchFamily="18" charset="0"/>
+                <a:cs typeface="Times New Roman" panose="02020603050405020304" pitchFamily="18" charset="0"/>
+              </a:rPr>
+              <a:t>Bare Metal</a:t>
+            </a:r>
+            <a:r>
+              <a:rPr lang="pt-BR" sz="2000" dirty="0">
+                <a:solidFill>
+                  <a:schemeClr val="tx1"/>
+                </a:solidFill>
+                <a:latin typeface="Times New Roman" panose="02020603050405020304" pitchFamily="18" charset="0"/>
+                <a:cs typeface="Times New Roman" panose="02020603050405020304" pitchFamily="18" charset="0"/>
+              </a:rPr>
+              <a:t> </a:t>
+            </a:r>
+            <a:r>
+              <a:rPr lang="pt-BR" sz="2000" b="1" dirty="0">
+                <a:solidFill>
+                  <a:srgbClr val="FF0000"/>
+                </a:solidFill>
+                <a:latin typeface="Times New Roman" panose="02020603050405020304" pitchFamily="18" charset="0"/>
+                <a:cs typeface="Times New Roman" panose="02020603050405020304" pitchFamily="18" charset="0"/>
+              </a:rPr>
+              <a:t>Versão em C </a:t>
             </a:r>
           </a:p>
           <a:p>
             <a:pPr marL="0" indent="0" algn="just">
               <a:buNone/>
             </a:pPr>
-            <a:endParaRPr lang="pt-BR" sz="1800" dirty="0">
-              <a:latin typeface="Calibri" panose="020F0502020204030204" pitchFamily="34" charset="0"/>
-            </a:endParaRPr>
-          </a:p>
-          <a:p>
-            <a:pPr marL="0" indent="0" algn="just">
-              <a:buNone/>
-            </a:pPr>
-            <a:r>
-              <a:rPr lang="pt-BR" sz="1800" dirty="0">
-                <a:latin typeface="Calibri" panose="020F0502020204030204" pitchFamily="34" charset="0"/>
-              </a:rPr>
-              <a:t>[2] </a:t>
-            </a:r>
-            <a:r>
-              <a:rPr lang="pt-BR" sz="1800" b="1" dirty="0">
-                <a:latin typeface="Calibri" panose="020F0502020204030204" pitchFamily="34" charset="0"/>
-              </a:rPr>
-              <a:t>BARBIERO, Andréia Aparecida; HEXSEL, Roberto André.</a:t>
-            </a:r>
-            <a:r>
-              <a:rPr lang="pt-BR" sz="1800" dirty="0">
-                <a:latin typeface="Calibri" panose="020F0502020204030204" pitchFamily="34" charset="0"/>
-              </a:rPr>
-              <a:t> </a:t>
-            </a:r>
-            <a:r>
-              <a:rPr lang="pt-BR" sz="1800" dirty="0" err="1">
-                <a:latin typeface="Calibri" panose="020F0502020204030204" pitchFamily="34" charset="0"/>
-              </a:rPr>
-              <a:t>Simulaçao</a:t>
-            </a:r>
-            <a:r>
-              <a:rPr lang="pt-BR" sz="1800" dirty="0">
-                <a:latin typeface="Calibri" panose="020F0502020204030204" pitchFamily="34" charset="0"/>
-              </a:rPr>
-              <a:t> de Sistemas Embarcados utilizando </a:t>
-            </a:r>
-            <a:r>
-              <a:rPr lang="pt-BR" sz="1800" dirty="0" err="1">
-                <a:latin typeface="Calibri" panose="020F0502020204030204" pitchFamily="34" charset="0"/>
-              </a:rPr>
-              <a:t>ArchC</a:t>
-            </a:r>
-            <a:r>
-              <a:rPr lang="pt-BR" sz="1800" dirty="0">
-                <a:latin typeface="Calibri" panose="020F0502020204030204" pitchFamily="34" charset="0"/>
-              </a:rPr>
-              <a:t>. In: Anais do VII Workshop em Sistemas Computacionais de Alto Desempenho. SBC, 2006. p. 17-24.</a:t>
-            </a:r>
-          </a:p>
-          <a:p>
-            <a:pPr marL="0" indent="0" algn="just">
-              <a:buNone/>
-            </a:pPr>
-            <a:endParaRPr lang="pt-BR" sz="1800" dirty="0">
-              <a:latin typeface="Calibri" panose="020F0502020204030204" pitchFamily="34" charset="0"/>
-            </a:endParaRPr>
-          </a:p>
-          <a:p>
-            <a:pPr marL="0" indent="0" algn="just">
-              <a:buNone/>
-            </a:pPr>
-            <a:r>
-              <a:rPr lang="pt-BR" sz="1800" dirty="0">
-                <a:latin typeface="Times New Roman" panose="02020603050405020304" pitchFamily="18" charset="0"/>
-                <a:cs typeface="Times New Roman" panose="02020603050405020304" pitchFamily="18" charset="0"/>
-              </a:rPr>
-              <a:t>[3] </a:t>
-            </a:r>
-            <a:r>
-              <a:rPr lang="pt-BR" sz="1800" b="1" dirty="0">
-                <a:latin typeface="Times New Roman" panose="02020603050405020304" pitchFamily="18" charset="0"/>
-                <a:cs typeface="Times New Roman" panose="02020603050405020304" pitchFamily="18" charset="0"/>
-              </a:rPr>
-              <a:t>CUNHA, Alessandro F</a:t>
-            </a:r>
-            <a:r>
-              <a:rPr lang="pt-BR" sz="1800" dirty="0">
-                <a:latin typeface="Times New Roman" panose="02020603050405020304" pitchFamily="18" charset="0"/>
-                <a:cs typeface="Times New Roman" panose="02020603050405020304" pitchFamily="18" charset="0"/>
-              </a:rPr>
-              <a:t>. O que são sistemas embarcados. Saber Eletrônica, v. 43, n. 414, p. 1-6, 2007.</a:t>
-            </a:r>
-          </a:p>
-          <a:p>
-            <a:pPr marL="0" indent="0" algn="just">
-              <a:buNone/>
-            </a:pPr>
-            <a:endParaRPr lang="pt-BR" sz="1800" dirty="0">
+            <a:endParaRPr lang="pt-BR" sz="2000" dirty="0">
+              <a:solidFill>
+                <a:schemeClr val="tx1"/>
+              </a:solidFill>
               <a:latin typeface="Times New Roman" panose="02020603050405020304" pitchFamily="18" charset="0"/>
               <a:cs typeface="Times New Roman" panose="02020603050405020304" pitchFamily="18" charset="0"/>
             </a:endParaRPr>
@@ -5598,70 +8729,224 @@
               <a:buNone/>
             </a:pPr>
             <a:r>
-              <a:rPr lang="pt-BR" sz="1800" dirty="0">
-                <a:latin typeface="Times New Roman" panose="02020603050405020304" pitchFamily="18" charset="0"/>
-                <a:cs typeface="Times New Roman" panose="02020603050405020304" pitchFamily="18" charset="0"/>
-              </a:rPr>
-              <a:t>[4] </a:t>
-            </a:r>
-            <a:r>
-              <a:rPr lang="pt-BR" sz="1800" b="1" dirty="0">
-                <a:latin typeface="Times New Roman" panose="02020603050405020304" pitchFamily="18" charset="0"/>
-                <a:cs typeface="Times New Roman" panose="02020603050405020304" pitchFamily="18" charset="0"/>
-              </a:rPr>
-              <a:t>OSSADA, Jaime </a:t>
-            </a:r>
-            <a:r>
-              <a:rPr lang="pt-BR" sz="1800" b="1" dirty="0" err="1">
-                <a:latin typeface="Times New Roman" panose="02020603050405020304" pitchFamily="18" charset="0"/>
-                <a:cs typeface="Times New Roman" panose="02020603050405020304" pitchFamily="18" charset="0"/>
-              </a:rPr>
-              <a:t>Cazuhiro</a:t>
-            </a:r>
-            <a:r>
-              <a:rPr lang="pt-BR" sz="1800" b="1" dirty="0">
-                <a:latin typeface="Times New Roman" panose="02020603050405020304" pitchFamily="18" charset="0"/>
-                <a:cs typeface="Times New Roman" panose="02020603050405020304" pitchFamily="18" charset="0"/>
-              </a:rPr>
-              <a:t> et al. GERSE</a:t>
-            </a:r>
-            <a:r>
-              <a:rPr lang="pt-BR" sz="1800" dirty="0">
-                <a:latin typeface="Times New Roman" panose="02020603050405020304" pitchFamily="18" charset="0"/>
-                <a:cs typeface="Times New Roman" panose="02020603050405020304" pitchFamily="18" charset="0"/>
-              </a:rPr>
-              <a:t>: Guia de </a:t>
-            </a:r>
-            <a:r>
-              <a:rPr lang="pt-BR" sz="1800" dirty="0" err="1">
-                <a:latin typeface="Times New Roman" panose="02020603050405020304" pitchFamily="18" charset="0"/>
-                <a:cs typeface="Times New Roman" panose="02020603050405020304" pitchFamily="18" charset="0"/>
-              </a:rPr>
-              <a:t>Elicitação</a:t>
-            </a:r>
-            <a:r>
-              <a:rPr lang="pt-BR" sz="1800" dirty="0">
-                <a:latin typeface="Times New Roman" panose="02020603050405020304" pitchFamily="18" charset="0"/>
-                <a:cs typeface="Times New Roman" panose="02020603050405020304" pitchFamily="18" charset="0"/>
-              </a:rPr>
-              <a:t> de Requisitos para Sistemas Embarcados. In: WER. 2012.</a:t>
+              <a:rPr lang="pt-BR" sz="2000" dirty="0">
+                <a:solidFill>
+                  <a:schemeClr val="tx1"/>
+                </a:solidFill>
+                <a:latin typeface="Times New Roman" panose="02020603050405020304" pitchFamily="18" charset="0"/>
+                <a:cs typeface="Times New Roman" panose="02020603050405020304" pitchFamily="18" charset="0"/>
+              </a:rPr>
+              <a:t>É usada para desenvolver um firmware geralmente de baixa a média complexidade, aqui, não se faz o uso de um SO de tempo real, tampouco se usa um SO de propósito geral.</a:t>
             </a:r>
           </a:p>
           <a:p>
             <a:pPr marL="0" indent="0" algn="just">
               <a:buNone/>
             </a:pPr>
-            <a:endParaRPr lang="pt-BR" sz="1800" dirty="0">
+            <a:endParaRPr lang="pt-BR" sz="2000" dirty="0">
+              <a:solidFill>
+                <a:schemeClr val="tx1"/>
+              </a:solidFill>
               <a:latin typeface="Times New Roman" panose="02020603050405020304" pitchFamily="18" charset="0"/>
               <a:cs typeface="Times New Roman" panose="02020603050405020304" pitchFamily="18" charset="0"/>
             </a:endParaRPr>
+          </a:p>
+          <a:p>
+            <a:pPr marL="0" indent="0" algn="just">
+              <a:buNone/>
+            </a:pPr>
+            <a:r>
+              <a:rPr lang="pt-BR" sz="2000" dirty="0">
+                <a:solidFill>
+                  <a:schemeClr val="tx1"/>
+                </a:solidFill>
+                <a:latin typeface="Times New Roman" panose="02020603050405020304" pitchFamily="18" charset="0"/>
+                <a:cs typeface="Times New Roman" panose="02020603050405020304" pitchFamily="18" charset="0"/>
+              </a:rPr>
+              <a:t>Há compiladores e </a:t>
+            </a:r>
+            <a:r>
+              <a:rPr lang="pt-BR" sz="2000" dirty="0" err="1">
+                <a:solidFill>
+                  <a:schemeClr val="tx1"/>
+                </a:solidFill>
+                <a:latin typeface="Times New Roman" panose="02020603050405020304" pitchFamily="18" charset="0"/>
+                <a:cs typeface="Times New Roman" panose="02020603050405020304" pitchFamily="18" charset="0"/>
+              </a:rPr>
+              <a:t>linkers</a:t>
+            </a:r>
+            <a:r>
+              <a:rPr lang="pt-BR" sz="2000" dirty="0">
+                <a:solidFill>
+                  <a:schemeClr val="tx1"/>
+                </a:solidFill>
+                <a:latin typeface="Times New Roman" panose="02020603050405020304" pitchFamily="18" charset="0"/>
+                <a:cs typeface="Times New Roman" panose="02020603050405020304" pitchFamily="18" charset="0"/>
+              </a:rPr>
+              <a:t> que geram um binário a ser executado no microcontrolador, logo a </a:t>
+            </a:r>
+            <a:r>
+              <a:rPr lang="pt-BR" sz="2000" b="1" dirty="0" err="1">
+                <a:solidFill>
+                  <a:schemeClr val="tx1"/>
+                </a:solidFill>
+                <a:latin typeface="Times New Roman" panose="02020603050405020304" pitchFamily="18" charset="0"/>
+                <a:cs typeface="Times New Roman" panose="02020603050405020304" pitchFamily="18" charset="0"/>
+              </a:rPr>
+              <a:t>cross</a:t>
+            </a:r>
+            <a:r>
+              <a:rPr lang="pt-BR" sz="2000" b="1" dirty="0">
+                <a:solidFill>
+                  <a:schemeClr val="tx1"/>
+                </a:solidFill>
+                <a:latin typeface="Times New Roman" panose="02020603050405020304" pitchFamily="18" charset="0"/>
+                <a:cs typeface="Times New Roman" panose="02020603050405020304" pitchFamily="18" charset="0"/>
+              </a:rPr>
+              <a:t>-compilação</a:t>
+            </a:r>
+            <a:r>
+              <a:rPr lang="pt-BR" sz="2000" dirty="0">
+                <a:solidFill>
+                  <a:schemeClr val="tx1"/>
+                </a:solidFill>
+                <a:latin typeface="Times New Roman" panose="02020603050405020304" pitchFamily="18" charset="0"/>
+                <a:cs typeface="Times New Roman" panose="02020603050405020304" pitchFamily="18" charset="0"/>
+              </a:rPr>
+              <a:t>. Por isso, geralmente são usadas </a:t>
+            </a:r>
+            <a:r>
+              <a:rPr lang="pt-BR" sz="2000" b="1" dirty="0" err="1">
+                <a:solidFill>
+                  <a:schemeClr val="tx1"/>
+                </a:solidFill>
+                <a:latin typeface="Times New Roman" panose="02020603050405020304" pitchFamily="18" charset="0"/>
+                <a:cs typeface="Times New Roman" panose="02020603050405020304" pitchFamily="18" charset="0"/>
+              </a:rPr>
+              <a:t>toolchains</a:t>
+            </a:r>
+            <a:r>
+              <a:rPr lang="pt-BR" sz="2000" dirty="0">
+                <a:solidFill>
+                  <a:schemeClr val="tx1"/>
+                </a:solidFill>
+                <a:latin typeface="Times New Roman" panose="02020603050405020304" pitchFamily="18" charset="0"/>
+                <a:cs typeface="Times New Roman" panose="02020603050405020304" pitchFamily="18" charset="0"/>
+              </a:rPr>
+              <a:t> (baseadas no </a:t>
+            </a:r>
+            <a:r>
+              <a:rPr lang="pt-BR" sz="2000" b="1" dirty="0">
+                <a:solidFill>
+                  <a:schemeClr val="tx1"/>
+                </a:solidFill>
+                <a:latin typeface="Times New Roman" panose="02020603050405020304" pitchFamily="18" charset="0"/>
+                <a:cs typeface="Times New Roman" panose="02020603050405020304" pitchFamily="18" charset="0"/>
+              </a:rPr>
+              <a:t>GNU GCC</a:t>
+            </a:r>
+            <a:r>
+              <a:rPr lang="pt-BR" sz="2000" dirty="0">
+                <a:solidFill>
+                  <a:schemeClr val="tx1"/>
+                </a:solidFill>
+                <a:latin typeface="Times New Roman" panose="02020603050405020304" pitchFamily="18" charset="0"/>
+                <a:cs typeface="Times New Roman" panose="02020603050405020304" pitchFamily="18" charset="0"/>
+              </a:rPr>
+              <a:t>) para realizar a </a:t>
+            </a:r>
+            <a:r>
+              <a:rPr lang="pt-BR" sz="2000" b="1" dirty="0" err="1">
+                <a:solidFill>
+                  <a:schemeClr val="tx1"/>
+                </a:solidFill>
+                <a:latin typeface="Times New Roman" panose="02020603050405020304" pitchFamily="18" charset="0"/>
+                <a:cs typeface="Times New Roman" panose="02020603050405020304" pitchFamily="18" charset="0"/>
+              </a:rPr>
+              <a:t>cross</a:t>
+            </a:r>
+            <a:r>
+              <a:rPr lang="pt-BR" sz="2000" b="1" dirty="0">
+                <a:solidFill>
+                  <a:schemeClr val="tx1"/>
+                </a:solidFill>
+                <a:latin typeface="Times New Roman" panose="02020603050405020304" pitchFamily="18" charset="0"/>
+                <a:cs typeface="Times New Roman" panose="02020603050405020304" pitchFamily="18" charset="0"/>
+              </a:rPr>
+              <a:t> compilação</a:t>
+            </a:r>
+            <a:r>
+              <a:rPr lang="pt-BR" sz="2000" dirty="0">
+                <a:solidFill>
+                  <a:schemeClr val="tx1"/>
+                </a:solidFill>
+                <a:latin typeface="Times New Roman" panose="02020603050405020304" pitchFamily="18" charset="0"/>
+                <a:cs typeface="Times New Roman" panose="02020603050405020304" pitchFamily="18" charset="0"/>
+              </a:rPr>
+              <a:t>.</a:t>
+            </a:r>
+          </a:p>
+          <a:p>
+            <a:pPr marL="0" indent="0" algn="just">
+              <a:buNone/>
+            </a:pPr>
+            <a:r>
+              <a:rPr lang="pt-BR" sz="2000" dirty="0">
+                <a:solidFill>
+                  <a:schemeClr val="tx1"/>
+                </a:solidFill>
+                <a:latin typeface="Times New Roman" panose="02020603050405020304" pitchFamily="18" charset="0"/>
+                <a:cs typeface="Times New Roman" panose="02020603050405020304" pitchFamily="18" charset="0"/>
+              </a:rPr>
+              <a:t>	</a:t>
+            </a:r>
+            <a:r>
+              <a:rPr lang="pt-BR" sz="2000" b="1" dirty="0">
+                <a:solidFill>
+                  <a:srgbClr val="FF0000"/>
+                </a:solidFill>
+                <a:latin typeface="Times New Roman" panose="02020603050405020304" pitchFamily="18" charset="0"/>
+                <a:cs typeface="Times New Roman" panose="02020603050405020304" pitchFamily="18" charset="0"/>
+              </a:rPr>
+              <a:t>Exemplo</a:t>
+            </a:r>
+            <a:r>
+              <a:rPr lang="pt-BR" sz="2000" dirty="0">
+                <a:solidFill>
+                  <a:schemeClr val="tx1"/>
+                </a:solidFill>
+                <a:latin typeface="Times New Roman" panose="02020603050405020304" pitchFamily="18" charset="0"/>
+                <a:cs typeface="Times New Roman" panose="02020603050405020304" pitchFamily="18" charset="0"/>
+              </a:rPr>
+              <a:t>: </a:t>
+            </a:r>
+            <a:r>
+              <a:rPr lang="pt-BR" sz="2000" b="1" dirty="0">
+                <a:solidFill>
+                  <a:schemeClr val="tx1"/>
+                </a:solidFill>
+                <a:latin typeface="Times New Roman" panose="02020603050405020304" pitchFamily="18" charset="0"/>
+                <a:cs typeface="Times New Roman" panose="02020603050405020304" pitchFamily="18" charset="0"/>
+              </a:rPr>
+              <a:t>Arduino</a:t>
+            </a:r>
+            <a:r>
+              <a:rPr lang="pt-BR" sz="2000" dirty="0">
+                <a:solidFill>
+                  <a:schemeClr val="tx1"/>
+                </a:solidFill>
+                <a:latin typeface="Times New Roman" panose="02020603050405020304" pitchFamily="18" charset="0"/>
+                <a:cs typeface="Times New Roman" panose="02020603050405020304" pitchFamily="18" charset="0"/>
+              </a:rPr>
+              <a:t>.</a:t>
+            </a:r>
           </a:p>
         </p:txBody>
       </p:sp>
     </p:spTree>
     <p:extLst>
       <p:ext uri="{BB962C8B-B14F-4D97-AF65-F5344CB8AC3E}">
-        <p14:creationId xmlns:p14="http://schemas.microsoft.com/office/powerpoint/2010/main" val="1115311843"/>
+        <p14:creationId xmlns:p14="http://schemas.microsoft.com/office/powerpoint/2010/main" val="3371560352"/>
       </p:ext>
     </p:extLst>
   </p:cSld>
@@ -5689,67 +8974,9 @@
           <a:chExt cx="0" cy="0"/>
         </a:xfrm>
       </p:grpSpPr>
-      <p:pic>
-        <p:nvPicPr>
-          <p:cNvPr id="112" name="Picture 6" descr="Picture 6"/>
-          <p:cNvPicPr>
-            <a:picLocks noChangeAspect="1"/>
-          </p:cNvPicPr>
-          <p:nvPr/>
-        </p:nvPicPr>
-        <p:blipFill>
-          <a:blip r:embed="rId2"/>
-          <a:stretch>
-            <a:fillRect/>
-          </a:stretch>
-        </p:blipFill>
-        <p:spPr>
-          <a:xfrm>
-            <a:off x="0" y="0"/>
-            <a:ext cx="9144000" cy="5143500"/>
-          </a:xfrm>
-          <a:prstGeom prst="rect">
-            <a:avLst/>
-          </a:prstGeom>
-          <a:ln w="12700">
-            <a:miter lim="400000"/>
-            <a:headEnd/>
-            <a:tailEnd/>
-          </a:ln>
-        </p:spPr>
-      </p:pic>
-      <p:pic>
-        <p:nvPicPr>
-          <p:cNvPr id="114" name="Picture 5" descr="Picture 5"/>
-          <p:cNvPicPr>
-            <a:picLocks noChangeAspect="1"/>
-          </p:cNvPicPr>
-          <p:nvPr/>
-        </p:nvPicPr>
-        <p:blipFill>
-          <a:blip r:embed="rId3"/>
-          <a:stretch>
-            <a:fillRect/>
-          </a:stretch>
-        </p:blipFill>
-        <p:spPr>
-          <a:xfrm>
-            <a:off x="469900" y="0"/>
-            <a:ext cx="4391984" cy="171450"/>
-          </a:xfrm>
-          <a:prstGeom prst="rect">
-            <a:avLst/>
-          </a:prstGeom>
-          <a:ln w="12700">
-            <a:miter lim="400000"/>
-            <a:headEnd/>
-            <a:tailEnd/>
-          </a:ln>
-        </p:spPr>
-      </p:pic>
       <p:sp>
         <p:nvSpPr>
-          <p:cNvPr id="3" name="Título 2"/>
+          <p:cNvPr id="6" name="Title 1"/>
           <p:cNvSpPr>
             <a:spLocks noGrp="1"/>
           </p:cNvSpPr>
@@ -5759,8 +8986,62 @@
         </p:nvSpPr>
         <p:spPr>
           <a:xfrm>
-            <a:off x="285751" y="2386770"/>
-            <a:ext cx="8615364" cy="1102519"/>
+            <a:off x="457200" y="205980"/>
+            <a:ext cx="8229600" cy="857251"/>
+          </a:xfrm>
+        </p:spPr>
+        <p:txBody>
+          <a:bodyPr>
+            <a:normAutofit/>
+          </a:bodyPr>
+          <a:lstStyle/>
+          <a:p>
+            <a:r>
+              <a:rPr lang="en-US" b="1" dirty="0" err="1">
+                <a:solidFill>
+                  <a:srgbClr val="0070C0"/>
+                </a:solidFill>
+              </a:rPr>
+              <a:t>Sofwtare</a:t>
+            </a:r>
+            <a:r>
+              <a:rPr lang="en-US" b="1" dirty="0">
+                <a:solidFill>
+                  <a:srgbClr val="0070C0"/>
+                </a:solidFill>
+              </a:rPr>
+              <a:t> </a:t>
+            </a:r>
+            <a:r>
+              <a:rPr lang="en-US" b="1" dirty="0" err="1">
+                <a:solidFill>
+                  <a:srgbClr val="0070C0"/>
+                </a:solidFill>
+              </a:rPr>
+              <a:t>Embacados</a:t>
+            </a:r>
+            <a:endParaRPr lang="en-US" b="1" dirty="0">
+              <a:solidFill>
+                <a:srgbClr val="0070C0"/>
+              </a:solidFill>
+            </a:endParaRPr>
+          </a:p>
+        </p:txBody>
+      </p:sp>
+      <p:sp>
+        <p:nvSpPr>
+          <p:cNvPr id="8" name="Text Placeholder 2"/>
+          <p:cNvSpPr>
+            <a:spLocks noGrp="1"/>
+          </p:cNvSpPr>
+          <p:nvPr>
+            <p:ph type="body" sz="half" idx="1"/>
+          </p:nvPr>
+        </p:nvSpPr>
+        <p:spPr>
+          <a:xfrm>
+            <a:off x="142865" y="1187958"/>
+            <a:ext cx="8865056" cy="3542298"/>
           </a:xfrm>
         </p:spPr>
         <p:txBody>
@@ -5769,356 +9050,169 @@
           </a:bodyPr>
           <a:lstStyle/>
           <a:p>
-            <a:r>
-              <a:rPr lang="pt-BR" sz="4800" b="1" dirty="0">
-                <a:solidFill>
-                  <a:schemeClr val="bg1"/>
-                </a:solidFill>
-              </a:rPr>
-              <a:t>Programação Microcontroladores</a:t>
+            <a:pPr marL="0" indent="0" algn="just">
+              <a:buNone/>
+            </a:pPr>
+            <a:r>
+              <a:rPr lang="pt-BR" sz="2000" b="1" dirty="0">
+                <a:solidFill>
+                  <a:schemeClr val="tx1"/>
+                </a:solidFill>
+                <a:latin typeface="Times New Roman" panose="02020603050405020304" pitchFamily="18" charset="0"/>
+                <a:cs typeface="Times New Roman" panose="02020603050405020304" pitchFamily="18" charset="0"/>
+              </a:rPr>
+              <a:t>Versão em Python</a:t>
+            </a:r>
+          </a:p>
+          <a:p>
+            <a:pPr marL="0" indent="0" algn="just">
+              <a:buNone/>
+            </a:pPr>
+            <a:endParaRPr lang="pt-BR" sz="2000" dirty="0">
+              <a:solidFill>
+                <a:schemeClr val="tx1"/>
+              </a:solidFill>
+              <a:latin typeface="Times New Roman" panose="02020603050405020304" pitchFamily="18" charset="0"/>
+              <a:cs typeface="Times New Roman" panose="02020603050405020304" pitchFamily="18" charset="0"/>
+            </a:endParaRPr>
+          </a:p>
+          <a:p>
+            <a:pPr marL="0" indent="0" algn="just">
+              <a:buNone/>
+            </a:pPr>
+            <a:r>
+              <a:rPr lang="pt-BR" sz="2000" dirty="0">
+                <a:solidFill>
+                  <a:schemeClr val="tx1"/>
+                </a:solidFill>
+                <a:latin typeface="Times New Roman" panose="02020603050405020304" pitchFamily="18" charset="0"/>
+                <a:cs typeface="Times New Roman" panose="02020603050405020304" pitchFamily="18" charset="0"/>
+              </a:rPr>
+              <a:t>O Python utilizado em plataformas embarcadas sem SO tem o propósito de facilitar o desenvolvimento do código para controlar dispositivos a partir de rotinas simples, curtas (poucas linhas) e com alta legibilidade. </a:t>
+            </a:r>
+          </a:p>
+          <a:p>
+            <a:pPr marL="0" indent="0" algn="just">
+              <a:buNone/>
+            </a:pPr>
+            <a:endParaRPr lang="pt-BR" sz="2000" dirty="0">
+              <a:solidFill>
+                <a:schemeClr val="tx1"/>
+              </a:solidFill>
+              <a:latin typeface="Times New Roman" panose="02020603050405020304" pitchFamily="18" charset="0"/>
+              <a:cs typeface="Times New Roman" panose="02020603050405020304" pitchFamily="18" charset="0"/>
+            </a:endParaRPr>
+          </a:p>
+          <a:p>
+            <a:pPr marL="0" indent="0" algn="just">
+              <a:buNone/>
+            </a:pPr>
+            <a:r>
+              <a:rPr lang="pt-BR" sz="2000" b="1" dirty="0">
+                <a:solidFill>
+                  <a:schemeClr val="tx1"/>
+                </a:solidFill>
+                <a:latin typeface="Times New Roman" panose="02020603050405020304" pitchFamily="18" charset="0"/>
+                <a:cs typeface="Times New Roman" panose="02020603050405020304" pitchFamily="18" charset="0"/>
+              </a:rPr>
+              <a:t>Exemplos</a:t>
+            </a:r>
+            <a:r>
+              <a:rPr lang="pt-BR" sz="2000" dirty="0">
+                <a:solidFill>
+                  <a:schemeClr val="tx1"/>
+                </a:solidFill>
+                <a:latin typeface="Times New Roman" panose="02020603050405020304" pitchFamily="18" charset="0"/>
+                <a:cs typeface="Times New Roman" panose="02020603050405020304" pitchFamily="18" charset="0"/>
+              </a:rPr>
+              <a:t>:</a:t>
+            </a:r>
+            <a:r>
+              <a:rPr lang="pt-BR" sz="2000" b="1" dirty="0">
+                <a:solidFill>
+                  <a:schemeClr val="tx1"/>
+                </a:solidFill>
+                <a:latin typeface="Times New Roman" panose="02020603050405020304" pitchFamily="18" charset="0"/>
+                <a:cs typeface="Times New Roman" panose="02020603050405020304" pitchFamily="18" charset="0"/>
+              </a:rPr>
+              <a:t> </a:t>
+            </a:r>
+            <a:r>
+              <a:rPr lang="pt-BR" sz="2000" b="1" dirty="0" err="1">
+                <a:solidFill>
+                  <a:srgbClr val="FF0000"/>
+                </a:solidFill>
+                <a:latin typeface="Times New Roman" panose="02020603050405020304" pitchFamily="18" charset="0"/>
+                <a:cs typeface="Times New Roman" panose="02020603050405020304" pitchFamily="18" charset="0"/>
+              </a:rPr>
+              <a:t>MicroPython</a:t>
+            </a:r>
+            <a:r>
+              <a:rPr lang="pt-BR" sz="2000" dirty="0">
+                <a:solidFill>
+                  <a:schemeClr val="tx1"/>
+                </a:solidFill>
+                <a:latin typeface="Times New Roman" panose="02020603050405020304" pitchFamily="18" charset="0"/>
+                <a:cs typeface="Times New Roman" panose="02020603050405020304" pitchFamily="18" charset="0"/>
+              </a:rPr>
+              <a:t> e </a:t>
+            </a:r>
+            <a:r>
+              <a:rPr lang="pt-BR" sz="2000" b="1" dirty="0" err="1">
+                <a:solidFill>
+                  <a:srgbClr val="FF0000"/>
+                </a:solidFill>
+                <a:latin typeface="Times New Roman" panose="02020603050405020304" pitchFamily="18" charset="0"/>
+                <a:cs typeface="Times New Roman" panose="02020603050405020304" pitchFamily="18" charset="0"/>
+              </a:rPr>
+              <a:t>CircuitPython</a:t>
+            </a:r>
+            <a:r>
+              <a:rPr lang="pt-BR" sz="2000" dirty="0">
+                <a:solidFill>
+                  <a:schemeClr val="tx1"/>
+                </a:solidFill>
+                <a:latin typeface="Times New Roman" panose="02020603050405020304" pitchFamily="18" charset="0"/>
+                <a:cs typeface="Times New Roman" panose="02020603050405020304" pitchFamily="18" charset="0"/>
+              </a:rPr>
+              <a:t> </a:t>
+            </a:r>
+          </a:p>
+          <a:p>
+            <a:pPr marL="0" indent="0" algn="just">
+              <a:buNone/>
+            </a:pPr>
+            <a:endParaRPr lang="pt-BR" sz="2000" dirty="0">
+              <a:solidFill>
+                <a:schemeClr val="tx1"/>
+              </a:solidFill>
+              <a:latin typeface="Times New Roman" panose="02020603050405020304" pitchFamily="18" charset="0"/>
+              <a:cs typeface="Times New Roman" panose="02020603050405020304" pitchFamily="18" charset="0"/>
+            </a:endParaRPr>
+          </a:p>
+          <a:p>
+            <a:pPr marL="0" indent="0" algn="just">
+              <a:buNone/>
+            </a:pPr>
+            <a:r>
+              <a:rPr lang="pt-BR" sz="2000" dirty="0">
+                <a:solidFill>
+                  <a:schemeClr val="tx1"/>
+                </a:solidFill>
+                <a:latin typeface="Times New Roman" panose="02020603050405020304" pitchFamily="18" charset="0"/>
+                <a:cs typeface="Times New Roman" panose="02020603050405020304" pitchFamily="18" charset="0"/>
+              </a:rPr>
+              <a:t>Permite um fácil controle de microcontroladores de baixo custo.</a:t>
             </a:r>
           </a:p>
         </p:txBody>
       </p:sp>
-      <p:sp>
-        <p:nvSpPr>
-          <p:cNvPr id="6" name="Título 2"/>
-          <p:cNvSpPr txBox="1"/>
-          <p:nvPr/>
-        </p:nvSpPr>
-        <p:spPr>
-          <a:xfrm>
-            <a:off x="975683" y="3866663"/>
-            <a:ext cx="7772400" cy="1102519"/>
-          </a:xfrm>
-          <a:prstGeom prst="rect">
-            <a:avLst/>
-          </a:prstGeom>
-          <a:ln w="12700">
-            <a:miter lim="400000"/>
-          </a:ln>
-        </p:spPr>
-        <p:txBody>
-          <a:bodyPr lIns="45718" tIns="45718" rIns="45718" bIns="45718" anchor="ctr">
-            <a:noAutofit/>
-          </a:bodyPr>
-          <a:lstStyle>
-            <a:lvl1pPr marL="0" marR="0" indent="0" algn="ctr" defTabSz="457200" rtl="0" latinLnBrk="0">
-              <a:lnSpc>
-                <a:spcPct val="100000"/>
-              </a:lnSpc>
-              <a:spcBef>
-                <a:spcPts val="0"/>
-              </a:spcBef>
-              <a:spcAft>
-                <a:spcPts val="0"/>
-              </a:spcAft>
-              <a:buClrTx/>
-              <a:buSzTx/>
-              <a:buFontTx/>
-              <a:buNone/>
-              <a:defRPr sz="4400" b="0" i="0" u="none" strike="noStrike" cap="none" spc="0" baseline="0">
-                <a:ln>
-                  <a:noFill/>
-                </a:ln>
-                <a:solidFill>
-                  <a:srgbClr val="000000"/>
-                </a:solidFill>
-                <a:uFillTx/>
-                <a:latin typeface="+mj-lt"/>
-                <a:ea typeface="+mj-ea"/>
-                <a:cs typeface="+mj-cs"/>
-                <a:sym typeface="Calibri"/>
-              </a:defRPr>
-            </a:lvl1pPr>
-            <a:lvl2pPr marL="0" marR="0" indent="0" algn="ctr" defTabSz="457200" rtl="0" latinLnBrk="0">
-              <a:lnSpc>
-                <a:spcPct val="100000"/>
-              </a:lnSpc>
-              <a:spcBef>
-                <a:spcPts val="0"/>
-              </a:spcBef>
-              <a:spcAft>
-                <a:spcPts val="0"/>
-              </a:spcAft>
-              <a:buClrTx/>
-              <a:buSzTx/>
-              <a:buFontTx/>
-              <a:buNone/>
-              <a:defRPr sz="4400" b="0" i="0" u="none" strike="noStrike" cap="none" spc="0" baseline="0">
-                <a:ln>
-                  <a:noFill/>
-                </a:ln>
-                <a:solidFill>
-                  <a:srgbClr val="000000"/>
-                </a:solidFill>
-                <a:uFillTx/>
-                <a:latin typeface="+mj-lt"/>
-                <a:ea typeface="+mj-ea"/>
-                <a:cs typeface="+mj-cs"/>
-                <a:sym typeface="Calibri"/>
-              </a:defRPr>
-            </a:lvl2pPr>
-            <a:lvl3pPr marL="0" marR="0" indent="0" algn="ctr" defTabSz="457200" rtl="0" latinLnBrk="0">
-              <a:lnSpc>
-                <a:spcPct val="100000"/>
-              </a:lnSpc>
-              <a:spcBef>
-                <a:spcPts val="0"/>
-              </a:spcBef>
-              <a:spcAft>
-                <a:spcPts val="0"/>
-              </a:spcAft>
-              <a:buClrTx/>
-              <a:buSzTx/>
-              <a:buFontTx/>
-              <a:buNone/>
-              <a:defRPr sz="4400" b="0" i="0" u="none" strike="noStrike" cap="none" spc="0" baseline="0">
-                <a:ln>
-                  <a:noFill/>
-                </a:ln>
-                <a:solidFill>
-                  <a:srgbClr val="000000"/>
-                </a:solidFill>
-                <a:uFillTx/>
-                <a:latin typeface="+mj-lt"/>
-                <a:ea typeface="+mj-ea"/>
-                <a:cs typeface="+mj-cs"/>
-                <a:sym typeface="Calibri"/>
-              </a:defRPr>
-            </a:lvl3pPr>
-            <a:lvl4pPr marL="0" marR="0" indent="0" algn="ctr" defTabSz="457200" rtl="0" latinLnBrk="0">
-              <a:lnSpc>
-                <a:spcPct val="100000"/>
-              </a:lnSpc>
-              <a:spcBef>
-                <a:spcPts val="0"/>
-              </a:spcBef>
-              <a:spcAft>
-                <a:spcPts val="0"/>
-              </a:spcAft>
-              <a:buClrTx/>
-              <a:buSzTx/>
-              <a:buFontTx/>
-              <a:buNone/>
-              <a:defRPr sz="4400" b="0" i="0" u="none" strike="noStrike" cap="none" spc="0" baseline="0">
-                <a:ln>
-                  <a:noFill/>
-                </a:ln>
-                <a:solidFill>
-                  <a:srgbClr val="000000"/>
-                </a:solidFill>
-                <a:uFillTx/>
-                <a:latin typeface="+mj-lt"/>
-                <a:ea typeface="+mj-ea"/>
-                <a:cs typeface="+mj-cs"/>
-                <a:sym typeface="Calibri"/>
-              </a:defRPr>
-            </a:lvl4pPr>
-            <a:lvl5pPr marL="0" marR="0" indent="0" algn="ctr" defTabSz="457200" rtl="0" latinLnBrk="0">
-              <a:lnSpc>
-                <a:spcPct val="100000"/>
-              </a:lnSpc>
-              <a:spcBef>
-                <a:spcPts val="0"/>
-              </a:spcBef>
-              <a:spcAft>
-                <a:spcPts val="0"/>
-              </a:spcAft>
-              <a:buClrTx/>
-              <a:buSzTx/>
-              <a:buFontTx/>
-              <a:buNone/>
-              <a:defRPr sz="4400" b="0" i="0" u="none" strike="noStrike" cap="none" spc="0" baseline="0">
-                <a:ln>
-                  <a:noFill/>
-                </a:ln>
-                <a:solidFill>
-                  <a:srgbClr val="000000"/>
-                </a:solidFill>
-                <a:uFillTx/>
-                <a:latin typeface="+mj-lt"/>
-                <a:ea typeface="+mj-ea"/>
-                <a:cs typeface="+mj-cs"/>
-                <a:sym typeface="Calibri"/>
-              </a:defRPr>
-            </a:lvl5pPr>
-            <a:lvl6pPr marL="0" marR="0" indent="0" algn="ctr" defTabSz="457200" rtl="0" latinLnBrk="0">
-              <a:lnSpc>
-                <a:spcPct val="100000"/>
-              </a:lnSpc>
-              <a:spcBef>
-                <a:spcPts val="0"/>
-              </a:spcBef>
-              <a:spcAft>
-                <a:spcPts val="0"/>
-              </a:spcAft>
-              <a:buClrTx/>
-              <a:buSzTx/>
-              <a:buFontTx/>
-              <a:buNone/>
-              <a:defRPr sz="4400" b="0" i="0" u="none" strike="noStrike" cap="none" spc="0" baseline="0">
-                <a:ln>
-                  <a:noFill/>
-                </a:ln>
-                <a:solidFill>
-                  <a:srgbClr val="000000"/>
-                </a:solidFill>
-                <a:uFillTx/>
-                <a:latin typeface="+mj-lt"/>
-                <a:ea typeface="+mj-ea"/>
-                <a:cs typeface="+mj-cs"/>
-                <a:sym typeface="Calibri"/>
-              </a:defRPr>
-            </a:lvl6pPr>
-            <a:lvl7pPr marL="0" marR="0" indent="0" algn="ctr" defTabSz="457200" rtl="0" latinLnBrk="0">
-              <a:lnSpc>
-                <a:spcPct val="100000"/>
-              </a:lnSpc>
-              <a:spcBef>
-                <a:spcPts val="0"/>
-              </a:spcBef>
-              <a:spcAft>
-                <a:spcPts val="0"/>
-              </a:spcAft>
-              <a:buClrTx/>
-              <a:buSzTx/>
-              <a:buFontTx/>
-              <a:buNone/>
-              <a:defRPr sz="4400" b="0" i="0" u="none" strike="noStrike" cap="none" spc="0" baseline="0">
-                <a:ln>
-                  <a:noFill/>
-                </a:ln>
-                <a:solidFill>
-                  <a:srgbClr val="000000"/>
-                </a:solidFill>
-                <a:uFillTx/>
-                <a:latin typeface="+mj-lt"/>
-                <a:ea typeface="+mj-ea"/>
-                <a:cs typeface="+mj-cs"/>
-                <a:sym typeface="Calibri"/>
-              </a:defRPr>
-            </a:lvl7pPr>
-            <a:lvl8pPr marL="0" marR="0" indent="0" algn="ctr" defTabSz="457200" rtl="0" latinLnBrk="0">
-              <a:lnSpc>
-                <a:spcPct val="100000"/>
-              </a:lnSpc>
-              <a:spcBef>
-                <a:spcPts val="0"/>
-              </a:spcBef>
-              <a:spcAft>
-                <a:spcPts val="0"/>
-              </a:spcAft>
-              <a:buClrTx/>
-              <a:buSzTx/>
-              <a:buFontTx/>
-              <a:buNone/>
-              <a:defRPr sz="4400" b="0" i="0" u="none" strike="noStrike" cap="none" spc="0" baseline="0">
-                <a:ln>
-                  <a:noFill/>
-                </a:ln>
-                <a:solidFill>
-                  <a:srgbClr val="000000"/>
-                </a:solidFill>
-                <a:uFillTx/>
-                <a:latin typeface="+mj-lt"/>
-                <a:ea typeface="+mj-ea"/>
-                <a:cs typeface="+mj-cs"/>
-                <a:sym typeface="Calibri"/>
-              </a:defRPr>
-            </a:lvl8pPr>
-            <a:lvl9pPr marL="0" marR="0" indent="0" algn="ctr" defTabSz="457200" rtl="0" latinLnBrk="0">
-              <a:lnSpc>
-                <a:spcPct val="100000"/>
-              </a:lnSpc>
-              <a:spcBef>
-                <a:spcPts val="0"/>
-              </a:spcBef>
-              <a:spcAft>
-                <a:spcPts val="0"/>
-              </a:spcAft>
-              <a:buClrTx/>
-              <a:buSzTx/>
-              <a:buFontTx/>
-              <a:buNone/>
-              <a:defRPr sz="4400" b="0" i="0" u="none" strike="noStrike" cap="none" spc="0" baseline="0">
-                <a:ln>
-                  <a:noFill/>
-                </a:ln>
-                <a:solidFill>
-                  <a:srgbClr val="000000"/>
-                </a:solidFill>
-                <a:uFillTx/>
-                <a:latin typeface="+mj-lt"/>
-                <a:ea typeface="+mj-ea"/>
-                <a:cs typeface="+mj-cs"/>
-                <a:sym typeface="Calibri"/>
-              </a:defRPr>
-            </a:lvl9pPr>
-          </a:lstStyle>
-          <a:p>
-            <a:pPr algn="r" hangingPunct="1"/>
-            <a:r>
-              <a:rPr lang="pt-BR" sz="2000" b="1" dirty="0">
-                <a:solidFill>
-                  <a:schemeClr val="bg1"/>
-                </a:solidFill>
-              </a:rPr>
-              <a:t>Professor </a:t>
-            </a:r>
-            <a:r>
-              <a:rPr lang="pt-BR" sz="2000" b="1">
-                <a:solidFill>
-                  <a:schemeClr val="bg1"/>
-                </a:solidFill>
-              </a:rPr>
-              <a:t>M.Sc</a:t>
-            </a:r>
-            <a:r>
-              <a:rPr lang="pt-BR" sz="2000" b="1" dirty="0">
-                <a:solidFill>
-                  <a:schemeClr val="bg1"/>
-                </a:solidFill>
-              </a:rPr>
-              <a:t>. Heleno Cardoso</a:t>
-            </a:r>
-          </a:p>
-        </p:txBody>
-      </p:sp>
-      <p:pic>
-        <p:nvPicPr>
-          <p:cNvPr id="2" name="Google Shape;62;p1" descr="Imagem">
-            <a:extLst>
-              <a:ext uri="{FF2B5EF4-FFF2-40B4-BE49-F238E27FC236}">
-                <a16:creationId xmlns:a16="http://schemas.microsoft.com/office/drawing/2014/main" id="{9C895622-2963-024D-634E-EA58F5381D06}"/>
-              </a:ext>
-            </a:extLst>
-          </p:cNvPr>
-          <p:cNvPicPr preferRelativeResize="0"/>
-          <p:nvPr/>
-        </p:nvPicPr>
-        <p:blipFill rotWithShape="1">
-          <a:blip r:embed="rId4">
-            <a:alphaModFix/>
-          </a:blip>
-          <a:srcRect/>
-          <a:stretch/>
-        </p:blipFill>
-        <p:spPr>
-          <a:xfrm>
-            <a:off x="469898" y="343798"/>
-            <a:ext cx="2858518" cy="1338697"/>
-          </a:xfrm>
-          <a:prstGeom prst="rect">
-            <a:avLst/>
-          </a:prstGeom>
-          <a:noFill/>
-          <a:ln>
-            <a:noFill/>
-          </a:ln>
-        </p:spPr>
-      </p:pic>
     </p:spTree>
+    <p:extLst>
+      <p:ext uri="{BB962C8B-B14F-4D97-AF65-F5344CB8AC3E}">
+        <p14:creationId xmlns:p14="http://schemas.microsoft.com/office/powerpoint/2010/main" val="2267654005"/>
+      </p:ext>
+    </p:extLst>
   </p:cSld>
   <p:clrMapOvr>
     <a:masterClrMapping/>

--- a/01 Classes/Aula 09 - Programação Microcontroladores - Projetos com Microcontroladores Limitações.pptx
+++ b/01 Classes/Aula 09 - Programação Microcontroladores - Projetos com Microcontroladores Limitações.pptx
@@ -4485,7 +4485,7 @@
                   <a:srgbClr val="0070C0"/>
                 </a:solidFill>
               </a:rPr>
-              <a:t>Embacados</a:t>
+              <a:t>Embarcados</a:t>
             </a:r>
             <a:endParaRPr lang="en-US" b="1" dirty="0">
               <a:solidFill>
@@ -4778,7 +4778,7 @@
                   <a:srgbClr val="0070C0"/>
                 </a:solidFill>
               </a:rPr>
-              <a:t>Embacados</a:t>
+              <a:t>Embarcados</a:t>
             </a:r>
             <a:endParaRPr lang="en-US" b="1" dirty="0">
               <a:solidFill>
@@ -7921,7 +7921,7 @@
                   <a:srgbClr val="0070C0"/>
                 </a:solidFill>
               </a:rPr>
-              <a:t>Embacados</a:t>
+              <a:t>Embarcados</a:t>
             </a:r>
             <a:endParaRPr lang="en-US" b="1" dirty="0">
               <a:solidFill>
@@ -8220,7 +8220,7 @@
                   <a:srgbClr val="0070C0"/>
                 </a:solidFill>
               </a:rPr>
-              <a:t>Embacados</a:t>
+              <a:t>Embarcados</a:t>
             </a:r>
             <a:endParaRPr lang="en-US" b="1" dirty="0">
               <a:solidFill>
@@ -8256,7 +8256,7 @@
               <a:buNone/>
             </a:pPr>
             <a:r>
-              <a:rPr lang="pt-BR" sz="2000" b="1" dirty="0" err="1">
+              <a:rPr lang="pt-BR" sz="2400" b="1" dirty="0" err="1">
                 <a:solidFill>
                   <a:schemeClr val="tx1"/>
                 </a:solidFill>
@@ -8266,7 +8266,7 @@
               <a:t>BeagleBone</a:t>
             </a:r>
             <a:r>
-              <a:rPr lang="pt-BR" sz="2000" b="1" dirty="0">
+              <a:rPr lang="pt-BR" sz="2400" b="1" dirty="0">
                 <a:solidFill>
                   <a:schemeClr val="tx1"/>
                 </a:solidFill>
@@ -8275,7 +8275,7 @@
               </a:rPr>
               <a:t> Black</a:t>
             </a:r>
-            <a:endParaRPr lang="pt-BR" sz="2000" dirty="0">
+            <a:endParaRPr lang="pt-BR" sz="2400" dirty="0">
               <a:solidFill>
                 <a:schemeClr val="tx1"/>
               </a:solidFill>
@@ -8287,7 +8287,7 @@
             <a:pPr marL="0" indent="0" algn="just">
               <a:buNone/>
             </a:pPr>
-            <a:endParaRPr lang="pt-BR" sz="2000" dirty="0">
+            <a:endParaRPr lang="pt-BR" sz="2400">
               <a:solidFill>
                 <a:schemeClr val="tx1"/>
               </a:solidFill>
@@ -8299,8 +8299,20 @@
             <a:pPr marL="0" indent="0" algn="just">
               <a:buNone/>
             </a:pPr>
-            <a:r>
-              <a:rPr lang="pt-BR" sz="2000" dirty="0">
+            <a:endParaRPr lang="pt-BR" sz="2400" dirty="0">
+              <a:solidFill>
+                <a:schemeClr val="tx1"/>
+              </a:solidFill>
+              <a:latin typeface="Times New Roman" panose="02020603050405020304" pitchFamily="18" charset="0"/>
+              <a:cs typeface="Times New Roman" panose="02020603050405020304" pitchFamily="18" charset="0"/>
+            </a:endParaRPr>
+          </a:p>
+          <a:p>
+            <a:pPr marL="0" indent="0" algn="just">
+              <a:buNone/>
+            </a:pPr>
+            <a:r>
+              <a:rPr lang="pt-BR" sz="2400" dirty="0">
                 <a:solidFill>
                   <a:schemeClr val="tx1"/>
                 </a:solidFill>
@@ -8310,7 +8322,7 @@
               <a:t>É </a:t>
             </a:r>
             <a:r>
-              <a:rPr lang="pt-BR" sz="2000" b="1" dirty="0">
+              <a:rPr lang="pt-BR" sz="2400" b="1" dirty="0">
                 <a:solidFill>
                   <a:schemeClr val="tx1"/>
                 </a:solidFill>
@@ -8320,7 +8332,7 @@
               <a:t>similar às </a:t>
             </a:r>
             <a:r>
-              <a:rPr lang="pt-BR" sz="2000" b="1" dirty="0" err="1">
+              <a:rPr lang="pt-BR" sz="2400" b="1" dirty="0" err="1">
                 <a:solidFill>
                   <a:schemeClr val="tx1"/>
                 </a:solidFill>
@@ -8330,7 +8342,7 @@
               <a:t>Raspberries</a:t>
             </a:r>
             <a:r>
-              <a:rPr lang="pt-BR" sz="2000" b="1" dirty="0">
+              <a:rPr lang="pt-BR" sz="2400" b="1" dirty="0">
                 <a:solidFill>
                   <a:schemeClr val="tx1"/>
                 </a:solidFill>
@@ -8340,7 +8352,7 @@
               <a:t> Pi</a:t>
             </a:r>
             <a:r>
-              <a:rPr lang="pt-BR" sz="2000" dirty="0">
+              <a:rPr lang="pt-BR" sz="2400" dirty="0">
                 <a:solidFill>
                   <a:schemeClr val="tx1"/>
                 </a:solidFill>
@@ -8419,7 +8431,7 @@
                   <a:srgbClr val="0070C0"/>
                 </a:solidFill>
               </a:rPr>
-              <a:t>Embacados</a:t>
+              <a:t>Embarcados</a:t>
             </a:r>
             <a:endParaRPr lang="en-US" b="1" dirty="0">
               <a:solidFill>
@@ -8625,28 +8637,20 @@
           <a:lstStyle/>
           <a:p>
             <a:r>
+              <a:rPr lang="en-US" b="1" dirty="0">
+                <a:solidFill>
+                  <a:srgbClr val="0070C0"/>
+                </a:solidFill>
+              </a:rPr>
+              <a:t>Software </a:t>
+            </a:r>
+            <a:r>
               <a:rPr lang="en-US" b="1" dirty="0" err="1">
                 <a:solidFill>
                   <a:srgbClr val="0070C0"/>
                 </a:solidFill>
               </a:rPr>
-              <a:t>Sofwtare</a:t>
-            </a:r>
-            <a:r>
-              <a:rPr lang="en-US" b="1" dirty="0">
-                <a:solidFill>
-                  <a:srgbClr val="0070C0"/>
-                </a:solidFill>
-              </a:rPr>
-              <a:t> </a:t>
-            </a:r>
-            <a:r>
-              <a:rPr lang="en-US" b="1" dirty="0" err="1">
-                <a:solidFill>
-                  <a:srgbClr val="0070C0"/>
-                </a:solidFill>
-              </a:rPr>
-              <a:t>Embacados</a:t>
+              <a:t>Embarcados</a:t>
             </a:r>
             <a:endParaRPr lang="en-US" b="1" dirty="0">
               <a:solidFill>
@@ -8763,12 +8767,22 @@
                 <a:latin typeface="Times New Roman" panose="02020603050405020304" pitchFamily="18" charset="0"/>
                 <a:cs typeface="Times New Roman" panose="02020603050405020304" pitchFamily="18" charset="0"/>
               </a:rPr>
-              <a:t>Há compiladores e </a:t>
-            </a:r>
-            <a:r>
-              <a:rPr lang="pt-BR" sz="2000" dirty="0" err="1">
-                <a:solidFill>
-                  <a:schemeClr val="tx1"/>
+              <a:t>Há </a:t>
+            </a:r>
+            <a:r>
+              <a:rPr lang="pt-BR" sz="2000" b="1" dirty="0">
+                <a:solidFill>
+                  <a:srgbClr val="FF0000"/>
+                </a:solidFill>
+                <a:latin typeface="Times New Roman" panose="02020603050405020304" pitchFamily="18" charset="0"/>
+                <a:cs typeface="Times New Roman" panose="02020603050405020304" pitchFamily="18" charset="0"/>
+              </a:rPr>
+              <a:t>compiladores e </a:t>
+            </a:r>
+            <a:r>
+              <a:rPr lang="pt-BR" sz="2000" b="1" dirty="0" err="1">
+                <a:solidFill>
+                  <a:srgbClr val="FF0000"/>
                 </a:solidFill>
                 <a:latin typeface="Times New Roman" panose="02020603050405020304" pitchFamily="18" charset="0"/>
                 <a:cs typeface="Times New Roman" panose="02020603050405020304" pitchFamily="18" charset="0"/>
@@ -8997,28 +9011,20 @@
           <a:lstStyle/>
           <a:p>
             <a:r>
+              <a:rPr lang="en-US" b="1" dirty="0">
+                <a:solidFill>
+                  <a:srgbClr val="0070C0"/>
+                </a:solidFill>
+              </a:rPr>
+              <a:t>Software </a:t>
+            </a:r>
+            <a:r>
               <a:rPr lang="en-US" b="1" dirty="0" err="1">
                 <a:solidFill>
                   <a:srgbClr val="0070C0"/>
                 </a:solidFill>
               </a:rPr>
-              <a:t>Sofwtare</a:t>
-            </a:r>
-            <a:r>
-              <a:rPr lang="en-US" b="1" dirty="0">
-                <a:solidFill>
-                  <a:srgbClr val="0070C0"/>
-                </a:solidFill>
-              </a:rPr>
-              <a:t> </a:t>
-            </a:r>
-            <a:r>
-              <a:rPr lang="en-US" b="1" dirty="0" err="1">
-                <a:solidFill>
-                  <a:srgbClr val="0070C0"/>
-                </a:solidFill>
-              </a:rPr>
-              <a:t>Embacados</a:t>
+              <a:t>Embarcados</a:t>
             </a:r>
             <a:endParaRPr lang="en-US" b="1" dirty="0">
               <a:solidFill>
@@ -9088,7 +9094,27 @@
                 <a:latin typeface="Times New Roman" panose="02020603050405020304" pitchFamily="18" charset="0"/>
                 <a:cs typeface="Times New Roman" panose="02020603050405020304" pitchFamily="18" charset="0"/>
               </a:rPr>
-              <a:t>O Python utilizado em plataformas embarcadas sem SO tem o propósito de facilitar o desenvolvimento do código para controlar dispositivos a partir de rotinas simples, curtas (poucas linhas) e com alta legibilidade. </a:t>
+              <a:t>O </a:t>
+            </a:r>
+            <a:r>
+              <a:rPr lang="pt-BR" sz="2000" b="1" dirty="0">
+                <a:solidFill>
+                  <a:schemeClr val="tx1"/>
+                </a:solidFill>
+                <a:latin typeface="Times New Roman" panose="02020603050405020304" pitchFamily="18" charset="0"/>
+                <a:cs typeface="Times New Roman" panose="02020603050405020304" pitchFamily="18" charset="0"/>
+              </a:rPr>
+              <a:t>Python</a:t>
+            </a:r>
+            <a:r>
+              <a:rPr lang="pt-BR" sz="2000" dirty="0">
+                <a:solidFill>
+                  <a:schemeClr val="tx1"/>
+                </a:solidFill>
+                <a:latin typeface="Times New Roman" panose="02020603050405020304" pitchFamily="18" charset="0"/>
+                <a:cs typeface="Times New Roman" panose="02020603050405020304" pitchFamily="18" charset="0"/>
+              </a:rPr>
+              <a:t> utilizado em plataformas embarcadas sem SO tem o propósito de facilitar o desenvolvimento do código para controlar dispositivos a partir de rotinas simples, curtas (poucas linhas) e com alta legibilidade. </a:t>
             </a:r>
           </a:p>
           <a:p>
